--- a/4_Some_Advanced_Examinations/Episode_Four.pptx
+++ b/4_Some_Advanced_Examinations/Episode_Four.pptx
@@ -5,10 +5,10 @@
     <p:sldMasterId id="2147483762" r:id="rId1"/>
   </p:sldMasterIdLst>
   <p:notesMasterIdLst>
-    <p:notesMasterId r:id="rId7"/>
+    <p:notesMasterId r:id="rId21"/>
   </p:notesMasterIdLst>
   <p:handoutMasterIdLst>
-    <p:handoutMasterId r:id="rId8"/>
+    <p:handoutMasterId r:id="rId22"/>
   </p:handoutMasterIdLst>
   <p:sldIdLst>
     <p:sldId id="256" r:id="rId2"/>
@@ -16,6 +16,20 @@
     <p:sldId id="260" r:id="rId4"/>
     <p:sldId id="296" r:id="rId5"/>
     <p:sldId id="297" r:id="rId6"/>
+    <p:sldId id="298" r:id="rId7"/>
+    <p:sldId id="299" r:id="rId8"/>
+    <p:sldId id="300" r:id="rId9"/>
+    <p:sldId id="301" r:id="rId10"/>
+    <p:sldId id="302" r:id="rId11"/>
+    <p:sldId id="303" r:id="rId12"/>
+    <p:sldId id="311" r:id="rId13"/>
+    <p:sldId id="304" r:id="rId14"/>
+    <p:sldId id="306" r:id="rId15"/>
+    <p:sldId id="305" r:id="rId16"/>
+    <p:sldId id="307" r:id="rId17"/>
+    <p:sldId id="308" r:id="rId18"/>
+    <p:sldId id="309" r:id="rId19"/>
+    <p:sldId id="310" r:id="rId20"/>
   </p:sldIdLst>
   <p:sldSz cx="12192000" cy="6858000"/>
   <p:notesSz cx="7010400" cy="9296400"/>
@@ -204,7 +218,7 @@
           <a:p>
             <a:fld id="{EE7149FC-A142-4E70-9A1B-7E28F3992C59}" type="datetimeFigureOut">
               <a:rPr lang="tr-TR" smtClean="0"/>
-              <a:t>16.9.2021</a:t>
+              <a:t>22.9.2021</a:t>
             </a:fld>
             <a:endParaRPr lang="tr-TR"/>
           </a:p>
@@ -369,7 +383,7 @@
           <a:p>
             <a:fld id="{22FAA79C-F01B-444B-8113-010905252F18}" type="datetimeFigureOut">
               <a:rPr lang="tr-TR" smtClean="0"/>
-              <a:t>16.9.2021</a:t>
+              <a:t>22.9.2021</a:t>
             </a:fld>
             <a:endParaRPr lang="tr-TR"/>
           </a:p>
@@ -635,6 +649,90 @@
     </a:lvl9pPr>
   </p:notesStyle>
 </p:notesMaster>
+</file>
+
+<file path=ppt/notesSlides/notesSlide1.xml><?xml version="1.0" encoding="utf-8"?>
+<p:notes xmlns:a="http://schemas.openxmlformats.org/drawingml/2006/main" xmlns:r="http://schemas.openxmlformats.org/officeDocument/2006/relationships" xmlns:p="http://schemas.openxmlformats.org/presentationml/2006/main">
+  <p:cSld>
+    <p:spTree>
+      <p:nvGrpSpPr>
+        <p:cNvPr id="1" name=""/>
+        <p:cNvGrpSpPr/>
+        <p:nvPr/>
+      </p:nvGrpSpPr>
+      <p:grpSpPr>
+        <a:xfrm>
+          <a:off x="0" y="0"/>
+          <a:ext cx="0" cy="0"/>
+          <a:chOff x="0" y="0"/>
+          <a:chExt cx="0" cy="0"/>
+        </a:xfrm>
+      </p:grpSpPr>
+      <p:sp>
+        <p:nvSpPr>
+          <p:cNvPr id="2" name="Slide Image Placeholder 1"/>
+          <p:cNvSpPr>
+            <a:spLocks noGrp="1" noRot="1" noChangeAspect="1"/>
+          </p:cNvSpPr>
+          <p:nvPr>
+            <p:ph type="sldImg"/>
+          </p:nvPr>
+        </p:nvSpPr>
+        <p:spPr/>
+      </p:sp>
+      <p:sp>
+        <p:nvSpPr>
+          <p:cNvPr id="3" name="Notes Placeholder 2"/>
+          <p:cNvSpPr>
+            <a:spLocks noGrp="1"/>
+          </p:cNvSpPr>
+          <p:nvPr>
+            <p:ph type="body" idx="1"/>
+          </p:nvPr>
+        </p:nvSpPr>
+        <p:spPr/>
+        <p:txBody>
+          <a:bodyPr/>
+          <a:lstStyle/>
+          <a:p>
+            <a:endParaRPr lang="tr-TR" dirty="0"/>
+          </a:p>
+        </p:txBody>
+      </p:sp>
+      <p:sp>
+        <p:nvSpPr>
+          <p:cNvPr id="4" name="Slide Number Placeholder 3"/>
+          <p:cNvSpPr>
+            <a:spLocks noGrp="1"/>
+          </p:cNvSpPr>
+          <p:nvPr>
+            <p:ph type="sldNum" sz="quarter" idx="10"/>
+          </p:nvPr>
+        </p:nvSpPr>
+        <p:spPr/>
+        <p:txBody>
+          <a:bodyPr/>
+          <a:lstStyle/>
+          <a:p>
+            <a:fld id="{7B95143B-1D94-4450-BDE9-EE2328A1FDA9}" type="slidenum">
+              <a:rPr lang="tr-TR" smtClean="0"/>
+              <a:t>12</a:t>
+            </a:fld>
+            <a:endParaRPr lang="tr-TR"/>
+          </a:p>
+        </p:txBody>
+      </p:sp>
+    </p:spTree>
+    <p:extLst>
+      <p:ext uri="{BB962C8B-B14F-4D97-AF65-F5344CB8AC3E}">
+        <p14:creationId xmlns:p14="http://schemas.microsoft.com/office/powerpoint/2010/main" val="966204701"/>
+      </p:ext>
+    </p:extLst>
+  </p:cSld>
+  <p:clrMapOvr>
+    <a:masterClrMapping/>
+  </p:clrMapOvr>
+</p:notes>
 </file>
 
 <file path=ppt/slideLayouts/slideLayout1.xml><?xml version="1.0" encoding="utf-8"?>
@@ -1359,7 +1457,7 @@
           <a:p>
             <a:fld id="{9DEC071A-6FD2-4151-A6FF-3C679D984CAB}" type="datetime1">
               <a:rPr lang="en-US" smtClean="0"/>
-              <a:t>9/16/2021</a:t>
+              <a:t>9/22/2021</a:t>
             </a:fld>
             <a:endParaRPr lang="tr-TR"/>
           </a:p>
@@ -1614,7 +1712,7 @@
           <a:p>
             <a:fld id="{ECDF1C57-0D94-4EA0-A269-1F090E47F52B}" type="datetime1">
               <a:rPr lang="en-US" smtClean="0"/>
-              <a:t>9/16/2021</a:t>
+              <a:t>9/22/2021</a:t>
             </a:fld>
             <a:endParaRPr lang="tr-TR"/>
           </a:p>
@@ -1932,7 +2030,7 @@
           <a:p>
             <a:fld id="{8E33EA0B-6EAC-42B5-95AB-E9104F90FB2F}" type="datetime1">
               <a:rPr lang="en-US" smtClean="0"/>
-              <a:t>9/16/2021</a:t>
+              <a:t>9/22/2021</a:t>
             </a:fld>
             <a:endParaRPr lang="tr-TR"/>
           </a:p>
@@ -2277,7 +2375,7 @@
           <a:p>
             <a:fld id="{F37AAF9F-F73A-42A1-AD9A-A6B845DD2F8D}" type="datetime1">
               <a:rPr lang="en-US" smtClean="0"/>
-              <a:t>9/16/2021</a:t>
+              <a:t>9/22/2021</a:t>
             </a:fld>
             <a:endParaRPr lang="tr-TR"/>
           </a:p>
@@ -2595,7 +2693,7 @@
           <a:p>
             <a:fld id="{251CABA6-75C0-447F-981F-C491A6AFAB59}" type="datetime1">
               <a:rPr lang="en-US" smtClean="0"/>
-              <a:t>9/16/2021</a:t>
+              <a:t>9/22/2021</a:t>
             </a:fld>
             <a:endParaRPr lang="tr-TR"/>
           </a:p>
@@ -2992,7 +3090,7 @@
           <a:p>
             <a:fld id="{8ECC6EAF-0004-4B66-917D-2E2A5557DD18}" type="datetime1">
               <a:rPr lang="en-US" smtClean="0"/>
-              <a:t>9/16/2021</a:t>
+              <a:t>9/22/2021</a:t>
             </a:fld>
             <a:endParaRPr lang="tr-TR"/>
           </a:p>
@@ -3166,7 +3264,7 @@
           <a:p>
             <a:fld id="{A5AAE2C4-6A61-4540-918A-81022E77C775}" type="datetime1">
               <a:rPr lang="en-US" smtClean="0"/>
-              <a:t>9/16/2021</a:t>
+              <a:t>9/22/2021</a:t>
             </a:fld>
             <a:endParaRPr lang="tr-TR"/>
           </a:p>
@@ -3350,7 +3448,7 @@
           <a:p>
             <a:fld id="{E24064EA-1B05-4D3C-BAF9-4305FC5F9979}" type="datetime1">
               <a:rPr lang="en-US" smtClean="0"/>
-              <a:t>9/16/2021</a:t>
+              <a:t>9/22/2021</a:t>
             </a:fld>
             <a:endParaRPr lang="tr-TR"/>
           </a:p>
@@ -3530,7 +3628,7 @@
           <a:p>
             <a:fld id="{B42B4FB0-0621-45E6-B97F-F77D45599D8C}" type="datetime1">
               <a:rPr lang="en-US" smtClean="0"/>
-              <a:t>9/16/2021</a:t>
+              <a:t>9/22/2021</a:t>
             </a:fld>
             <a:endParaRPr lang="tr-TR"/>
           </a:p>
@@ -3781,7 +3879,7 @@
           <a:p>
             <a:fld id="{CBDF643A-C1B6-48DF-94B5-4E0D8A24B855}" type="datetime1">
               <a:rPr lang="en-US" smtClean="0"/>
-              <a:t>9/16/2021</a:t>
+              <a:t>9/22/2021</a:t>
             </a:fld>
             <a:endParaRPr lang="tr-TR"/>
           </a:p>
@@ -4017,7 +4115,7 @@
           <a:p>
             <a:fld id="{D7A14827-174D-4DB9-A803-417B03C83866}" type="datetime1">
               <a:rPr lang="en-US" smtClean="0"/>
-              <a:t>9/16/2021</a:t>
+              <a:t>9/22/2021</a:t>
             </a:fld>
             <a:endParaRPr lang="tr-TR"/>
           </a:p>
@@ -4395,7 +4493,7 @@
           <a:p>
             <a:fld id="{4F51A246-7487-4D5D-8336-8AA8EF1B3038}" type="datetime1">
               <a:rPr lang="en-US" smtClean="0"/>
-              <a:t>9/16/2021</a:t>
+              <a:t>9/22/2021</a:t>
             </a:fld>
             <a:endParaRPr lang="tr-TR"/>
           </a:p>
@@ -4522,7 +4620,7 @@
           <a:p>
             <a:fld id="{77E88224-290D-41FE-830C-398CE41FC738}" type="datetime1">
               <a:rPr lang="en-US" smtClean="0"/>
-              <a:t>9/16/2021</a:t>
+              <a:t>9/22/2021</a:t>
             </a:fld>
             <a:endParaRPr lang="tr-TR"/>
           </a:p>
@@ -4621,7 +4719,7 @@
           <a:p>
             <a:fld id="{A439C65F-4EA6-4EDF-9510-59D269AB63DE}" type="datetime1">
               <a:rPr lang="en-US" smtClean="0"/>
-              <a:t>9/16/2021</a:t>
+              <a:t>9/22/2021</a:t>
             </a:fld>
             <a:endParaRPr lang="tr-TR"/>
           </a:p>
@@ -4880,7 +4978,7 @@
           <a:p>
             <a:fld id="{243D84D4-1121-4F8F-8325-F7EEC9A711F9}" type="datetime1">
               <a:rPr lang="en-US" smtClean="0"/>
-              <a:t>9/16/2021</a:t>
+              <a:t>9/22/2021</a:t>
             </a:fld>
             <a:endParaRPr lang="tr-TR"/>
           </a:p>
@@ -5147,7 +5245,7 @@
           <a:p>
             <a:fld id="{C0F8983E-0268-4BC9-BF40-F0F2EF664DA5}" type="datetime1">
               <a:rPr lang="en-US" smtClean="0"/>
-              <a:t>9/16/2021</a:t>
+              <a:t>9/22/2021</a:t>
             </a:fld>
             <a:endParaRPr lang="tr-TR"/>
           </a:p>
@@ -5894,7 +5992,7 @@
           <a:p>
             <a:fld id="{AECE2381-2D3D-4666-A1D5-D32CA623C61A}" type="datetime1">
               <a:rPr lang="en-US" smtClean="0"/>
-              <a:t>9/16/2021</a:t>
+              <a:t>9/22/2021</a:t>
             </a:fld>
             <a:endParaRPr lang="tr-TR"/>
           </a:p>
@@ -6462,23 +6560,7 @@
                   <a:schemeClr val="tx1"/>
                 </a:solidFill>
               </a:rPr>
-              <a:t>Episode </a:t>
-            </a:r>
-            <a:r>
-              <a:rPr lang="tr-TR" sz="2000" dirty="0" smtClean="0">
-                <a:solidFill>
-                  <a:schemeClr val="tx1"/>
-                </a:solidFill>
-              </a:rPr>
-              <a:t>Four</a:t>
-            </a:r>
-            <a:r>
-              <a:rPr lang="tr-TR" sz="2000" dirty="0" smtClean="0">
-                <a:solidFill>
-                  <a:schemeClr val="tx1"/>
-                </a:solidFill>
-              </a:rPr>
-              <a:t>: Advanced Examinations  </a:t>
+              <a:t>Episode Four: Advanced Examinations  </a:t>
             </a:r>
             <a:endParaRPr lang="tr-TR" sz="2000" dirty="0">
               <a:solidFill>
@@ -6536,7 +6618,7 @@
           <a:p>
             <a:fld id="{274BD4B1-15EE-4FF2-BBDB-1033E8BB136B}" type="datetime1">
               <a:rPr lang="en-US" smtClean="0"/>
-              <a:t>9/16/2021</a:t>
+              <a:t>9/22/2021</a:t>
             </a:fld>
             <a:endParaRPr lang="tr-TR"/>
           </a:p>
@@ -6608,6 +6690,6450 @@
 </p:sld>
 </file>
 
+<file path=ppt/slides/slide10.xml><?xml version="1.0" encoding="utf-8"?>
+<p:sld xmlns:a="http://schemas.openxmlformats.org/drawingml/2006/main" xmlns:r="http://schemas.openxmlformats.org/officeDocument/2006/relationships" xmlns:p="http://schemas.openxmlformats.org/presentationml/2006/main">
+  <p:cSld>
+    <p:spTree>
+      <p:nvGrpSpPr>
+        <p:cNvPr id="1" name=""/>
+        <p:cNvGrpSpPr/>
+        <p:nvPr/>
+      </p:nvGrpSpPr>
+      <p:grpSpPr>
+        <a:xfrm>
+          <a:off x="0" y="0"/>
+          <a:ext cx="0" cy="0"/>
+          <a:chOff x="0" y="0"/>
+          <a:chExt cx="0" cy="0"/>
+        </a:xfrm>
+      </p:grpSpPr>
+      <p:sp>
+        <p:nvSpPr>
+          <p:cNvPr id="2" name="Title 1"/>
+          <p:cNvSpPr>
+            <a:spLocks noGrp="1"/>
+          </p:cNvSpPr>
+          <p:nvPr>
+            <p:ph type="title"/>
+          </p:nvPr>
+        </p:nvSpPr>
+        <p:spPr/>
+        <p:txBody>
+          <a:bodyPr/>
+          <a:lstStyle/>
+          <a:p>
+            <a:r>
+              <a:rPr lang="tr-TR" dirty="0"/>
+              <a:t>B) Let’s compare all methods for each category</a:t>
+            </a:r>
+          </a:p>
+        </p:txBody>
+      </p:sp>
+      <p:sp>
+        <p:nvSpPr>
+          <p:cNvPr id="3" name="Content Placeholder 2"/>
+          <p:cNvSpPr>
+            <a:spLocks noGrp="1"/>
+          </p:cNvSpPr>
+          <p:nvPr>
+            <p:ph idx="1"/>
+          </p:nvPr>
+        </p:nvSpPr>
+        <p:spPr/>
+        <p:txBody>
+          <a:bodyPr/>
+          <a:lstStyle/>
+          <a:p>
+            <a:r>
+              <a:rPr lang="tr-TR" dirty="0" smtClean="0"/>
+              <a:t>Conclusion:</a:t>
+            </a:r>
+          </a:p>
+          <a:p>
+            <a:pPr algn="just"/>
+            <a:r>
+              <a:rPr lang="tr-TR" dirty="0" smtClean="0"/>
+              <a:t>Whereas NAYN predictor is successful at predicting documents labelled with «DÜNYA», other prediction models (one stems and combinatorial approach) is more successful at predicting documents labelled with other categories. </a:t>
+            </a:r>
+          </a:p>
+          <a:p>
+            <a:pPr marL="0" indent="0" algn="just">
+              <a:buNone/>
+            </a:pPr>
+            <a:endParaRPr lang="tr-TR" dirty="0" smtClean="0"/>
+          </a:p>
+        </p:txBody>
+      </p:sp>
+      <p:sp>
+        <p:nvSpPr>
+          <p:cNvPr id="4" name="Date Placeholder 3"/>
+          <p:cNvSpPr>
+            <a:spLocks noGrp="1"/>
+          </p:cNvSpPr>
+          <p:nvPr>
+            <p:ph type="dt" sz="half" idx="10"/>
+          </p:nvPr>
+        </p:nvSpPr>
+        <p:spPr/>
+        <p:txBody>
+          <a:bodyPr/>
+          <a:lstStyle/>
+          <a:p>
+            <a:fld id="{B42B4FB0-0621-45E6-B97F-F77D45599D8C}" type="datetime1">
+              <a:rPr lang="en-US" smtClean="0"/>
+              <a:t>9/22/2021</a:t>
+            </a:fld>
+            <a:endParaRPr lang="tr-TR"/>
+          </a:p>
+        </p:txBody>
+      </p:sp>
+      <p:sp>
+        <p:nvSpPr>
+          <p:cNvPr id="5" name="Footer Placeholder 4"/>
+          <p:cNvSpPr>
+            <a:spLocks noGrp="1"/>
+          </p:cNvSpPr>
+          <p:nvPr>
+            <p:ph type="ftr" sz="quarter" idx="11"/>
+          </p:nvPr>
+        </p:nvSpPr>
+        <p:spPr/>
+        <p:txBody>
+          <a:bodyPr/>
+          <a:lstStyle/>
+          <a:p>
+            <a:r>
+              <a:rPr lang="tr-TR" smtClean="0"/>
+              <a:t>EMREHAN</a:t>
+            </a:r>
+            <a:endParaRPr lang="tr-TR"/>
+          </a:p>
+        </p:txBody>
+      </p:sp>
+      <p:sp>
+        <p:nvSpPr>
+          <p:cNvPr id="6" name="Slide Number Placeholder 5"/>
+          <p:cNvSpPr>
+            <a:spLocks noGrp="1"/>
+          </p:cNvSpPr>
+          <p:nvPr>
+            <p:ph type="sldNum" sz="quarter" idx="12"/>
+          </p:nvPr>
+        </p:nvSpPr>
+        <p:spPr/>
+        <p:txBody>
+          <a:bodyPr/>
+          <a:lstStyle/>
+          <a:p>
+            <a:fld id="{F74E1598-E674-4AEE-8C6B-8AD6344A913E}" type="slidenum">
+              <a:rPr lang="tr-TR" smtClean="0"/>
+              <a:t>10</a:t>
+            </a:fld>
+            <a:endParaRPr lang="tr-TR"/>
+          </a:p>
+        </p:txBody>
+      </p:sp>
+    </p:spTree>
+    <p:extLst>
+      <p:ext uri="{BB962C8B-B14F-4D97-AF65-F5344CB8AC3E}">
+        <p14:creationId xmlns:p14="http://schemas.microsoft.com/office/powerpoint/2010/main" val="3522162285"/>
+      </p:ext>
+    </p:extLst>
+  </p:cSld>
+  <p:clrMapOvr>
+    <a:masterClrMapping/>
+  </p:clrMapOvr>
+</p:sld>
+</file>
+
+<file path=ppt/slides/slide11.xml><?xml version="1.0" encoding="utf-8"?>
+<p:sld xmlns:a="http://schemas.openxmlformats.org/drawingml/2006/main" xmlns:r="http://schemas.openxmlformats.org/officeDocument/2006/relationships" xmlns:p="http://schemas.openxmlformats.org/presentationml/2006/main">
+  <p:cSld>
+    <p:spTree>
+      <p:nvGrpSpPr>
+        <p:cNvPr id="1" name=""/>
+        <p:cNvGrpSpPr/>
+        <p:nvPr/>
+      </p:nvGrpSpPr>
+      <p:grpSpPr>
+        <a:xfrm>
+          <a:off x="0" y="0"/>
+          <a:ext cx="0" cy="0"/>
+          <a:chOff x="0" y="0"/>
+          <a:chExt cx="0" cy="0"/>
+        </a:xfrm>
+      </p:grpSpPr>
+      <p:sp>
+        <p:nvSpPr>
+          <p:cNvPr id="2" name="Title 1"/>
+          <p:cNvSpPr>
+            <a:spLocks noGrp="1"/>
+          </p:cNvSpPr>
+          <p:nvPr>
+            <p:ph type="title"/>
+          </p:nvPr>
+        </p:nvSpPr>
+        <p:spPr/>
+        <p:txBody>
+          <a:bodyPr>
+            <a:normAutofit fontScale="90000"/>
+          </a:bodyPr>
+          <a:lstStyle/>
+          <a:p>
+            <a:r>
+              <a:rPr lang="tr-TR" dirty="0"/>
+              <a:t>C) Can a Trigonometric Approach contribute to hyperparametic model ?</a:t>
+            </a:r>
+            <a:br>
+              <a:rPr lang="tr-TR" dirty="0"/>
+            </a:br>
+            <a:endParaRPr lang="tr-TR" dirty="0"/>
+          </a:p>
+        </p:txBody>
+      </p:sp>
+      <mc:AlternateContent xmlns:mc="http://schemas.openxmlformats.org/markup-compatibility/2006" xmlns:a14="http://schemas.microsoft.com/office/drawing/2010/main">
+        <mc:Choice Requires="a14">
+          <p:sp>
+            <p:nvSpPr>
+              <p:cNvPr id="3" name="Content Placeholder 2"/>
+              <p:cNvSpPr>
+                <a:spLocks noGrp="1"/>
+              </p:cNvSpPr>
+              <p:nvPr>
+                <p:ph idx="1"/>
+              </p:nvPr>
+            </p:nvSpPr>
+            <p:spPr/>
+            <p:txBody>
+              <a:bodyPr/>
+              <a:lstStyle/>
+              <a:p>
+                <a:r>
+                  <a:rPr lang="tr-TR" dirty="0" smtClean="0"/>
+                  <a:t>In this section we use trigonometric approach to hyperparameters such that </a:t>
+                </a:r>
+              </a:p>
+              <a:p>
+                <a:pPr marL="0" indent="0" algn="ctr">
+                  <a:buNone/>
+                </a:pPr>
+                <a14:m>
+                  <m:oMathPara xmlns:m="http://schemas.openxmlformats.org/officeDocument/2006/math">
+                    <m:oMathParaPr>
+                      <m:jc m:val="centerGroup"/>
+                    </m:oMathParaPr>
+                    <m:oMath xmlns:m="http://schemas.openxmlformats.org/officeDocument/2006/math">
+                      <m:r>
+                        <a:rPr lang="tr-TR" i="1" smtClean="0">
+                          <a:latin typeface="Cambria Math" panose="02040503050406030204" pitchFamily="18" charset="0"/>
+                          <a:ea typeface="Cambria Math" panose="02040503050406030204" pitchFamily="18" charset="0"/>
+                        </a:rPr>
+                        <m:t>𝛼</m:t>
+                      </m:r>
+                      <m:r>
+                        <a:rPr lang="tr-TR" b="0" i="1" smtClean="0">
+                          <a:latin typeface="Cambria Math" panose="02040503050406030204" pitchFamily="18" charset="0"/>
+                          <a:ea typeface="Cambria Math" panose="02040503050406030204" pitchFamily="18" charset="0"/>
+                        </a:rPr>
+                        <m:t>=</m:t>
+                      </m:r>
+                      <m:func>
+                        <m:funcPr>
+                          <m:ctrlPr>
+                            <a:rPr lang="tr-TR" b="0" i="1" smtClean="0">
+                              <a:latin typeface="Cambria Math" panose="02040503050406030204" pitchFamily="18" charset="0"/>
+                              <a:ea typeface="Cambria Math" panose="02040503050406030204" pitchFamily="18" charset="0"/>
+                            </a:rPr>
+                          </m:ctrlPr>
+                        </m:funcPr>
+                        <m:fName>
+                          <m:r>
+                            <m:rPr>
+                              <m:sty m:val="p"/>
+                            </m:rPr>
+                            <a:rPr lang="tr-TR" b="0" i="0" smtClean="0">
+                              <a:latin typeface="Cambria Math" panose="02040503050406030204" pitchFamily="18" charset="0"/>
+                              <a:ea typeface="Cambria Math" panose="02040503050406030204" pitchFamily="18" charset="0"/>
+                            </a:rPr>
+                            <m:t>sin</m:t>
+                          </m:r>
+                        </m:fName>
+                        <m:e>
+                          <m:d>
+                            <m:dPr>
+                              <m:ctrlPr>
+                                <a:rPr lang="tr-TR" b="0" i="1" smtClean="0">
+                                  <a:latin typeface="Cambria Math" panose="02040503050406030204" pitchFamily="18" charset="0"/>
+                                  <a:ea typeface="Cambria Math" panose="02040503050406030204" pitchFamily="18" charset="0"/>
+                                </a:rPr>
+                              </m:ctrlPr>
+                            </m:dPr>
+                            <m:e>
+                              <m:r>
+                                <a:rPr lang="tr-TR" b="0" i="1" smtClean="0">
+                                  <a:latin typeface="Cambria Math" panose="02040503050406030204" pitchFamily="18" charset="0"/>
+                                  <a:ea typeface="Cambria Math" panose="02040503050406030204" pitchFamily="18" charset="0"/>
+                                </a:rPr>
+                                <m:t>𝜃</m:t>
+                              </m:r>
+                            </m:e>
+                          </m:d>
+                        </m:e>
+                      </m:func>
+                      <m:r>
+                        <a:rPr lang="tr-TR" b="0" i="1" smtClean="0">
+                          <a:latin typeface="Cambria Math" panose="02040503050406030204" pitchFamily="18" charset="0"/>
+                          <a:ea typeface="Cambria Math" panose="02040503050406030204" pitchFamily="18" charset="0"/>
+                        </a:rPr>
+                        <m:t>𝑎𝑛𝑑</m:t>
+                      </m:r>
+                      <m:r>
+                        <a:rPr lang="tr-TR" b="0" i="1" smtClean="0">
+                          <a:latin typeface="Cambria Math" panose="02040503050406030204" pitchFamily="18" charset="0"/>
+                          <a:ea typeface="Cambria Math" panose="02040503050406030204" pitchFamily="18" charset="0"/>
+                        </a:rPr>
+                        <m:t> </m:t>
+                      </m:r>
+                      <m:r>
+                        <a:rPr lang="tr-TR" b="0" i="1" smtClean="0">
+                          <a:latin typeface="Cambria Math" panose="02040503050406030204" pitchFamily="18" charset="0"/>
+                          <a:ea typeface="Cambria Math" panose="02040503050406030204" pitchFamily="18" charset="0"/>
+                        </a:rPr>
+                        <m:t>𝛽</m:t>
+                      </m:r>
+                      <m:r>
+                        <a:rPr lang="tr-TR" b="0" i="1" smtClean="0">
+                          <a:latin typeface="Cambria Math" panose="02040503050406030204" pitchFamily="18" charset="0"/>
+                          <a:ea typeface="Cambria Math" panose="02040503050406030204" pitchFamily="18" charset="0"/>
+                        </a:rPr>
+                        <m:t>=</m:t>
+                      </m:r>
+                      <m:func>
+                        <m:funcPr>
+                          <m:ctrlPr>
+                            <a:rPr lang="tr-TR" b="0" i="1" smtClean="0">
+                              <a:latin typeface="Cambria Math" panose="02040503050406030204" pitchFamily="18" charset="0"/>
+                              <a:ea typeface="Cambria Math" panose="02040503050406030204" pitchFamily="18" charset="0"/>
+                            </a:rPr>
+                          </m:ctrlPr>
+                        </m:funcPr>
+                        <m:fName>
+                          <m:r>
+                            <m:rPr>
+                              <m:sty m:val="p"/>
+                            </m:rPr>
+                            <a:rPr lang="tr-TR" b="0" i="0" smtClean="0">
+                              <a:latin typeface="Cambria Math" panose="02040503050406030204" pitchFamily="18" charset="0"/>
+                              <a:ea typeface="Cambria Math" panose="02040503050406030204" pitchFamily="18" charset="0"/>
+                            </a:rPr>
+                            <m:t>cos</m:t>
+                          </m:r>
+                        </m:fName>
+                        <m:e>
+                          <m:d>
+                            <m:dPr>
+                              <m:ctrlPr>
+                                <a:rPr lang="tr-TR" b="0" i="1" smtClean="0">
+                                  <a:latin typeface="Cambria Math" panose="02040503050406030204" pitchFamily="18" charset="0"/>
+                                  <a:ea typeface="Cambria Math" panose="02040503050406030204" pitchFamily="18" charset="0"/>
+                                </a:rPr>
+                              </m:ctrlPr>
+                            </m:dPr>
+                            <m:e>
+                              <m:r>
+                                <a:rPr lang="tr-TR" b="0" i="1" smtClean="0">
+                                  <a:latin typeface="Cambria Math" panose="02040503050406030204" pitchFamily="18" charset="0"/>
+                                  <a:ea typeface="Cambria Math" panose="02040503050406030204" pitchFamily="18" charset="0"/>
+                                </a:rPr>
+                                <m:t>𝜃</m:t>
+                              </m:r>
+                            </m:e>
+                          </m:d>
+                        </m:e>
+                      </m:func>
+                      <m:r>
+                        <a:rPr lang="tr-TR" b="0" i="1" smtClean="0">
+                          <a:latin typeface="Cambria Math" panose="02040503050406030204" pitchFamily="18" charset="0"/>
+                          <a:ea typeface="Cambria Math" panose="02040503050406030204" pitchFamily="18" charset="0"/>
+                        </a:rPr>
+                        <m:t>𝑤h𝑒𝑟𝑒</m:t>
+                      </m:r>
+                      <m:r>
+                        <a:rPr lang="tr-TR" b="0" i="1" smtClean="0">
+                          <a:latin typeface="Cambria Math" panose="02040503050406030204" pitchFamily="18" charset="0"/>
+                          <a:ea typeface="Cambria Math" panose="02040503050406030204" pitchFamily="18" charset="0"/>
+                        </a:rPr>
+                        <m:t> </m:t>
+                      </m:r>
+                      <m:r>
+                        <a:rPr lang="tr-TR" b="0" i="1" smtClean="0">
+                          <a:latin typeface="Cambria Math" panose="02040503050406030204" pitchFamily="18" charset="0"/>
+                          <a:ea typeface="Cambria Math" panose="02040503050406030204" pitchFamily="18" charset="0"/>
+                        </a:rPr>
+                        <m:t>𝜃</m:t>
+                      </m:r>
+                      <m:r>
+                        <a:rPr lang="tr-TR" b="0" i="1" smtClean="0">
+                          <a:latin typeface="Cambria Math" panose="02040503050406030204" pitchFamily="18" charset="0"/>
+                          <a:ea typeface="Cambria Math" panose="02040503050406030204" pitchFamily="18" charset="0"/>
+                        </a:rPr>
+                        <m:t>∈</m:t>
+                      </m:r>
+                      <m:d>
+                        <m:dPr>
+                          <m:begChr m:val="["/>
+                          <m:endChr m:val="]"/>
+                          <m:ctrlPr>
+                            <a:rPr lang="tr-TR" b="0" i="1" smtClean="0">
+                              <a:latin typeface="Cambria Math" panose="02040503050406030204" pitchFamily="18" charset="0"/>
+                              <a:ea typeface="Cambria Math" panose="02040503050406030204" pitchFamily="18" charset="0"/>
+                            </a:rPr>
+                          </m:ctrlPr>
+                        </m:dPr>
+                        <m:e>
+                          <m:r>
+                            <a:rPr lang="tr-TR" i="1">
+                              <a:latin typeface="Cambria Math" panose="02040503050406030204" pitchFamily="18" charset="0"/>
+                              <a:ea typeface="Cambria Math" panose="02040503050406030204" pitchFamily="18" charset="0"/>
+                            </a:rPr>
+                            <m:t>0,</m:t>
+                          </m:r>
+                          <m:f>
+                            <m:fPr>
+                              <m:ctrlPr>
+                                <a:rPr lang="tr-TR" i="1">
+                                  <a:latin typeface="Cambria Math" panose="02040503050406030204" pitchFamily="18" charset="0"/>
+                                  <a:ea typeface="Cambria Math" panose="02040503050406030204" pitchFamily="18" charset="0"/>
+                                </a:rPr>
+                              </m:ctrlPr>
+                            </m:fPr>
+                            <m:num>
+                              <m:r>
+                                <a:rPr lang="tr-TR" i="1">
+                                  <a:latin typeface="Cambria Math" panose="02040503050406030204" pitchFamily="18" charset="0"/>
+                                  <a:ea typeface="Cambria Math" panose="02040503050406030204" pitchFamily="18" charset="0"/>
+                                </a:rPr>
+                                <m:t>𝜋</m:t>
+                              </m:r>
+                            </m:num>
+                            <m:den>
+                              <m:r>
+                                <a:rPr lang="tr-TR" i="1">
+                                  <a:latin typeface="Cambria Math" panose="02040503050406030204" pitchFamily="18" charset="0"/>
+                                  <a:ea typeface="Cambria Math" panose="02040503050406030204" pitchFamily="18" charset="0"/>
+                                </a:rPr>
+                                <m:t>2</m:t>
+                              </m:r>
+                            </m:den>
+                          </m:f>
+                        </m:e>
+                      </m:d>
+                    </m:oMath>
+                  </m:oMathPara>
+                </a14:m>
+                <a:endParaRPr lang="tr-TR" dirty="0"/>
+              </a:p>
+            </p:txBody>
+          </p:sp>
+        </mc:Choice>
+        <mc:Fallback xmlns="">
+          <p:sp>
+            <p:nvSpPr>
+              <p:cNvPr id="3" name="Content Placeholder 2"/>
+              <p:cNvSpPr>
+                <a:spLocks noGrp="1" noRot="1" noChangeAspect="1" noMove="1" noResize="1" noEditPoints="1" noAdjustHandles="1" noChangeArrowheads="1" noChangeShapeType="1" noTextEdit="1"/>
+              </p:cNvSpPr>
+              <p:nvPr>
+                <p:ph idx="1"/>
+              </p:nvPr>
+            </p:nvSpPr>
+            <p:spPr>
+              <a:blipFill>
+                <a:blip r:embed="rId2"/>
+                <a:stretch>
+                  <a:fillRect l="-142" t="-942"/>
+                </a:stretch>
+              </a:blipFill>
+            </p:spPr>
+            <p:txBody>
+              <a:bodyPr/>
+              <a:lstStyle/>
+              <a:p>
+                <a:r>
+                  <a:rPr lang="tr-TR">
+                    <a:noFill/>
+                  </a:rPr>
+                  <a:t> </a:t>
+                </a:r>
+              </a:p>
+            </p:txBody>
+          </p:sp>
+        </mc:Fallback>
+      </mc:AlternateContent>
+      <p:sp>
+        <p:nvSpPr>
+          <p:cNvPr id="4" name="Date Placeholder 3"/>
+          <p:cNvSpPr>
+            <a:spLocks noGrp="1"/>
+          </p:cNvSpPr>
+          <p:nvPr>
+            <p:ph type="dt" sz="half" idx="10"/>
+          </p:nvPr>
+        </p:nvSpPr>
+        <p:spPr/>
+        <p:txBody>
+          <a:bodyPr/>
+          <a:lstStyle/>
+          <a:p>
+            <a:fld id="{B42B4FB0-0621-45E6-B97F-F77D45599D8C}" type="datetime1">
+              <a:rPr lang="en-US" smtClean="0"/>
+              <a:t>9/22/2021</a:t>
+            </a:fld>
+            <a:endParaRPr lang="tr-TR"/>
+          </a:p>
+        </p:txBody>
+      </p:sp>
+      <p:sp>
+        <p:nvSpPr>
+          <p:cNvPr id="5" name="Footer Placeholder 4"/>
+          <p:cNvSpPr>
+            <a:spLocks noGrp="1"/>
+          </p:cNvSpPr>
+          <p:nvPr>
+            <p:ph type="ftr" sz="quarter" idx="11"/>
+          </p:nvPr>
+        </p:nvSpPr>
+        <p:spPr/>
+        <p:txBody>
+          <a:bodyPr/>
+          <a:lstStyle/>
+          <a:p>
+            <a:r>
+              <a:rPr lang="tr-TR" smtClean="0"/>
+              <a:t>EMREHAN</a:t>
+            </a:r>
+            <a:endParaRPr lang="tr-TR"/>
+          </a:p>
+        </p:txBody>
+      </p:sp>
+      <p:sp>
+        <p:nvSpPr>
+          <p:cNvPr id="6" name="Slide Number Placeholder 5"/>
+          <p:cNvSpPr>
+            <a:spLocks noGrp="1"/>
+          </p:cNvSpPr>
+          <p:nvPr>
+            <p:ph type="sldNum" sz="quarter" idx="12"/>
+          </p:nvPr>
+        </p:nvSpPr>
+        <p:spPr/>
+        <p:txBody>
+          <a:bodyPr/>
+          <a:lstStyle/>
+          <a:p>
+            <a:fld id="{F74E1598-E674-4AEE-8C6B-8AD6344A913E}" type="slidenum">
+              <a:rPr lang="tr-TR" smtClean="0"/>
+              <a:t>11</a:t>
+            </a:fld>
+            <a:endParaRPr lang="tr-TR"/>
+          </a:p>
+        </p:txBody>
+      </p:sp>
+    </p:spTree>
+    <p:extLst>
+      <p:ext uri="{BB962C8B-B14F-4D97-AF65-F5344CB8AC3E}">
+        <p14:creationId xmlns:p14="http://schemas.microsoft.com/office/powerpoint/2010/main" val="3585776933"/>
+      </p:ext>
+    </p:extLst>
+  </p:cSld>
+  <p:clrMapOvr>
+    <a:masterClrMapping/>
+  </p:clrMapOvr>
+</p:sld>
+</file>
+
+<file path=ppt/slides/slide12.xml><?xml version="1.0" encoding="utf-8"?>
+<p:sld xmlns:a="http://schemas.openxmlformats.org/drawingml/2006/main" xmlns:r="http://schemas.openxmlformats.org/officeDocument/2006/relationships" xmlns:p="http://schemas.openxmlformats.org/presentationml/2006/main">
+  <p:cSld>
+    <p:spTree>
+      <p:nvGrpSpPr>
+        <p:cNvPr id="1" name=""/>
+        <p:cNvGrpSpPr/>
+        <p:nvPr/>
+      </p:nvGrpSpPr>
+      <p:grpSpPr>
+        <a:xfrm>
+          <a:off x="0" y="0"/>
+          <a:ext cx="0" cy="0"/>
+          <a:chOff x="0" y="0"/>
+          <a:chExt cx="0" cy="0"/>
+        </a:xfrm>
+      </p:grpSpPr>
+      <p:sp>
+        <p:nvSpPr>
+          <p:cNvPr id="2" name="Title 1"/>
+          <p:cNvSpPr>
+            <a:spLocks noGrp="1"/>
+          </p:cNvSpPr>
+          <p:nvPr>
+            <p:ph type="title"/>
+          </p:nvPr>
+        </p:nvSpPr>
+        <p:spPr>
+          <a:xfrm>
+            <a:off x="642771" y="83022"/>
+            <a:ext cx="8596668" cy="1320800"/>
+          </a:xfrm>
+        </p:spPr>
+        <p:txBody>
+          <a:bodyPr>
+            <a:normAutofit/>
+          </a:bodyPr>
+          <a:lstStyle/>
+          <a:p>
+            <a:r>
+              <a:rPr lang="tr-TR" sz="2800" dirty="0">
+                <a:ln w="0"/>
+                <a:effectLst>
+                  <a:outerShdw blurRad="38100" dist="19050" dir="2700000" algn="tl" rotWithShape="0">
+                    <a:schemeClr val="dk1">
+                      <a:alpha val="40000"/>
+                    </a:schemeClr>
+                  </a:outerShdw>
+                </a:effectLst>
+              </a:rPr>
+              <a:t>General </a:t>
+            </a:r>
+            <a:r>
+              <a:rPr lang="tr-TR" sz="2800" dirty="0" smtClean="0">
+                <a:ln w="0"/>
+                <a:effectLst>
+                  <a:outerShdw blurRad="38100" dist="19050" dir="2700000" algn="tl" rotWithShape="0">
+                    <a:schemeClr val="dk1">
+                      <a:alpha val="40000"/>
+                    </a:schemeClr>
+                  </a:outerShdw>
+                </a:effectLst>
+              </a:rPr>
+              <a:t>Scheme for Application </a:t>
+            </a:r>
+            <a:r>
+              <a:rPr lang="tr-TR" sz="2800" dirty="0" smtClean="0">
+                <a:ln w="0"/>
+                <a:effectLst>
+                  <a:outerShdw blurRad="38100" dist="19050" dir="2700000" algn="tl" rotWithShape="0">
+                    <a:schemeClr val="dk1">
+                      <a:alpha val="40000"/>
+                    </a:schemeClr>
+                  </a:outerShdw>
+                </a:effectLst>
+              </a:rPr>
+              <a:t>of Trigonometric Approach to </a:t>
+            </a:r>
+            <a:r>
+              <a:rPr lang="tr-TR" sz="2800" dirty="0" smtClean="0">
+                <a:ln w="0"/>
+                <a:effectLst>
+                  <a:outerShdw blurRad="38100" dist="19050" dir="2700000" algn="tl" rotWithShape="0">
+                    <a:schemeClr val="dk1">
+                      <a:alpha val="40000"/>
+                    </a:schemeClr>
+                  </a:outerShdw>
+                </a:effectLst>
+              </a:rPr>
+              <a:t>Prediction Models with hyperparameter </a:t>
+            </a:r>
+            <a:endParaRPr lang="tr-TR" sz="2800" dirty="0"/>
+          </a:p>
+        </p:txBody>
+      </p:sp>
+      <p:sp>
+        <p:nvSpPr>
+          <p:cNvPr id="4" name="Rectangle 3"/>
+          <p:cNvSpPr/>
+          <p:nvPr/>
+        </p:nvSpPr>
+        <p:spPr>
+          <a:xfrm>
+            <a:off x="949574" y="1270402"/>
+            <a:ext cx="1591407" cy="602359"/>
+          </a:xfrm>
+          <a:prstGeom prst="rect">
+            <a:avLst/>
+          </a:prstGeom>
+          <a:solidFill>
+            <a:schemeClr val="accent4"/>
+          </a:solidFill>
+        </p:spPr>
+        <p:style>
+          <a:lnRef idx="2">
+            <a:schemeClr val="accent1">
+              <a:shade val="50000"/>
+            </a:schemeClr>
+          </a:lnRef>
+          <a:fillRef idx="1">
+            <a:schemeClr val="accent1"/>
+          </a:fillRef>
+          <a:effectRef idx="0">
+            <a:schemeClr val="accent1"/>
+          </a:effectRef>
+          <a:fontRef idx="minor">
+            <a:schemeClr val="lt1"/>
+          </a:fontRef>
+        </p:style>
+        <p:txBody>
+          <a:bodyPr rtlCol="0" anchor="ctr"/>
+          <a:lstStyle/>
+          <a:p>
+            <a:pPr algn="ctr"/>
+            <a:r>
+              <a:rPr lang="tr-TR" dirty="0" smtClean="0"/>
+              <a:t>X_test</a:t>
+            </a:r>
+            <a:endParaRPr lang="tr-TR" dirty="0"/>
+          </a:p>
+        </p:txBody>
+      </p:sp>
+      <mc:AlternateContent xmlns:mc="http://schemas.openxmlformats.org/markup-compatibility/2006" xmlns:a14="http://schemas.microsoft.com/office/drawing/2010/main">
+        <mc:Choice Requires="a14">
+          <p:sp>
+            <p:nvSpPr>
+              <p:cNvPr id="5" name="Rectangle 4"/>
+              <p:cNvSpPr/>
+              <p:nvPr/>
+            </p:nvSpPr>
+            <p:spPr>
+              <a:xfrm>
+                <a:off x="2851643" y="1270401"/>
+                <a:ext cx="1591407" cy="602359"/>
+              </a:xfrm>
+              <a:prstGeom prst="rect">
+                <a:avLst/>
+              </a:prstGeom>
+              <a:solidFill>
+                <a:schemeClr val="accent4"/>
+              </a:solidFill>
+            </p:spPr>
+            <p:style>
+              <a:lnRef idx="2">
+                <a:schemeClr val="accent1">
+                  <a:shade val="50000"/>
+                </a:schemeClr>
+              </a:lnRef>
+              <a:fillRef idx="1">
+                <a:schemeClr val="accent1"/>
+              </a:fillRef>
+              <a:effectRef idx="0">
+                <a:schemeClr val="accent1"/>
+              </a:effectRef>
+              <a:fontRef idx="minor">
+                <a:schemeClr val="lt1"/>
+              </a:fontRef>
+            </p:style>
+            <p:txBody>
+              <a:bodyPr rtlCol="0" anchor="ctr"/>
+              <a:lstStyle/>
+              <a:p>
+                <a:pPr algn="ctr"/>
+                <a14:m>
+                  <m:oMathPara xmlns:m="http://schemas.openxmlformats.org/officeDocument/2006/math">
+                    <m:oMathParaPr>
+                      <m:jc m:val="centerGroup"/>
+                    </m:oMathParaPr>
+                    <m:oMath xmlns:m="http://schemas.openxmlformats.org/officeDocument/2006/math">
+                      <m:sSub>
+                        <m:sSubPr>
+                          <m:ctrlPr>
+                            <a:rPr lang="tr-TR" i="1">
+                              <a:latin typeface="Cambria Math" panose="02040503050406030204" pitchFamily="18" charset="0"/>
+                            </a:rPr>
+                          </m:ctrlPr>
+                        </m:sSubPr>
+                        <m:e>
+                          <m:r>
+                            <a:rPr lang="tr-TR" i="1">
+                              <a:latin typeface="Cambria Math" panose="02040503050406030204" pitchFamily="18" charset="0"/>
+                            </a:rPr>
+                            <m:t>𝑑𝑜𝑐</m:t>
+                          </m:r>
+                        </m:e>
+                        <m:sub>
+                          <m:r>
+                            <a:rPr lang="tr-TR" i="1">
+                              <a:latin typeface="Cambria Math" panose="02040503050406030204" pitchFamily="18" charset="0"/>
+                            </a:rPr>
+                            <m:t>𝑖</m:t>
+                          </m:r>
+                        </m:sub>
+                      </m:sSub>
+                    </m:oMath>
+                  </m:oMathPara>
+                </a14:m>
+                <a:endParaRPr lang="tr-TR" dirty="0"/>
+              </a:p>
+            </p:txBody>
+          </p:sp>
+        </mc:Choice>
+        <mc:Fallback xmlns="">
+          <p:sp>
+            <p:nvSpPr>
+              <p:cNvPr id="5" name="Rectangle 4"/>
+              <p:cNvSpPr>
+                <a:spLocks noRot="1" noChangeAspect="1" noMove="1" noResize="1" noEditPoints="1" noAdjustHandles="1" noChangeArrowheads="1" noChangeShapeType="1" noTextEdit="1"/>
+              </p:cNvSpPr>
+              <p:nvPr/>
+            </p:nvSpPr>
+            <p:spPr>
+              <a:xfrm>
+                <a:off x="2851643" y="1270401"/>
+                <a:ext cx="1591407" cy="602359"/>
+              </a:xfrm>
+              <a:prstGeom prst="rect">
+                <a:avLst/>
+              </a:prstGeom>
+              <a:blipFill>
+                <a:blip r:embed="rId3"/>
+                <a:stretch>
+                  <a:fillRect/>
+                </a:stretch>
+              </a:blipFill>
+            </p:spPr>
+            <p:txBody>
+              <a:bodyPr/>
+              <a:lstStyle/>
+              <a:p>
+                <a:r>
+                  <a:rPr lang="tr-TR">
+                    <a:noFill/>
+                  </a:rPr>
+                  <a:t> </a:t>
+                </a:r>
+              </a:p>
+            </p:txBody>
+          </p:sp>
+        </mc:Fallback>
+      </mc:AlternateContent>
+      <mc:AlternateContent xmlns:mc="http://schemas.openxmlformats.org/markup-compatibility/2006" xmlns:a14="http://schemas.microsoft.com/office/drawing/2010/main">
+        <mc:Choice Requires="a14">
+          <p:sp>
+            <p:nvSpPr>
+              <p:cNvPr id="6" name="Rectangle 5"/>
+              <p:cNvSpPr/>
+              <p:nvPr/>
+            </p:nvSpPr>
+            <p:spPr>
+              <a:xfrm>
+                <a:off x="4850428" y="1270401"/>
+                <a:ext cx="1591407" cy="602359"/>
+              </a:xfrm>
+              <a:prstGeom prst="rect">
+                <a:avLst/>
+              </a:prstGeom>
+              <a:solidFill>
+                <a:schemeClr val="accent4">
+                  <a:lumMod val="40000"/>
+                  <a:lumOff val="60000"/>
+                </a:schemeClr>
+              </a:solidFill>
+            </p:spPr>
+            <p:style>
+              <a:lnRef idx="2">
+                <a:schemeClr val="accent1">
+                  <a:shade val="50000"/>
+                </a:schemeClr>
+              </a:lnRef>
+              <a:fillRef idx="1">
+                <a:schemeClr val="accent1"/>
+              </a:fillRef>
+              <a:effectRef idx="0">
+                <a:schemeClr val="accent1"/>
+              </a:effectRef>
+              <a:fontRef idx="minor">
+                <a:schemeClr val="lt1"/>
+              </a:fontRef>
+            </p:style>
+            <p:txBody>
+              <a:bodyPr rtlCol="0" anchor="ctr"/>
+              <a:lstStyle/>
+              <a:p>
+                <a:pPr algn="ctr"/>
+                <a14:m>
+                  <m:oMath xmlns:m="http://schemas.openxmlformats.org/officeDocument/2006/math">
+                    <m:sSub>
+                      <m:sSubPr>
+                        <m:ctrlPr>
+                          <a:rPr lang="tr-TR" sz="1000" i="1" smtClean="0">
+                            <a:solidFill>
+                              <a:schemeClr val="tx1"/>
+                            </a:solidFill>
+                            <a:latin typeface="Cambria Math" panose="02040503050406030204" pitchFamily="18" charset="0"/>
+                          </a:rPr>
+                        </m:ctrlPr>
+                      </m:sSubPr>
+                      <m:e>
+                        <m:r>
+                          <a:rPr lang="tr-TR" sz="1000" i="1">
+                            <a:solidFill>
+                              <a:schemeClr val="tx1"/>
+                            </a:solidFill>
+                            <a:latin typeface="Cambria Math" panose="02040503050406030204" pitchFamily="18" charset="0"/>
+                          </a:rPr>
+                          <m:t>𝑑𝑜𝑐</m:t>
+                        </m:r>
+                      </m:e>
+                      <m:sub>
+                        <m:r>
+                          <a:rPr lang="tr-TR" sz="1000" i="1">
+                            <a:solidFill>
+                              <a:schemeClr val="tx1"/>
+                            </a:solidFill>
+                            <a:latin typeface="Cambria Math" panose="02040503050406030204" pitchFamily="18" charset="0"/>
+                          </a:rPr>
+                          <m:t>𝑖</m:t>
+                        </m:r>
+                      </m:sub>
+                    </m:sSub>
+                    <m:r>
+                      <a:rPr lang="tr-TR" sz="1000" b="0" i="1" smtClean="0">
+                        <a:solidFill>
+                          <a:schemeClr val="tx1"/>
+                        </a:solidFill>
+                        <a:latin typeface="Cambria Math" panose="02040503050406030204" pitchFamily="18" charset="0"/>
+                      </a:rPr>
+                      <m:t>=</m:t>
+                    </m:r>
+                    <m:r>
+                      <a:rPr lang="tr-TR" sz="1000" b="0" i="1" smtClean="0">
+                        <a:solidFill>
+                          <a:schemeClr val="tx1"/>
+                        </a:solidFill>
+                        <a:latin typeface="Cambria Math" panose="02040503050406030204" pitchFamily="18" charset="0"/>
+                      </a:rPr>
+                      <m:t>𝑙𝑜𝑤𝑒𝑟</m:t>
+                    </m:r>
+                    <m:r>
+                      <a:rPr lang="tr-TR" sz="1000" b="0" i="1" smtClean="0">
+                        <a:solidFill>
+                          <a:schemeClr val="tx1"/>
+                        </a:solidFill>
+                        <a:latin typeface="Cambria Math" panose="02040503050406030204" pitchFamily="18" charset="0"/>
+                      </a:rPr>
+                      <m:t>(</m:t>
+                    </m:r>
+                    <m:sSub>
+                      <m:sSubPr>
+                        <m:ctrlPr>
+                          <a:rPr lang="tr-TR" sz="1000" i="1">
+                            <a:solidFill>
+                              <a:schemeClr val="tx1"/>
+                            </a:solidFill>
+                            <a:latin typeface="Cambria Math" panose="02040503050406030204" pitchFamily="18" charset="0"/>
+                          </a:rPr>
+                        </m:ctrlPr>
+                      </m:sSubPr>
+                      <m:e>
+                        <m:r>
+                          <a:rPr lang="tr-TR" sz="1000" i="1">
+                            <a:solidFill>
+                              <a:schemeClr val="tx1"/>
+                            </a:solidFill>
+                            <a:latin typeface="Cambria Math" panose="02040503050406030204" pitchFamily="18" charset="0"/>
+                          </a:rPr>
+                          <m:t>𝑑𝑜𝑐</m:t>
+                        </m:r>
+                      </m:e>
+                      <m:sub>
+                        <m:r>
+                          <a:rPr lang="tr-TR" sz="1000" i="1">
+                            <a:solidFill>
+                              <a:schemeClr val="tx1"/>
+                            </a:solidFill>
+                            <a:latin typeface="Cambria Math" panose="02040503050406030204" pitchFamily="18" charset="0"/>
+                          </a:rPr>
+                          <m:t>𝑖</m:t>
+                        </m:r>
+                      </m:sub>
+                    </m:sSub>
+                  </m:oMath>
+                </a14:m>
+                <a:r>
+                  <a:rPr lang="tr-TR" sz="1000" dirty="0" smtClean="0">
+                    <a:solidFill>
+                      <a:schemeClr val="tx1"/>
+                    </a:solidFill>
+                  </a:rPr>
+                  <a:t>)</a:t>
+                </a:r>
+                <a:endParaRPr lang="tr-TR" sz="1000" dirty="0">
+                  <a:solidFill>
+                    <a:schemeClr val="tx1"/>
+                  </a:solidFill>
+                </a:endParaRPr>
+              </a:p>
+            </p:txBody>
+          </p:sp>
+        </mc:Choice>
+        <mc:Fallback xmlns="">
+          <p:sp>
+            <p:nvSpPr>
+              <p:cNvPr id="6" name="Rectangle 5"/>
+              <p:cNvSpPr>
+                <a:spLocks noRot="1" noChangeAspect="1" noMove="1" noResize="1" noEditPoints="1" noAdjustHandles="1" noChangeArrowheads="1" noChangeShapeType="1" noTextEdit="1"/>
+              </p:cNvSpPr>
+              <p:nvPr/>
+            </p:nvSpPr>
+            <p:spPr>
+              <a:xfrm>
+                <a:off x="4850428" y="1270401"/>
+                <a:ext cx="1591407" cy="602359"/>
+              </a:xfrm>
+              <a:prstGeom prst="rect">
+                <a:avLst/>
+              </a:prstGeom>
+              <a:blipFill>
+                <a:blip r:embed="rId4"/>
+                <a:stretch>
+                  <a:fillRect/>
+                </a:stretch>
+              </a:blipFill>
+            </p:spPr>
+            <p:txBody>
+              <a:bodyPr/>
+              <a:lstStyle/>
+              <a:p>
+                <a:r>
+                  <a:rPr lang="tr-TR">
+                    <a:noFill/>
+                  </a:rPr>
+                  <a:t> </a:t>
+                </a:r>
+              </a:p>
+            </p:txBody>
+          </p:sp>
+        </mc:Fallback>
+      </mc:AlternateContent>
+      <p:cxnSp>
+        <p:nvCxnSpPr>
+          <p:cNvPr id="7" name="Straight Arrow Connector 6"/>
+          <p:cNvCxnSpPr>
+            <a:endCxn id="5" idx="1"/>
+          </p:cNvCxnSpPr>
+          <p:nvPr/>
+        </p:nvCxnSpPr>
+        <p:spPr>
+          <a:xfrm>
+            <a:off x="2540981" y="1571580"/>
+            <a:ext cx="310662" cy="1"/>
+          </a:xfrm>
+          <a:prstGeom prst="straightConnector1">
+            <a:avLst/>
+          </a:prstGeom>
+          <a:ln>
+            <a:tailEnd type="triangle"/>
+          </a:ln>
+        </p:spPr>
+        <p:style>
+          <a:lnRef idx="1">
+            <a:schemeClr val="accent1"/>
+          </a:lnRef>
+          <a:fillRef idx="0">
+            <a:schemeClr val="accent1"/>
+          </a:fillRef>
+          <a:effectRef idx="0">
+            <a:schemeClr val="accent1"/>
+          </a:effectRef>
+          <a:fontRef idx="minor">
+            <a:schemeClr val="tx1"/>
+          </a:fontRef>
+        </p:style>
+      </p:cxnSp>
+      <p:cxnSp>
+        <p:nvCxnSpPr>
+          <p:cNvPr id="8" name="Straight Arrow Connector 7"/>
+          <p:cNvCxnSpPr>
+            <a:stCxn id="5" idx="3"/>
+            <a:endCxn id="6" idx="1"/>
+          </p:cNvCxnSpPr>
+          <p:nvPr/>
+        </p:nvCxnSpPr>
+        <p:spPr>
+          <a:xfrm>
+            <a:off x="4443050" y="1571581"/>
+            <a:ext cx="407378" cy="0"/>
+          </a:xfrm>
+          <a:prstGeom prst="straightConnector1">
+            <a:avLst/>
+          </a:prstGeom>
+          <a:ln>
+            <a:tailEnd type="triangle"/>
+          </a:ln>
+        </p:spPr>
+        <p:style>
+          <a:lnRef idx="1">
+            <a:schemeClr val="accent1"/>
+          </a:lnRef>
+          <a:fillRef idx="0">
+            <a:schemeClr val="accent1"/>
+          </a:fillRef>
+          <a:effectRef idx="0">
+            <a:schemeClr val="accent1"/>
+          </a:effectRef>
+          <a:fontRef idx="minor">
+            <a:schemeClr val="tx1"/>
+          </a:fontRef>
+        </p:style>
+      </p:cxnSp>
+      <mc:AlternateContent xmlns:mc="http://schemas.openxmlformats.org/markup-compatibility/2006" xmlns:a14="http://schemas.microsoft.com/office/drawing/2010/main">
+        <mc:Choice Requires="a14">
+          <p:sp>
+            <p:nvSpPr>
+              <p:cNvPr id="9" name="Rectangle 8"/>
+              <p:cNvSpPr/>
+              <p:nvPr/>
+            </p:nvSpPr>
+            <p:spPr>
+              <a:xfrm>
+                <a:off x="8804035" y="1270401"/>
+                <a:ext cx="1591407" cy="602359"/>
+              </a:xfrm>
+              <a:prstGeom prst="rect">
+                <a:avLst/>
+              </a:prstGeom>
+              <a:solidFill>
+                <a:schemeClr val="accent4">
+                  <a:lumMod val="40000"/>
+                  <a:lumOff val="60000"/>
+                </a:schemeClr>
+              </a:solidFill>
+            </p:spPr>
+            <p:style>
+              <a:lnRef idx="2">
+                <a:schemeClr val="accent1">
+                  <a:shade val="50000"/>
+                </a:schemeClr>
+              </a:lnRef>
+              <a:fillRef idx="1">
+                <a:schemeClr val="accent1"/>
+              </a:fillRef>
+              <a:effectRef idx="0">
+                <a:schemeClr val="accent1"/>
+              </a:effectRef>
+              <a:fontRef idx="minor">
+                <a:schemeClr val="lt1"/>
+              </a:fontRef>
+            </p:style>
+            <p:txBody>
+              <a:bodyPr rtlCol="0" anchor="ctr"/>
+              <a:lstStyle/>
+              <a:p>
+                <a:pPr algn="ctr"/>
+                <a14:m>
+                  <m:oMath xmlns:m="http://schemas.openxmlformats.org/officeDocument/2006/math">
+                    <m:sSub>
+                      <m:sSubPr>
+                        <m:ctrlPr>
+                          <a:rPr lang="tr-TR" sz="1000" i="1" smtClean="0">
+                            <a:solidFill>
+                              <a:schemeClr val="tx1"/>
+                            </a:solidFill>
+                            <a:latin typeface="Cambria Math" panose="02040503050406030204" pitchFamily="18" charset="0"/>
+                          </a:rPr>
+                        </m:ctrlPr>
+                      </m:sSubPr>
+                      <m:e>
+                        <m:r>
+                          <a:rPr lang="tr-TR" sz="1000" b="0" i="1" smtClean="0">
+                            <a:solidFill>
+                              <a:schemeClr val="tx1"/>
+                            </a:solidFill>
+                            <a:latin typeface="Cambria Math" panose="02040503050406030204" pitchFamily="18" charset="0"/>
+                          </a:rPr>
+                          <m:t>𝑡𝑜𝑘𝑒𝑛</m:t>
+                        </m:r>
+                      </m:e>
+                      <m:sub>
+                        <m:r>
+                          <a:rPr lang="tr-TR" sz="1000" b="0" i="1" smtClean="0">
+                            <a:solidFill>
+                              <a:schemeClr val="tx1"/>
+                            </a:solidFill>
+                            <a:latin typeface="Cambria Math" panose="02040503050406030204" pitchFamily="18" charset="0"/>
+                          </a:rPr>
+                          <m:t>𝑖</m:t>
+                        </m:r>
+                      </m:sub>
+                    </m:sSub>
+                    <m:r>
+                      <a:rPr lang="tr-TR" sz="1000" i="1">
+                        <a:solidFill>
+                          <a:schemeClr val="tx1"/>
+                        </a:solidFill>
+                        <a:latin typeface="Cambria Math" panose="02040503050406030204" pitchFamily="18" charset="0"/>
+                      </a:rPr>
+                      <m:t>=</m:t>
+                    </m:r>
+                    <m:r>
+                      <a:rPr lang="tr-TR" sz="1000" i="1">
+                        <a:solidFill>
+                          <a:schemeClr val="tx1"/>
+                        </a:solidFill>
+                        <a:latin typeface="Cambria Math" panose="02040503050406030204" pitchFamily="18" charset="0"/>
+                      </a:rPr>
+                      <m:t>𝑐𝑙𝑒𝑎𝑛</m:t>
+                    </m:r>
+                    <m:r>
+                      <a:rPr lang="tr-TR" sz="1000" i="1">
+                        <a:solidFill>
+                          <a:schemeClr val="tx1"/>
+                        </a:solidFill>
+                        <a:latin typeface="Cambria Math" panose="02040503050406030204" pitchFamily="18" charset="0"/>
+                      </a:rPr>
+                      <m:t>(</m:t>
+                    </m:r>
+                    <m:sSub>
+                      <m:sSubPr>
+                        <m:ctrlPr>
+                          <a:rPr lang="tr-TR" sz="1000" i="1">
+                            <a:solidFill>
+                              <a:schemeClr val="tx1"/>
+                            </a:solidFill>
+                            <a:latin typeface="Cambria Math" panose="02040503050406030204" pitchFamily="18" charset="0"/>
+                          </a:rPr>
+                        </m:ctrlPr>
+                      </m:sSubPr>
+                      <m:e>
+                        <m:r>
+                          <a:rPr lang="tr-TR" sz="1000" i="1">
+                            <a:solidFill>
+                              <a:schemeClr val="tx1"/>
+                            </a:solidFill>
+                            <a:latin typeface="Cambria Math" panose="02040503050406030204" pitchFamily="18" charset="0"/>
+                          </a:rPr>
+                          <m:t>𝑑𝑜𝑐</m:t>
+                        </m:r>
+                      </m:e>
+                      <m:sub>
+                        <m:r>
+                          <a:rPr lang="tr-TR" sz="1000" i="1">
+                            <a:solidFill>
+                              <a:schemeClr val="tx1"/>
+                            </a:solidFill>
+                            <a:latin typeface="Cambria Math" panose="02040503050406030204" pitchFamily="18" charset="0"/>
+                          </a:rPr>
+                          <m:t>𝑖</m:t>
+                        </m:r>
+                      </m:sub>
+                    </m:sSub>
+                  </m:oMath>
+                </a14:m>
+                <a:r>
+                  <a:rPr lang="tr-TR" sz="1000" dirty="0">
+                    <a:solidFill>
+                      <a:schemeClr val="tx1"/>
+                    </a:solidFill>
+                  </a:rPr>
+                  <a:t>)</a:t>
+                </a:r>
+              </a:p>
+            </p:txBody>
+          </p:sp>
+        </mc:Choice>
+        <mc:Fallback xmlns="">
+          <p:sp>
+            <p:nvSpPr>
+              <p:cNvPr id="9" name="Rectangle 8"/>
+              <p:cNvSpPr>
+                <a:spLocks noRot="1" noChangeAspect="1" noMove="1" noResize="1" noEditPoints="1" noAdjustHandles="1" noChangeArrowheads="1" noChangeShapeType="1" noTextEdit="1"/>
+              </p:cNvSpPr>
+              <p:nvPr/>
+            </p:nvSpPr>
+            <p:spPr>
+              <a:xfrm>
+                <a:off x="8804035" y="1270401"/>
+                <a:ext cx="1591407" cy="602359"/>
+              </a:xfrm>
+              <a:prstGeom prst="rect">
+                <a:avLst/>
+              </a:prstGeom>
+              <a:blipFill>
+                <a:blip r:embed="rId5"/>
+                <a:stretch>
+                  <a:fillRect/>
+                </a:stretch>
+              </a:blipFill>
+            </p:spPr>
+            <p:txBody>
+              <a:bodyPr/>
+              <a:lstStyle/>
+              <a:p>
+                <a:r>
+                  <a:rPr lang="tr-TR">
+                    <a:noFill/>
+                  </a:rPr>
+                  <a:t> </a:t>
+                </a:r>
+              </a:p>
+            </p:txBody>
+          </p:sp>
+        </mc:Fallback>
+      </mc:AlternateContent>
+      <p:cxnSp>
+        <p:nvCxnSpPr>
+          <p:cNvPr id="10" name="Straight Arrow Connector 9"/>
+          <p:cNvCxnSpPr>
+            <a:stCxn id="6" idx="3"/>
+            <a:endCxn id="9" idx="1"/>
+          </p:cNvCxnSpPr>
+          <p:nvPr/>
+        </p:nvCxnSpPr>
+        <p:spPr>
+          <a:xfrm>
+            <a:off x="6441835" y="1571581"/>
+            <a:ext cx="2362200" cy="0"/>
+          </a:xfrm>
+          <a:prstGeom prst="straightConnector1">
+            <a:avLst/>
+          </a:prstGeom>
+          <a:ln>
+            <a:tailEnd type="triangle"/>
+          </a:ln>
+        </p:spPr>
+        <p:style>
+          <a:lnRef idx="1">
+            <a:schemeClr val="accent1"/>
+          </a:lnRef>
+          <a:fillRef idx="0">
+            <a:schemeClr val="accent1"/>
+          </a:fillRef>
+          <a:effectRef idx="0">
+            <a:schemeClr val="accent1"/>
+          </a:effectRef>
+          <a:fontRef idx="minor">
+            <a:schemeClr val="tx1"/>
+          </a:fontRef>
+        </p:style>
+      </p:cxnSp>
+      <mc:AlternateContent xmlns:mc="http://schemas.openxmlformats.org/markup-compatibility/2006" xmlns:a14="http://schemas.microsoft.com/office/drawing/2010/main">
+        <mc:Choice Requires="a14">
+          <p:sp>
+            <p:nvSpPr>
+              <p:cNvPr id="11" name="Rectangle 10"/>
+              <p:cNvSpPr/>
+              <p:nvPr/>
+            </p:nvSpPr>
+            <p:spPr>
+              <a:xfrm>
+                <a:off x="6910759" y="1270401"/>
+                <a:ext cx="1591407" cy="602359"/>
+              </a:xfrm>
+              <a:prstGeom prst="rect">
+                <a:avLst/>
+              </a:prstGeom>
+              <a:solidFill>
+                <a:schemeClr val="accent4">
+                  <a:lumMod val="40000"/>
+                  <a:lumOff val="60000"/>
+                </a:schemeClr>
+              </a:solidFill>
+            </p:spPr>
+            <p:style>
+              <a:lnRef idx="2">
+                <a:schemeClr val="accent1">
+                  <a:shade val="50000"/>
+                </a:schemeClr>
+              </a:lnRef>
+              <a:fillRef idx="1">
+                <a:schemeClr val="accent1"/>
+              </a:fillRef>
+              <a:effectRef idx="0">
+                <a:schemeClr val="accent1"/>
+              </a:effectRef>
+              <a:fontRef idx="minor">
+                <a:schemeClr val="lt1"/>
+              </a:fontRef>
+            </p:style>
+            <p:txBody>
+              <a:bodyPr rtlCol="0" anchor="ctr"/>
+              <a:lstStyle/>
+              <a:p>
+                <a:pPr algn="ctr"/>
+                <a14:m>
+                  <m:oMath xmlns:m="http://schemas.openxmlformats.org/officeDocument/2006/math">
+                    <m:sSub>
+                      <m:sSubPr>
+                        <m:ctrlPr>
+                          <a:rPr lang="tr-TR" sz="1000" i="1" smtClean="0">
+                            <a:solidFill>
+                              <a:schemeClr val="tx1"/>
+                            </a:solidFill>
+                            <a:latin typeface="Cambria Math" panose="02040503050406030204" pitchFamily="18" charset="0"/>
+                          </a:rPr>
+                        </m:ctrlPr>
+                      </m:sSubPr>
+                      <m:e>
+                        <m:r>
+                          <a:rPr lang="tr-TR" sz="1000" i="1">
+                            <a:solidFill>
+                              <a:schemeClr val="tx1"/>
+                            </a:solidFill>
+                            <a:latin typeface="Cambria Math" panose="02040503050406030204" pitchFamily="18" charset="0"/>
+                          </a:rPr>
+                          <m:t>𝑑𝑜𝑐</m:t>
+                        </m:r>
+                      </m:e>
+                      <m:sub>
+                        <m:r>
+                          <a:rPr lang="tr-TR" sz="1000" i="1">
+                            <a:solidFill>
+                              <a:schemeClr val="tx1"/>
+                            </a:solidFill>
+                            <a:latin typeface="Cambria Math" panose="02040503050406030204" pitchFamily="18" charset="0"/>
+                          </a:rPr>
+                          <m:t>𝑖</m:t>
+                        </m:r>
+                      </m:sub>
+                    </m:sSub>
+                    <m:r>
+                      <a:rPr lang="tr-TR" sz="1000" i="1">
+                        <a:solidFill>
+                          <a:schemeClr val="tx1"/>
+                        </a:solidFill>
+                        <a:latin typeface="Cambria Math" panose="02040503050406030204" pitchFamily="18" charset="0"/>
+                      </a:rPr>
+                      <m:t>=</m:t>
+                    </m:r>
+                    <m:r>
+                      <a:rPr lang="tr-TR" sz="1000" b="0" i="1" smtClean="0">
+                        <a:solidFill>
+                          <a:schemeClr val="tx1"/>
+                        </a:solidFill>
+                        <a:latin typeface="Cambria Math" panose="02040503050406030204" pitchFamily="18" charset="0"/>
+                      </a:rPr>
+                      <m:t>𝑐𝑙𝑒𝑎𝑛</m:t>
+                    </m:r>
+                    <m:r>
+                      <a:rPr lang="tr-TR" sz="1000" i="1">
+                        <a:solidFill>
+                          <a:schemeClr val="tx1"/>
+                        </a:solidFill>
+                        <a:latin typeface="Cambria Math" panose="02040503050406030204" pitchFamily="18" charset="0"/>
+                      </a:rPr>
+                      <m:t>(</m:t>
+                    </m:r>
+                    <m:sSub>
+                      <m:sSubPr>
+                        <m:ctrlPr>
+                          <a:rPr lang="tr-TR" sz="1000" i="1">
+                            <a:solidFill>
+                              <a:schemeClr val="tx1"/>
+                            </a:solidFill>
+                            <a:latin typeface="Cambria Math" panose="02040503050406030204" pitchFamily="18" charset="0"/>
+                          </a:rPr>
+                        </m:ctrlPr>
+                      </m:sSubPr>
+                      <m:e>
+                        <m:r>
+                          <a:rPr lang="tr-TR" sz="1000" i="1">
+                            <a:solidFill>
+                              <a:schemeClr val="tx1"/>
+                            </a:solidFill>
+                            <a:latin typeface="Cambria Math" panose="02040503050406030204" pitchFamily="18" charset="0"/>
+                          </a:rPr>
+                          <m:t>𝑑𝑜𝑐</m:t>
+                        </m:r>
+                      </m:e>
+                      <m:sub>
+                        <m:r>
+                          <a:rPr lang="tr-TR" sz="1000" i="1">
+                            <a:solidFill>
+                              <a:schemeClr val="tx1"/>
+                            </a:solidFill>
+                            <a:latin typeface="Cambria Math" panose="02040503050406030204" pitchFamily="18" charset="0"/>
+                          </a:rPr>
+                          <m:t>𝑖</m:t>
+                        </m:r>
+                      </m:sub>
+                    </m:sSub>
+                  </m:oMath>
+                </a14:m>
+                <a:r>
+                  <a:rPr lang="tr-TR" sz="1000" dirty="0" smtClean="0">
+                    <a:solidFill>
+                      <a:schemeClr val="tx1"/>
+                    </a:solidFill>
+                  </a:rPr>
+                  <a:t>)</a:t>
+                </a:r>
+                <a:endParaRPr lang="tr-TR" sz="1000" dirty="0">
+                  <a:solidFill>
+                    <a:schemeClr val="tx1"/>
+                  </a:solidFill>
+                </a:endParaRPr>
+              </a:p>
+            </p:txBody>
+          </p:sp>
+        </mc:Choice>
+        <mc:Fallback xmlns="">
+          <p:sp>
+            <p:nvSpPr>
+              <p:cNvPr id="11" name="Rectangle 10"/>
+              <p:cNvSpPr>
+                <a:spLocks noRot="1" noChangeAspect="1" noMove="1" noResize="1" noEditPoints="1" noAdjustHandles="1" noChangeArrowheads="1" noChangeShapeType="1" noTextEdit="1"/>
+              </p:cNvSpPr>
+              <p:nvPr/>
+            </p:nvSpPr>
+            <p:spPr>
+              <a:xfrm>
+                <a:off x="6910759" y="1270401"/>
+                <a:ext cx="1591407" cy="602359"/>
+              </a:xfrm>
+              <a:prstGeom prst="rect">
+                <a:avLst/>
+              </a:prstGeom>
+              <a:blipFill>
+                <a:blip r:embed="rId6"/>
+                <a:stretch>
+                  <a:fillRect/>
+                </a:stretch>
+              </a:blipFill>
+            </p:spPr>
+            <p:txBody>
+              <a:bodyPr/>
+              <a:lstStyle/>
+              <a:p>
+                <a:r>
+                  <a:rPr lang="tr-TR">
+                    <a:noFill/>
+                  </a:rPr>
+                  <a:t> </a:t>
+                </a:r>
+              </a:p>
+            </p:txBody>
+          </p:sp>
+        </mc:Fallback>
+      </mc:AlternateContent>
+      <mc:AlternateContent xmlns:mc="http://schemas.openxmlformats.org/markup-compatibility/2006" xmlns:a14="http://schemas.microsoft.com/office/drawing/2010/main">
+        <mc:Choice Requires="a14">
+          <p:sp>
+            <p:nvSpPr>
+              <p:cNvPr id="12" name="Rectangle 11"/>
+              <p:cNvSpPr/>
+              <p:nvPr/>
+            </p:nvSpPr>
+            <p:spPr>
+              <a:xfrm>
+                <a:off x="8820152" y="2284447"/>
+                <a:ext cx="1591407" cy="602359"/>
+              </a:xfrm>
+              <a:prstGeom prst="rect">
+                <a:avLst/>
+              </a:prstGeom>
+              <a:solidFill>
+                <a:schemeClr val="accent4">
+                  <a:lumMod val="40000"/>
+                  <a:lumOff val="60000"/>
+                </a:schemeClr>
+              </a:solidFill>
+            </p:spPr>
+            <p:style>
+              <a:lnRef idx="2">
+                <a:schemeClr val="accent1">
+                  <a:shade val="50000"/>
+                </a:schemeClr>
+              </a:lnRef>
+              <a:fillRef idx="1">
+                <a:schemeClr val="accent1"/>
+              </a:fillRef>
+              <a:effectRef idx="0">
+                <a:schemeClr val="accent1"/>
+              </a:effectRef>
+              <a:fontRef idx="minor">
+                <a:schemeClr val="lt1"/>
+              </a:fontRef>
+            </p:style>
+            <p:txBody>
+              <a:bodyPr rtlCol="0" anchor="ctr"/>
+              <a:lstStyle/>
+              <a:p>
+                <a:pPr algn="ctr"/>
+                <a14:m>
+                  <m:oMath xmlns:m="http://schemas.openxmlformats.org/officeDocument/2006/math">
+                    <m:sSub>
+                      <m:sSubPr>
+                        <m:ctrlPr>
+                          <a:rPr lang="tr-TR" sz="800" i="1" smtClean="0">
+                            <a:solidFill>
+                              <a:schemeClr val="tx1"/>
+                            </a:solidFill>
+                            <a:latin typeface="Cambria Math" panose="02040503050406030204" pitchFamily="18" charset="0"/>
+                          </a:rPr>
+                        </m:ctrlPr>
+                      </m:sSubPr>
+                      <m:e>
+                        <m:r>
+                          <a:rPr lang="tr-TR" sz="800" b="0" i="1" smtClean="0">
+                            <a:solidFill>
+                              <a:schemeClr val="tx1"/>
+                            </a:solidFill>
+                            <a:latin typeface="Cambria Math" panose="02040503050406030204" pitchFamily="18" charset="0"/>
+                          </a:rPr>
+                          <m:t>𝑠𝑡𝑒𝑚𝑠</m:t>
+                        </m:r>
+                      </m:e>
+                      <m:sub>
+                        <m:r>
+                          <a:rPr lang="tr-TR" sz="800" i="1">
+                            <a:solidFill>
+                              <a:schemeClr val="tx1"/>
+                            </a:solidFill>
+                            <a:latin typeface="Cambria Math" panose="02040503050406030204" pitchFamily="18" charset="0"/>
+                          </a:rPr>
+                          <m:t>𝑖</m:t>
+                        </m:r>
+                      </m:sub>
+                    </m:sSub>
+                    <m:r>
+                      <a:rPr lang="tr-TR" sz="800" i="1">
+                        <a:solidFill>
+                          <a:schemeClr val="tx1"/>
+                        </a:solidFill>
+                        <a:latin typeface="Cambria Math" panose="02040503050406030204" pitchFamily="18" charset="0"/>
+                      </a:rPr>
+                      <m:t>=</m:t>
+                    </m:r>
+                    <m:r>
+                      <m:rPr>
+                        <m:sty m:val="p"/>
+                      </m:rPr>
+                      <a:rPr lang="tr-TR" sz="800" b="0" i="0" smtClean="0">
+                        <a:solidFill>
+                          <a:schemeClr val="tx1"/>
+                        </a:solidFill>
+                        <a:latin typeface="Cambria Math" panose="02040503050406030204" pitchFamily="18" charset="0"/>
+                      </a:rPr>
+                      <m:t>max</m:t>
+                    </m:r>
+                    <m:r>
+                      <a:rPr lang="tr-TR" sz="800" b="0" i="1" smtClean="0">
+                        <a:solidFill>
+                          <a:schemeClr val="tx1"/>
+                        </a:solidFill>
+                        <a:latin typeface="Cambria Math" panose="02040503050406030204" pitchFamily="18" charset="0"/>
+                      </a:rPr>
+                      <m:t>⁡_</m:t>
+                    </m:r>
+                    <m:r>
+                      <a:rPr lang="tr-TR" sz="800" b="0" i="1" smtClean="0">
+                        <a:solidFill>
+                          <a:schemeClr val="tx1"/>
+                        </a:solidFill>
+                        <a:latin typeface="Cambria Math" panose="02040503050406030204" pitchFamily="18" charset="0"/>
+                      </a:rPr>
+                      <m:t>𝑠𝑡𝑒𝑚𝑠</m:t>
+                    </m:r>
+                    <m:r>
+                      <a:rPr lang="tr-TR" sz="800" i="1">
+                        <a:solidFill>
+                          <a:schemeClr val="tx1"/>
+                        </a:solidFill>
+                        <a:latin typeface="Cambria Math" panose="02040503050406030204" pitchFamily="18" charset="0"/>
+                      </a:rPr>
+                      <m:t>(</m:t>
+                    </m:r>
+                    <m:sSub>
+                      <m:sSubPr>
+                        <m:ctrlPr>
+                          <a:rPr lang="tr-TR" sz="800" i="1">
+                            <a:solidFill>
+                              <a:schemeClr val="tx1"/>
+                            </a:solidFill>
+                            <a:latin typeface="Cambria Math" panose="02040503050406030204" pitchFamily="18" charset="0"/>
+                          </a:rPr>
+                        </m:ctrlPr>
+                      </m:sSubPr>
+                      <m:e>
+                        <m:r>
+                          <a:rPr lang="tr-TR" sz="800" i="1">
+                            <a:solidFill>
+                              <a:schemeClr val="tx1"/>
+                            </a:solidFill>
+                            <a:latin typeface="Cambria Math" panose="02040503050406030204" pitchFamily="18" charset="0"/>
+                          </a:rPr>
+                          <m:t>𝑡𝑜𝑘𝑒𝑛</m:t>
+                        </m:r>
+                      </m:e>
+                      <m:sub>
+                        <m:r>
+                          <a:rPr lang="tr-TR" sz="800" i="1">
+                            <a:solidFill>
+                              <a:schemeClr val="tx1"/>
+                            </a:solidFill>
+                            <a:latin typeface="Cambria Math" panose="02040503050406030204" pitchFamily="18" charset="0"/>
+                          </a:rPr>
+                          <m:t>𝑖</m:t>
+                        </m:r>
+                      </m:sub>
+                    </m:sSub>
+                  </m:oMath>
+                </a14:m>
+                <a:r>
+                  <a:rPr lang="tr-TR" sz="800" dirty="0">
+                    <a:solidFill>
+                      <a:schemeClr val="tx1"/>
+                    </a:solidFill>
+                  </a:rPr>
+                  <a:t>)</a:t>
+                </a:r>
+              </a:p>
+            </p:txBody>
+          </p:sp>
+        </mc:Choice>
+        <mc:Fallback xmlns="">
+          <p:sp>
+            <p:nvSpPr>
+              <p:cNvPr id="12" name="Rectangle 11"/>
+              <p:cNvSpPr>
+                <a:spLocks noRot="1" noChangeAspect="1" noMove="1" noResize="1" noEditPoints="1" noAdjustHandles="1" noChangeArrowheads="1" noChangeShapeType="1" noTextEdit="1"/>
+              </p:cNvSpPr>
+              <p:nvPr/>
+            </p:nvSpPr>
+            <p:spPr>
+              <a:xfrm>
+                <a:off x="8820152" y="2284447"/>
+                <a:ext cx="1591407" cy="602359"/>
+              </a:xfrm>
+              <a:prstGeom prst="rect">
+                <a:avLst/>
+              </a:prstGeom>
+              <a:blipFill>
+                <a:blip r:embed="rId7"/>
+                <a:stretch>
+                  <a:fillRect/>
+                </a:stretch>
+              </a:blipFill>
+            </p:spPr>
+            <p:txBody>
+              <a:bodyPr/>
+              <a:lstStyle/>
+              <a:p>
+                <a:r>
+                  <a:rPr lang="tr-TR">
+                    <a:noFill/>
+                  </a:rPr>
+                  <a:t> </a:t>
+                </a:r>
+              </a:p>
+            </p:txBody>
+          </p:sp>
+        </mc:Fallback>
+      </mc:AlternateContent>
+      <mc:AlternateContent xmlns:mc="http://schemas.openxmlformats.org/markup-compatibility/2006" xmlns:a14="http://schemas.microsoft.com/office/drawing/2010/main">
+        <mc:Choice Requires="a14">
+          <p:sp>
+            <p:nvSpPr>
+              <p:cNvPr id="13" name="Rectangle 12"/>
+              <p:cNvSpPr/>
+              <p:nvPr/>
+            </p:nvSpPr>
+            <p:spPr>
+              <a:xfrm>
+                <a:off x="6777406" y="2173250"/>
+                <a:ext cx="1182569" cy="300491"/>
+              </a:xfrm>
+              <a:prstGeom prst="rect">
+                <a:avLst/>
+              </a:prstGeom>
+              <a:solidFill>
+                <a:schemeClr val="accent4"/>
+              </a:solidFill>
+            </p:spPr>
+            <p:style>
+              <a:lnRef idx="2">
+                <a:schemeClr val="accent1">
+                  <a:shade val="50000"/>
+                </a:schemeClr>
+              </a:lnRef>
+              <a:fillRef idx="1">
+                <a:schemeClr val="accent1"/>
+              </a:fillRef>
+              <a:effectRef idx="0">
+                <a:schemeClr val="accent1"/>
+              </a:effectRef>
+              <a:fontRef idx="minor">
+                <a:schemeClr val="lt1"/>
+              </a:fontRef>
+            </p:style>
+            <p:txBody>
+              <a:bodyPr rtlCol="0" anchor="ctr"/>
+              <a:lstStyle/>
+              <a:p>
+                <a:pPr algn="ctr"/>
+                <a14:m>
+                  <m:oMathPara xmlns:m="http://schemas.openxmlformats.org/officeDocument/2006/math">
+                    <m:oMathParaPr>
+                      <m:jc m:val="centerGroup"/>
+                    </m:oMathParaPr>
+                    <m:oMath xmlns:m="http://schemas.openxmlformats.org/officeDocument/2006/math">
+                      <m:sSub>
+                        <m:sSubPr>
+                          <m:ctrlPr>
+                            <a:rPr lang="tr-TR" sz="1200" i="1" smtClean="0">
+                              <a:latin typeface="Cambria Math" panose="02040503050406030204" pitchFamily="18" charset="0"/>
+                            </a:rPr>
+                          </m:ctrlPr>
+                        </m:sSubPr>
+                        <m:e>
+                          <m:r>
+                            <a:rPr lang="tr-TR" sz="1200" i="1">
+                              <a:latin typeface="Cambria Math" panose="02040503050406030204" pitchFamily="18" charset="0"/>
+                            </a:rPr>
+                            <m:t>𝑠𝑡𝑒𝑚</m:t>
+                          </m:r>
+                        </m:e>
+                        <m:sub>
+                          <m:r>
+                            <a:rPr lang="tr-TR" sz="1200" i="1">
+                              <a:latin typeface="Cambria Math" panose="02040503050406030204" pitchFamily="18" charset="0"/>
+                            </a:rPr>
+                            <m:t>𝑖</m:t>
+                          </m:r>
+                          <m:r>
+                            <a:rPr lang="tr-TR" sz="1200" b="0" i="1" smtClean="0">
+                              <a:latin typeface="Cambria Math" panose="02040503050406030204" pitchFamily="18" charset="0"/>
+                            </a:rPr>
+                            <m:t>1</m:t>
+                          </m:r>
+                        </m:sub>
+                      </m:sSub>
+                    </m:oMath>
+                  </m:oMathPara>
+                </a14:m>
+                <a:endParaRPr lang="tr-TR" sz="1200" dirty="0"/>
+              </a:p>
+            </p:txBody>
+          </p:sp>
+        </mc:Choice>
+        <mc:Fallback xmlns="">
+          <p:sp>
+            <p:nvSpPr>
+              <p:cNvPr id="13" name="Rectangle 12"/>
+              <p:cNvSpPr>
+                <a:spLocks noRot="1" noChangeAspect="1" noMove="1" noResize="1" noEditPoints="1" noAdjustHandles="1" noChangeArrowheads="1" noChangeShapeType="1" noTextEdit="1"/>
+              </p:cNvSpPr>
+              <p:nvPr/>
+            </p:nvSpPr>
+            <p:spPr>
+              <a:xfrm>
+                <a:off x="6777406" y="2173250"/>
+                <a:ext cx="1182569" cy="300491"/>
+              </a:xfrm>
+              <a:prstGeom prst="rect">
+                <a:avLst/>
+              </a:prstGeom>
+              <a:blipFill>
+                <a:blip r:embed="rId8"/>
+                <a:stretch>
+                  <a:fillRect/>
+                </a:stretch>
+              </a:blipFill>
+            </p:spPr>
+            <p:txBody>
+              <a:bodyPr/>
+              <a:lstStyle/>
+              <a:p>
+                <a:r>
+                  <a:rPr lang="tr-TR">
+                    <a:noFill/>
+                  </a:rPr>
+                  <a:t> </a:t>
+                </a:r>
+              </a:p>
+            </p:txBody>
+          </p:sp>
+        </mc:Fallback>
+      </mc:AlternateContent>
+      <mc:AlternateContent xmlns:mc="http://schemas.openxmlformats.org/markup-compatibility/2006" xmlns:a14="http://schemas.microsoft.com/office/drawing/2010/main">
+        <mc:Choice Requires="a14">
+          <p:sp>
+            <p:nvSpPr>
+              <p:cNvPr id="14" name="Rectangle 13"/>
+              <p:cNvSpPr/>
+              <p:nvPr/>
+            </p:nvSpPr>
+            <p:spPr>
+              <a:xfrm>
+                <a:off x="6777406" y="2585625"/>
+                <a:ext cx="1182569" cy="300491"/>
+              </a:xfrm>
+              <a:prstGeom prst="rect">
+                <a:avLst/>
+              </a:prstGeom>
+              <a:solidFill>
+                <a:schemeClr val="accent4"/>
+              </a:solidFill>
+            </p:spPr>
+            <p:style>
+              <a:lnRef idx="2">
+                <a:schemeClr val="accent1">
+                  <a:shade val="50000"/>
+                </a:schemeClr>
+              </a:lnRef>
+              <a:fillRef idx="1">
+                <a:schemeClr val="accent1"/>
+              </a:fillRef>
+              <a:effectRef idx="0">
+                <a:schemeClr val="accent1"/>
+              </a:effectRef>
+              <a:fontRef idx="minor">
+                <a:schemeClr val="lt1"/>
+              </a:fontRef>
+            </p:style>
+            <p:txBody>
+              <a:bodyPr rtlCol="0" anchor="ctr"/>
+              <a:lstStyle/>
+              <a:p>
+                <a:pPr algn="ctr"/>
+                <a14:m>
+                  <m:oMathPara xmlns:m="http://schemas.openxmlformats.org/officeDocument/2006/math">
+                    <m:oMathParaPr>
+                      <m:jc m:val="centerGroup"/>
+                    </m:oMathParaPr>
+                    <m:oMath xmlns:m="http://schemas.openxmlformats.org/officeDocument/2006/math">
+                      <m:sSub>
+                        <m:sSubPr>
+                          <m:ctrlPr>
+                            <a:rPr lang="tr-TR" sz="1200" i="1">
+                              <a:latin typeface="Cambria Math" panose="02040503050406030204" pitchFamily="18" charset="0"/>
+                            </a:rPr>
+                          </m:ctrlPr>
+                        </m:sSubPr>
+                        <m:e>
+                          <m:r>
+                            <a:rPr lang="tr-TR" sz="1200" i="1">
+                              <a:latin typeface="Cambria Math" panose="02040503050406030204" pitchFamily="18" charset="0"/>
+                            </a:rPr>
+                            <m:t>𝑠𝑡𝑒𝑚</m:t>
+                          </m:r>
+                        </m:e>
+                        <m:sub>
+                          <m:r>
+                            <a:rPr lang="tr-TR" sz="1200" i="1">
+                              <a:latin typeface="Cambria Math" panose="02040503050406030204" pitchFamily="18" charset="0"/>
+                            </a:rPr>
+                            <m:t>𝑖</m:t>
+                          </m:r>
+                          <m:r>
+                            <a:rPr lang="tr-TR" sz="1200" i="1">
+                              <a:latin typeface="Cambria Math" panose="02040503050406030204" pitchFamily="18" charset="0"/>
+                            </a:rPr>
+                            <m:t>2</m:t>
+                          </m:r>
+                        </m:sub>
+                      </m:sSub>
+                    </m:oMath>
+                  </m:oMathPara>
+                </a14:m>
+                <a:endParaRPr lang="tr-TR" sz="1200" i="1" dirty="0">
+                  <a:latin typeface="Cambria Math" panose="02040503050406030204" pitchFamily="18" charset="0"/>
+                </a:endParaRPr>
+              </a:p>
+            </p:txBody>
+          </p:sp>
+        </mc:Choice>
+        <mc:Fallback xmlns="">
+          <p:sp>
+            <p:nvSpPr>
+              <p:cNvPr id="14" name="Rectangle 13"/>
+              <p:cNvSpPr>
+                <a:spLocks noRot="1" noChangeAspect="1" noMove="1" noResize="1" noEditPoints="1" noAdjustHandles="1" noChangeArrowheads="1" noChangeShapeType="1" noTextEdit="1"/>
+              </p:cNvSpPr>
+              <p:nvPr/>
+            </p:nvSpPr>
+            <p:spPr>
+              <a:xfrm>
+                <a:off x="6777406" y="2585625"/>
+                <a:ext cx="1182569" cy="300491"/>
+              </a:xfrm>
+              <a:prstGeom prst="rect">
+                <a:avLst/>
+              </a:prstGeom>
+              <a:blipFill>
+                <a:blip r:embed="rId9"/>
+                <a:stretch>
+                  <a:fillRect/>
+                </a:stretch>
+              </a:blipFill>
+            </p:spPr>
+            <p:txBody>
+              <a:bodyPr/>
+              <a:lstStyle/>
+              <a:p>
+                <a:r>
+                  <a:rPr lang="tr-TR">
+                    <a:noFill/>
+                  </a:rPr>
+                  <a:t> </a:t>
+                </a:r>
+              </a:p>
+            </p:txBody>
+          </p:sp>
+        </mc:Fallback>
+      </mc:AlternateContent>
+      <mc:AlternateContent xmlns:mc="http://schemas.openxmlformats.org/markup-compatibility/2006" xmlns:a14="http://schemas.microsoft.com/office/drawing/2010/main">
+        <mc:Choice Requires="a14">
+          <p:sp>
+            <p:nvSpPr>
+              <p:cNvPr id="15" name="Rectangle 14"/>
+              <p:cNvSpPr/>
+              <p:nvPr/>
+            </p:nvSpPr>
+            <p:spPr>
+              <a:xfrm>
+                <a:off x="6923876" y="3859509"/>
+                <a:ext cx="1182569" cy="300491"/>
+              </a:xfrm>
+              <a:prstGeom prst="rect">
+                <a:avLst/>
+              </a:prstGeom>
+              <a:solidFill>
+                <a:schemeClr val="accent4"/>
+              </a:solidFill>
+            </p:spPr>
+            <p:style>
+              <a:lnRef idx="2">
+                <a:schemeClr val="accent1">
+                  <a:shade val="50000"/>
+                </a:schemeClr>
+              </a:lnRef>
+              <a:fillRef idx="1">
+                <a:schemeClr val="accent1"/>
+              </a:fillRef>
+              <a:effectRef idx="0">
+                <a:schemeClr val="accent1"/>
+              </a:effectRef>
+              <a:fontRef idx="minor">
+                <a:schemeClr val="lt1"/>
+              </a:fontRef>
+            </p:style>
+            <p:txBody>
+              <a:bodyPr rtlCol="0" anchor="ctr"/>
+              <a:lstStyle/>
+              <a:p>
+                <a:pPr algn="ctr"/>
+                <a14:m>
+                  <m:oMathPara xmlns:m="http://schemas.openxmlformats.org/officeDocument/2006/math">
+                    <m:oMathParaPr>
+                      <m:jc m:val="centerGroup"/>
+                    </m:oMathParaPr>
+                    <m:oMath xmlns:m="http://schemas.openxmlformats.org/officeDocument/2006/math">
+                      <m:sSub>
+                        <m:sSubPr>
+                          <m:ctrlPr>
+                            <a:rPr lang="tr-TR" sz="1200" i="1" smtClean="0">
+                              <a:latin typeface="Cambria Math" panose="02040503050406030204" pitchFamily="18" charset="0"/>
+                            </a:rPr>
+                          </m:ctrlPr>
+                        </m:sSubPr>
+                        <m:e>
+                          <m:r>
+                            <a:rPr lang="tr-TR" sz="1200" i="1">
+                              <a:latin typeface="Cambria Math" panose="02040503050406030204" pitchFamily="18" charset="0"/>
+                            </a:rPr>
+                            <m:t>𝑠𝑡𝑒𝑚</m:t>
+                          </m:r>
+                        </m:e>
+                        <m:sub>
+                          <m:r>
+                            <a:rPr lang="tr-TR" sz="1200" i="1">
+                              <a:latin typeface="Cambria Math" panose="02040503050406030204" pitchFamily="18" charset="0"/>
+                            </a:rPr>
+                            <m:t>𝑖</m:t>
+                          </m:r>
+                          <m:sSub>
+                            <m:sSubPr>
+                              <m:ctrlPr>
+                                <a:rPr lang="tr-TR" sz="1200" i="1" smtClean="0">
+                                  <a:latin typeface="Cambria Math" panose="02040503050406030204" pitchFamily="18" charset="0"/>
+                                </a:rPr>
+                              </m:ctrlPr>
+                            </m:sSubPr>
+                            <m:e>
+                              <m:r>
+                                <a:rPr lang="tr-TR" sz="1200" b="0" i="1" smtClean="0">
+                                  <a:latin typeface="Cambria Math" panose="02040503050406030204" pitchFamily="18" charset="0"/>
+                                </a:rPr>
+                                <m:t>𝑚</m:t>
+                              </m:r>
+                            </m:e>
+                            <m:sub>
+                              <m:r>
+                                <a:rPr lang="tr-TR" sz="1200" b="0" i="1" smtClean="0">
+                                  <a:latin typeface="Cambria Math" panose="02040503050406030204" pitchFamily="18" charset="0"/>
+                                </a:rPr>
+                                <m:t>𝑖</m:t>
+                              </m:r>
+                            </m:sub>
+                          </m:sSub>
+                          <m:r>
+                            <m:rPr>
+                              <m:nor/>
+                            </m:rPr>
+                            <a:rPr lang="tr-TR" sz="1200" i="1" dirty="0">
+                              <a:latin typeface="Cambria Math" panose="02040503050406030204" pitchFamily="18" charset="0"/>
+                            </a:rPr>
+                            <m:t> </m:t>
+                          </m:r>
+                        </m:sub>
+                      </m:sSub>
+                    </m:oMath>
+                  </m:oMathPara>
+                </a14:m>
+                <a:endParaRPr lang="tr-TR" sz="1200" i="1" dirty="0">
+                  <a:latin typeface="Cambria Math" panose="02040503050406030204" pitchFamily="18" charset="0"/>
+                </a:endParaRPr>
+              </a:p>
+            </p:txBody>
+          </p:sp>
+        </mc:Choice>
+        <mc:Fallback xmlns="">
+          <p:sp>
+            <p:nvSpPr>
+              <p:cNvPr id="15" name="Rectangle 14"/>
+              <p:cNvSpPr>
+                <a:spLocks noRot="1" noChangeAspect="1" noMove="1" noResize="1" noEditPoints="1" noAdjustHandles="1" noChangeArrowheads="1" noChangeShapeType="1" noTextEdit="1"/>
+              </p:cNvSpPr>
+              <p:nvPr/>
+            </p:nvSpPr>
+            <p:spPr>
+              <a:xfrm>
+                <a:off x="6923876" y="3859509"/>
+                <a:ext cx="1182569" cy="300491"/>
+              </a:xfrm>
+              <a:prstGeom prst="rect">
+                <a:avLst/>
+              </a:prstGeom>
+              <a:blipFill>
+                <a:blip r:embed="rId10"/>
+                <a:stretch>
+                  <a:fillRect/>
+                </a:stretch>
+              </a:blipFill>
+            </p:spPr>
+            <p:txBody>
+              <a:bodyPr/>
+              <a:lstStyle/>
+              <a:p>
+                <a:r>
+                  <a:rPr lang="tr-TR">
+                    <a:noFill/>
+                  </a:rPr>
+                  <a:t> </a:t>
+                </a:r>
+              </a:p>
+            </p:txBody>
+          </p:sp>
+        </mc:Fallback>
+      </mc:AlternateContent>
+      <p:sp>
+        <p:nvSpPr>
+          <p:cNvPr id="16" name="Rectangle 15"/>
+          <p:cNvSpPr/>
+          <p:nvPr/>
+        </p:nvSpPr>
+        <p:spPr>
+          <a:xfrm>
+            <a:off x="7099363" y="2966435"/>
+            <a:ext cx="523572" cy="784830"/>
+          </a:xfrm>
+          <a:prstGeom prst="rect">
+            <a:avLst/>
+          </a:prstGeom>
+          <a:noFill/>
+        </p:spPr>
+        <p:txBody>
+          <a:bodyPr wrap="square" lIns="91440" tIns="45720" rIns="91440" bIns="45720">
+            <a:spAutoFit/>
+          </a:bodyPr>
+          <a:lstStyle/>
+          <a:p>
+            <a:pPr algn="ctr"/>
+            <a:r>
+              <a:rPr lang="tr-TR" sz="1500" b="0" cap="none" spc="0" dirty="0" smtClean="0">
+                <a:ln w="0"/>
+                <a:solidFill>
+                  <a:schemeClr val="accent1"/>
+                </a:solidFill>
+                <a:effectLst>
+                  <a:outerShdw blurRad="38100" dist="25400" dir="5400000" algn="ctr" rotWithShape="0">
+                    <a:srgbClr val="6E747A">
+                      <a:alpha val="43000"/>
+                    </a:srgbClr>
+                  </a:outerShdw>
+                </a:effectLst>
+              </a:rPr>
+              <a:t>.</a:t>
+            </a:r>
+          </a:p>
+          <a:p>
+            <a:pPr algn="ctr"/>
+            <a:r>
+              <a:rPr lang="tr-TR" sz="1500" dirty="0" smtClean="0">
+                <a:ln w="0"/>
+                <a:solidFill>
+                  <a:schemeClr val="accent1"/>
+                </a:solidFill>
+                <a:effectLst>
+                  <a:outerShdw blurRad="38100" dist="25400" dir="5400000" algn="ctr" rotWithShape="0">
+                    <a:srgbClr val="6E747A">
+                      <a:alpha val="43000"/>
+                    </a:srgbClr>
+                  </a:outerShdw>
+                </a:effectLst>
+              </a:rPr>
+              <a:t>.</a:t>
+            </a:r>
+          </a:p>
+          <a:p>
+            <a:pPr algn="ctr"/>
+            <a:r>
+              <a:rPr lang="tr-TR" sz="1500" b="0" cap="none" spc="0" dirty="0">
+                <a:ln w="0"/>
+                <a:solidFill>
+                  <a:schemeClr val="accent1"/>
+                </a:solidFill>
+                <a:effectLst>
+                  <a:outerShdw blurRad="38100" dist="25400" dir="5400000" algn="ctr" rotWithShape="0">
+                    <a:srgbClr val="6E747A">
+                      <a:alpha val="43000"/>
+                    </a:srgbClr>
+                  </a:outerShdw>
+                </a:effectLst>
+              </a:rPr>
+              <a:t>.</a:t>
+            </a:r>
+            <a:endParaRPr lang="en-US" sz="1500" b="0" cap="none" spc="0" dirty="0">
+              <a:ln w="0"/>
+              <a:solidFill>
+                <a:schemeClr val="accent1"/>
+              </a:solidFill>
+              <a:effectLst>
+                <a:outerShdw blurRad="38100" dist="25400" dir="5400000" algn="ctr" rotWithShape="0">
+                  <a:srgbClr val="6E747A">
+                    <a:alpha val="43000"/>
+                  </a:srgbClr>
+                </a:outerShdw>
+              </a:effectLst>
+            </a:endParaRPr>
+          </a:p>
+        </p:txBody>
+      </p:sp>
+      <p:cxnSp>
+        <p:nvCxnSpPr>
+          <p:cNvPr id="17" name="Straight Arrow Connector 16"/>
+          <p:cNvCxnSpPr>
+            <a:stCxn id="12" idx="1"/>
+            <a:endCxn id="13" idx="3"/>
+          </p:cNvCxnSpPr>
+          <p:nvPr/>
+        </p:nvCxnSpPr>
+        <p:spPr>
+          <a:xfrm flipH="1" flipV="1">
+            <a:off x="7959975" y="2323496"/>
+            <a:ext cx="860177" cy="262131"/>
+          </a:xfrm>
+          <a:prstGeom prst="straightConnector1">
+            <a:avLst/>
+          </a:prstGeom>
+          <a:ln>
+            <a:tailEnd type="triangle"/>
+          </a:ln>
+        </p:spPr>
+        <p:style>
+          <a:lnRef idx="1">
+            <a:schemeClr val="accent1"/>
+          </a:lnRef>
+          <a:fillRef idx="0">
+            <a:schemeClr val="accent1"/>
+          </a:fillRef>
+          <a:effectRef idx="0">
+            <a:schemeClr val="accent1"/>
+          </a:effectRef>
+          <a:fontRef idx="minor">
+            <a:schemeClr val="tx1"/>
+          </a:fontRef>
+        </p:style>
+      </p:cxnSp>
+      <p:cxnSp>
+        <p:nvCxnSpPr>
+          <p:cNvPr id="18" name="Straight Arrow Connector 17"/>
+          <p:cNvCxnSpPr>
+            <a:stCxn id="12" idx="1"/>
+            <a:endCxn id="14" idx="3"/>
+          </p:cNvCxnSpPr>
+          <p:nvPr/>
+        </p:nvCxnSpPr>
+        <p:spPr>
+          <a:xfrm flipH="1">
+            <a:off x="7959975" y="2585627"/>
+            <a:ext cx="860177" cy="150244"/>
+          </a:xfrm>
+          <a:prstGeom prst="straightConnector1">
+            <a:avLst/>
+          </a:prstGeom>
+          <a:ln>
+            <a:tailEnd type="triangle"/>
+          </a:ln>
+        </p:spPr>
+        <p:style>
+          <a:lnRef idx="1">
+            <a:schemeClr val="accent1"/>
+          </a:lnRef>
+          <a:fillRef idx="0">
+            <a:schemeClr val="accent1"/>
+          </a:fillRef>
+          <a:effectRef idx="0">
+            <a:schemeClr val="accent1"/>
+          </a:effectRef>
+          <a:fontRef idx="minor">
+            <a:schemeClr val="tx1"/>
+          </a:fontRef>
+        </p:style>
+      </p:cxnSp>
+      <p:cxnSp>
+        <p:nvCxnSpPr>
+          <p:cNvPr id="19" name="Straight Arrow Connector 18"/>
+          <p:cNvCxnSpPr>
+            <a:stCxn id="12" idx="1"/>
+          </p:cNvCxnSpPr>
+          <p:nvPr/>
+        </p:nvCxnSpPr>
+        <p:spPr>
+          <a:xfrm flipH="1">
+            <a:off x="8122844" y="2585627"/>
+            <a:ext cx="697308" cy="1462176"/>
+          </a:xfrm>
+          <a:prstGeom prst="straightConnector1">
+            <a:avLst/>
+          </a:prstGeom>
+          <a:ln>
+            <a:tailEnd type="triangle"/>
+          </a:ln>
+        </p:spPr>
+        <p:style>
+          <a:lnRef idx="1">
+            <a:schemeClr val="accent1"/>
+          </a:lnRef>
+          <a:fillRef idx="0">
+            <a:schemeClr val="accent1"/>
+          </a:fillRef>
+          <a:effectRef idx="0">
+            <a:schemeClr val="accent1"/>
+          </a:effectRef>
+          <a:fontRef idx="minor">
+            <a:schemeClr val="tx1"/>
+          </a:fontRef>
+        </p:style>
+      </p:cxnSp>
+      <mc:AlternateContent xmlns:mc="http://schemas.openxmlformats.org/markup-compatibility/2006" xmlns:a14="http://schemas.microsoft.com/office/drawing/2010/main">
+        <mc:Choice Requires="a14">
+          <p:sp>
+            <p:nvSpPr>
+              <p:cNvPr id="20" name="Rectangle 19"/>
+              <p:cNvSpPr/>
+              <p:nvPr/>
+            </p:nvSpPr>
+            <p:spPr>
+              <a:xfrm>
+                <a:off x="3472234" y="2201178"/>
+                <a:ext cx="1182569" cy="300491"/>
+              </a:xfrm>
+              <a:prstGeom prst="rect">
+                <a:avLst/>
+              </a:prstGeom>
+              <a:solidFill>
+                <a:schemeClr val="accent4"/>
+              </a:solidFill>
+            </p:spPr>
+            <p:style>
+              <a:lnRef idx="2">
+                <a:schemeClr val="accent1">
+                  <a:shade val="50000"/>
+                </a:schemeClr>
+              </a:lnRef>
+              <a:fillRef idx="1">
+                <a:schemeClr val="accent1"/>
+              </a:fillRef>
+              <a:effectRef idx="0">
+                <a:schemeClr val="accent1"/>
+              </a:effectRef>
+              <a:fontRef idx="minor">
+                <a:schemeClr val="lt1"/>
+              </a:fontRef>
+            </p:style>
+            <p:txBody>
+              <a:bodyPr rtlCol="0" anchor="ctr"/>
+              <a:lstStyle/>
+              <a:p>
+                <a:pPr algn="ctr"/>
+                <a14:m>
+                  <m:oMathPara xmlns:m="http://schemas.openxmlformats.org/officeDocument/2006/math">
+                    <m:oMathParaPr>
+                      <m:jc m:val="centerGroup"/>
+                    </m:oMathParaPr>
+                    <m:oMath xmlns:m="http://schemas.openxmlformats.org/officeDocument/2006/math">
+                      <m:sSubSup>
+                        <m:sSubSupPr>
+                          <m:ctrlPr>
+                            <a:rPr lang="el-GR" sz="800" i="1" smtClean="0">
+                              <a:latin typeface="Cambria Math" panose="02040503050406030204" pitchFamily="18" charset="0"/>
+                              <a:ea typeface="Cambria Math" panose="02040503050406030204" pitchFamily="18" charset="0"/>
+                            </a:rPr>
+                          </m:ctrlPr>
+                        </m:sSubSupPr>
+                        <m:e>
+                          <m:r>
+                            <m:rPr>
+                              <m:sty m:val="p"/>
+                            </m:rPr>
+                            <a:rPr lang="el-GR" sz="800" i="1">
+                              <a:latin typeface="Cambria Math" panose="02040503050406030204" pitchFamily="18" charset="0"/>
+                              <a:ea typeface="Cambria Math" panose="02040503050406030204" pitchFamily="18" charset="0"/>
+                            </a:rPr>
+                            <m:t>Σ</m:t>
+                          </m:r>
+                        </m:e>
+                        <m:sub>
+                          <m:r>
+                            <a:rPr lang="tr-TR" sz="800" i="1">
+                              <a:latin typeface="Cambria Math" panose="02040503050406030204" pitchFamily="18" charset="0"/>
+                              <a:ea typeface="Cambria Math" panose="02040503050406030204" pitchFamily="18" charset="0"/>
+                            </a:rPr>
+                            <m:t>𝑖</m:t>
+                          </m:r>
+                          <m:r>
+                            <a:rPr lang="tr-TR" sz="800" i="1">
+                              <a:latin typeface="Cambria Math" panose="02040503050406030204" pitchFamily="18" charset="0"/>
+                              <a:ea typeface="Cambria Math" panose="02040503050406030204" pitchFamily="18" charset="0"/>
+                            </a:rPr>
+                            <m:t>1</m:t>
+                          </m:r>
+                        </m:sub>
+                        <m:sup>
+                          <m:r>
+                            <a:rPr lang="tr-TR" sz="800" i="1">
+                              <a:latin typeface="Cambria Math" panose="02040503050406030204" pitchFamily="18" charset="0"/>
+                              <a:ea typeface="Cambria Math" panose="02040503050406030204" pitchFamily="18" charset="0"/>
+                            </a:rPr>
+                            <m:t>𝑝</m:t>
+                          </m:r>
+                        </m:sup>
+                      </m:sSubSup>
+                      <m:r>
+                        <a:rPr lang="tr-TR" sz="800" b="0" i="0" smtClean="0">
+                          <a:latin typeface="Cambria Math" panose="02040503050406030204" pitchFamily="18" charset="0"/>
+                          <a:ea typeface="Cambria Math" panose="02040503050406030204" pitchFamily="18" charset="0"/>
+                        </a:rPr>
+                        <m:t>,</m:t>
+                      </m:r>
+                      <m:sSubSup>
+                        <m:sSubSupPr>
+                          <m:ctrlPr>
+                            <a:rPr lang="el-GR" sz="800" i="1" smtClean="0">
+                              <a:latin typeface="Cambria Math" panose="02040503050406030204" pitchFamily="18" charset="0"/>
+                              <a:ea typeface="Cambria Math" panose="02040503050406030204" pitchFamily="18" charset="0"/>
+                            </a:rPr>
+                          </m:ctrlPr>
+                        </m:sSubSupPr>
+                        <m:e>
+                          <m:r>
+                            <m:rPr>
+                              <m:sty m:val="p"/>
+                            </m:rPr>
+                            <a:rPr lang="el-GR" sz="800" i="1" smtClean="0">
+                              <a:latin typeface="Cambria Math" panose="02040503050406030204" pitchFamily="18" charset="0"/>
+                              <a:ea typeface="Cambria Math" panose="02040503050406030204" pitchFamily="18" charset="0"/>
+                            </a:rPr>
+                            <m:t>Π</m:t>
+                          </m:r>
+                        </m:e>
+                        <m:sub>
+                          <m:r>
+                            <a:rPr lang="tr-TR" sz="800" i="1">
+                              <a:latin typeface="Cambria Math" panose="02040503050406030204" pitchFamily="18" charset="0"/>
+                              <a:ea typeface="Cambria Math" panose="02040503050406030204" pitchFamily="18" charset="0"/>
+                            </a:rPr>
+                            <m:t>𝑖</m:t>
+                          </m:r>
+                          <m:r>
+                            <a:rPr lang="tr-TR" sz="800" b="0" i="1" smtClean="0">
+                              <a:latin typeface="Cambria Math" panose="02040503050406030204" pitchFamily="18" charset="0"/>
+                              <a:ea typeface="Cambria Math" panose="02040503050406030204" pitchFamily="18" charset="0"/>
+                            </a:rPr>
+                            <m:t>1</m:t>
+                          </m:r>
+                        </m:sub>
+                        <m:sup>
+                          <m:r>
+                            <a:rPr lang="tr-TR" sz="800" i="1">
+                              <a:latin typeface="Cambria Math" panose="02040503050406030204" pitchFamily="18" charset="0"/>
+                              <a:ea typeface="Cambria Math" panose="02040503050406030204" pitchFamily="18" charset="0"/>
+                            </a:rPr>
+                            <m:t>𝑝</m:t>
+                          </m:r>
+                        </m:sup>
+                      </m:sSubSup>
+                      <m:r>
+                        <a:rPr lang="tr-TR" sz="800" b="0" i="1" smtClean="0">
+                          <a:latin typeface="Cambria Math" panose="02040503050406030204" pitchFamily="18" charset="0"/>
+                          <a:ea typeface="Cambria Math" panose="02040503050406030204" pitchFamily="18" charset="0"/>
+                        </a:rPr>
+                        <m:t>,</m:t>
+                      </m:r>
+                      <m:sSub>
+                        <m:sSubPr>
+                          <m:ctrlPr>
+                            <a:rPr lang="tr-TR" sz="800" i="1">
+                              <a:latin typeface="Cambria Math" panose="02040503050406030204" pitchFamily="18" charset="0"/>
+                            </a:rPr>
+                          </m:ctrlPr>
+                        </m:sSubPr>
+                        <m:e>
+                          <m:r>
+                            <m:rPr>
+                              <m:sty m:val="p"/>
+                            </m:rPr>
+                            <a:rPr lang="el-GR" sz="800" i="1">
+                              <a:latin typeface="Cambria Math" panose="02040503050406030204" pitchFamily="18" charset="0"/>
+                              <a:ea typeface="Cambria Math" panose="02040503050406030204" pitchFamily="18" charset="0"/>
+                            </a:rPr>
+                            <m:t>Λ</m:t>
+                          </m:r>
+                        </m:e>
+                        <m:sub>
+                          <m:r>
+                            <a:rPr lang="tr-TR" sz="800" i="1">
+                              <a:latin typeface="Cambria Math" panose="02040503050406030204" pitchFamily="18" charset="0"/>
+                            </a:rPr>
+                            <m:t>𝑖</m:t>
+                          </m:r>
+                          <m:r>
+                            <a:rPr lang="tr-TR" sz="800" b="0" i="1" smtClean="0">
+                              <a:latin typeface="Cambria Math" panose="02040503050406030204" pitchFamily="18" charset="0"/>
+                            </a:rPr>
+                            <m:t>1</m:t>
+                          </m:r>
+                        </m:sub>
+                      </m:sSub>
+                      <m:r>
+                        <a:rPr lang="tr-TR" sz="800" b="0" i="1" smtClean="0">
+                          <a:latin typeface="Cambria Math" panose="02040503050406030204" pitchFamily="18" charset="0"/>
+                        </a:rPr>
+                        <m:t>,</m:t>
+                      </m:r>
+                      <m:sSub>
+                        <m:sSubPr>
+                          <m:ctrlPr>
+                            <a:rPr lang="tr-TR" sz="800" i="1">
+                              <a:latin typeface="Cambria Math" panose="02040503050406030204" pitchFamily="18" charset="0"/>
+                              <a:ea typeface="Cambria Math" panose="02040503050406030204" pitchFamily="18" charset="0"/>
+                            </a:rPr>
+                          </m:ctrlPr>
+                        </m:sSubPr>
+                        <m:e>
+                          <m:r>
+                            <a:rPr lang="tr-TR" sz="800" i="1">
+                              <a:latin typeface="Cambria Math" panose="02040503050406030204" pitchFamily="18" charset="0"/>
+                              <a:ea typeface="Cambria Math" panose="02040503050406030204" pitchFamily="18" charset="0"/>
+                            </a:rPr>
+                            <m:t>𝜆</m:t>
+                          </m:r>
+                        </m:e>
+                        <m:sub>
+                          <m:r>
+                            <a:rPr lang="tr-TR" sz="800" i="1">
+                              <a:latin typeface="Cambria Math" panose="02040503050406030204" pitchFamily="18" charset="0"/>
+                              <a:ea typeface="Cambria Math" panose="02040503050406030204" pitchFamily="18" charset="0"/>
+                            </a:rPr>
+                            <m:t>𝑖</m:t>
+                          </m:r>
+                          <m:r>
+                            <a:rPr lang="tr-TR" sz="800" b="0" i="1" smtClean="0">
+                              <a:latin typeface="Cambria Math" panose="02040503050406030204" pitchFamily="18" charset="0"/>
+                              <a:ea typeface="Cambria Math" panose="02040503050406030204" pitchFamily="18" charset="0"/>
+                            </a:rPr>
+                            <m:t>1</m:t>
+                          </m:r>
+                        </m:sub>
+                      </m:sSub>
+                    </m:oMath>
+                  </m:oMathPara>
+                </a14:m>
+                <a:endParaRPr lang="tr-TR" sz="800" i="1" dirty="0">
+                  <a:latin typeface="Cambria Math" panose="02040503050406030204" pitchFamily="18" charset="0"/>
+                </a:endParaRPr>
+              </a:p>
+            </p:txBody>
+          </p:sp>
+        </mc:Choice>
+        <mc:Fallback xmlns="">
+          <p:sp>
+            <p:nvSpPr>
+              <p:cNvPr id="20" name="Rectangle 19"/>
+              <p:cNvSpPr>
+                <a:spLocks noRot="1" noChangeAspect="1" noMove="1" noResize="1" noEditPoints="1" noAdjustHandles="1" noChangeArrowheads="1" noChangeShapeType="1" noTextEdit="1"/>
+              </p:cNvSpPr>
+              <p:nvPr/>
+            </p:nvSpPr>
+            <p:spPr>
+              <a:xfrm>
+                <a:off x="3472234" y="2201178"/>
+                <a:ext cx="1182569" cy="300491"/>
+              </a:xfrm>
+              <a:prstGeom prst="rect">
+                <a:avLst/>
+              </a:prstGeom>
+              <a:blipFill>
+                <a:blip r:embed="rId11"/>
+                <a:stretch>
+                  <a:fillRect/>
+                </a:stretch>
+              </a:blipFill>
+            </p:spPr>
+            <p:txBody>
+              <a:bodyPr/>
+              <a:lstStyle/>
+              <a:p>
+                <a:r>
+                  <a:rPr lang="tr-TR">
+                    <a:noFill/>
+                  </a:rPr>
+                  <a:t> </a:t>
+                </a:r>
+              </a:p>
+            </p:txBody>
+          </p:sp>
+        </mc:Fallback>
+      </mc:AlternateContent>
+      <mc:AlternateContent xmlns:mc="http://schemas.openxmlformats.org/markup-compatibility/2006" xmlns:a14="http://schemas.microsoft.com/office/drawing/2010/main">
+        <mc:Choice Requires="a14">
+          <p:sp>
+            <p:nvSpPr>
+              <p:cNvPr id="21" name="Rectangle 20"/>
+              <p:cNvSpPr/>
+              <p:nvPr/>
+            </p:nvSpPr>
+            <p:spPr>
+              <a:xfrm>
+                <a:off x="3472234" y="2613553"/>
+                <a:ext cx="1182569" cy="300491"/>
+              </a:xfrm>
+              <a:prstGeom prst="rect">
+                <a:avLst/>
+              </a:prstGeom>
+              <a:solidFill>
+                <a:schemeClr val="accent4"/>
+              </a:solidFill>
+            </p:spPr>
+            <p:style>
+              <a:lnRef idx="2">
+                <a:schemeClr val="accent1">
+                  <a:shade val="50000"/>
+                </a:schemeClr>
+              </a:lnRef>
+              <a:fillRef idx="1">
+                <a:schemeClr val="accent1"/>
+              </a:fillRef>
+              <a:effectRef idx="0">
+                <a:schemeClr val="accent1"/>
+              </a:effectRef>
+              <a:fontRef idx="minor">
+                <a:schemeClr val="lt1"/>
+              </a:fontRef>
+            </p:style>
+            <p:txBody>
+              <a:bodyPr rtlCol="0" anchor="ctr"/>
+              <a:lstStyle/>
+              <a:p>
+                <a:pPr algn="ctr"/>
+                <a14:m>
+                  <m:oMathPara xmlns:m="http://schemas.openxmlformats.org/officeDocument/2006/math">
+                    <m:oMathParaPr>
+                      <m:jc m:val="centerGroup"/>
+                    </m:oMathParaPr>
+                    <m:oMath xmlns:m="http://schemas.openxmlformats.org/officeDocument/2006/math">
+                      <m:sSubSup>
+                        <m:sSubSupPr>
+                          <m:ctrlPr>
+                            <a:rPr lang="el-GR" sz="800" i="1" smtClean="0">
+                              <a:latin typeface="Cambria Math" panose="02040503050406030204" pitchFamily="18" charset="0"/>
+                              <a:ea typeface="Cambria Math" panose="02040503050406030204" pitchFamily="18" charset="0"/>
+                            </a:rPr>
+                          </m:ctrlPr>
+                        </m:sSubSupPr>
+                        <m:e>
+                          <m:r>
+                            <m:rPr>
+                              <m:sty m:val="p"/>
+                            </m:rPr>
+                            <a:rPr lang="el-GR" sz="800" i="1">
+                              <a:latin typeface="Cambria Math" panose="02040503050406030204" pitchFamily="18" charset="0"/>
+                              <a:ea typeface="Cambria Math" panose="02040503050406030204" pitchFamily="18" charset="0"/>
+                            </a:rPr>
+                            <m:t>Σ</m:t>
+                          </m:r>
+                        </m:e>
+                        <m:sub>
+                          <m:r>
+                            <a:rPr lang="tr-TR" sz="800" i="1">
+                              <a:latin typeface="Cambria Math" panose="02040503050406030204" pitchFamily="18" charset="0"/>
+                              <a:ea typeface="Cambria Math" panose="02040503050406030204" pitchFamily="18" charset="0"/>
+                            </a:rPr>
+                            <m:t>𝑖</m:t>
+                          </m:r>
+                          <m:r>
+                            <a:rPr lang="tr-TR" sz="800" b="0" i="1" smtClean="0">
+                              <a:latin typeface="Cambria Math" panose="02040503050406030204" pitchFamily="18" charset="0"/>
+                              <a:ea typeface="Cambria Math" panose="02040503050406030204" pitchFamily="18" charset="0"/>
+                            </a:rPr>
+                            <m:t>2</m:t>
+                          </m:r>
+                        </m:sub>
+                        <m:sup>
+                          <m:r>
+                            <a:rPr lang="tr-TR" sz="800" i="1">
+                              <a:latin typeface="Cambria Math" panose="02040503050406030204" pitchFamily="18" charset="0"/>
+                              <a:ea typeface="Cambria Math" panose="02040503050406030204" pitchFamily="18" charset="0"/>
+                            </a:rPr>
+                            <m:t>𝑝</m:t>
+                          </m:r>
+                        </m:sup>
+                      </m:sSubSup>
+                      <m:r>
+                        <a:rPr lang="tr-TR" sz="800">
+                          <a:latin typeface="Cambria Math" panose="02040503050406030204" pitchFamily="18" charset="0"/>
+                          <a:ea typeface="Cambria Math" panose="02040503050406030204" pitchFamily="18" charset="0"/>
+                        </a:rPr>
+                        <m:t>,</m:t>
+                      </m:r>
+                      <m:sSubSup>
+                        <m:sSubSupPr>
+                          <m:ctrlPr>
+                            <a:rPr lang="el-GR" sz="800" i="1">
+                              <a:latin typeface="Cambria Math" panose="02040503050406030204" pitchFamily="18" charset="0"/>
+                              <a:ea typeface="Cambria Math" panose="02040503050406030204" pitchFamily="18" charset="0"/>
+                            </a:rPr>
+                          </m:ctrlPr>
+                        </m:sSubSupPr>
+                        <m:e>
+                          <m:r>
+                            <m:rPr>
+                              <m:sty m:val="p"/>
+                            </m:rPr>
+                            <a:rPr lang="el-GR" sz="800" i="1">
+                              <a:latin typeface="Cambria Math" panose="02040503050406030204" pitchFamily="18" charset="0"/>
+                              <a:ea typeface="Cambria Math" panose="02040503050406030204" pitchFamily="18" charset="0"/>
+                            </a:rPr>
+                            <m:t>Π</m:t>
+                          </m:r>
+                        </m:e>
+                        <m:sub>
+                          <m:r>
+                            <a:rPr lang="tr-TR" sz="800" i="1">
+                              <a:latin typeface="Cambria Math" panose="02040503050406030204" pitchFamily="18" charset="0"/>
+                              <a:ea typeface="Cambria Math" panose="02040503050406030204" pitchFamily="18" charset="0"/>
+                            </a:rPr>
+                            <m:t>𝑖</m:t>
+                          </m:r>
+                          <m:r>
+                            <a:rPr lang="tr-TR" sz="800" b="0" i="1" smtClean="0">
+                              <a:latin typeface="Cambria Math" panose="02040503050406030204" pitchFamily="18" charset="0"/>
+                              <a:ea typeface="Cambria Math" panose="02040503050406030204" pitchFamily="18" charset="0"/>
+                            </a:rPr>
+                            <m:t>2</m:t>
+                          </m:r>
+                        </m:sub>
+                        <m:sup>
+                          <m:r>
+                            <a:rPr lang="tr-TR" sz="800" i="1">
+                              <a:latin typeface="Cambria Math" panose="02040503050406030204" pitchFamily="18" charset="0"/>
+                              <a:ea typeface="Cambria Math" panose="02040503050406030204" pitchFamily="18" charset="0"/>
+                            </a:rPr>
+                            <m:t>𝑝</m:t>
+                          </m:r>
+                        </m:sup>
+                      </m:sSubSup>
+                      <m:r>
+                        <a:rPr lang="tr-TR" sz="800" i="1">
+                          <a:latin typeface="Cambria Math" panose="02040503050406030204" pitchFamily="18" charset="0"/>
+                          <a:ea typeface="Cambria Math" panose="02040503050406030204" pitchFamily="18" charset="0"/>
+                        </a:rPr>
+                        <m:t>,</m:t>
+                      </m:r>
+                      <m:sSub>
+                        <m:sSubPr>
+                          <m:ctrlPr>
+                            <a:rPr lang="tr-TR" sz="800" i="1">
+                              <a:latin typeface="Cambria Math" panose="02040503050406030204" pitchFamily="18" charset="0"/>
+                            </a:rPr>
+                          </m:ctrlPr>
+                        </m:sSubPr>
+                        <m:e>
+                          <m:r>
+                            <m:rPr>
+                              <m:sty m:val="p"/>
+                            </m:rPr>
+                            <a:rPr lang="el-GR" sz="800" i="1">
+                              <a:latin typeface="Cambria Math" panose="02040503050406030204" pitchFamily="18" charset="0"/>
+                              <a:ea typeface="Cambria Math" panose="02040503050406030204" pitchFamily="18" charset="0"/>
+                            </a:rPr>
+                            <m:t>Λ</m:t>
+                          </m:r>
+                        </m:e>
+                        <m:sub>
+                          <m:r>
+                            <a:rPr lang="tr-TR" sz="800" i="1">
+                              <a:latin typeface="Cambria Math" panose="02040503050406030204" pitchFamily="18" charset="0"/>
+                            </a:rPr>
+                            <m:t>𝑖</m:t>
+                          </m:r>
+                          <m:r>
+                            <a:rPr lang="tr-TR" sz="800" b="0" i="1" smtClean="0">
+                              <a:latin typeface="Cambria Math" panose="02040503050406030204" pitchFamily="18" charset="0"/>
+                            </a:rPr>
+                            <m:t>2</m:t>
+                          </m:r>
+                        </m:sub>
+                      </m:sSub>
+                      <m:r>
+                        <a:rPr lang="tr-TR" sz="800" i="1">
+                          <a:latin typeface="Cambria Math" panose="02040503050406030204" pitchFamily="18" charset="0"/>
+                        </a:rPr>
+                        <m:t>,</m:t>
+                      </m:r>
+                      <m:sSub>
+                        <m:sSubPr>
+                          <m:ctrlPr>
+                            <a:rPr lang="tr-TR" sz="800" i="1">
+                              <a:latin typeface="Cambria Math" panose="02040503050406030204" pitchFamily="18" charset="0"/>
+                              <a:ea typeface="Cambria Math" panose="02040503050406030204" pitchFamily="18" charset="0"/>
+                            </a:rPr>
+                          </m:ctrlPr>
+                        </m:sSubPr>
+                        <m:e>
+                          <m:r>
+                            <a:rPr lang="tr-TR" sz="800" i="1">
+                              <a:latin typeface="Cambria Math" panose="02040503050406030204" pitchFamily="18" charset="0"/>
+                              <a:ea typeface="Cambria Math" panose="02040503050406030204" pitchFamily="18" charset="0"/>
+                            </a:rPr>
+                            <m:t>𝜆</m:t>
+                          </m:r>
+                        </m:e>
+                        <m:sub>
+                          <m:r>
+                            <a:rPr lang="tr-TR" sz="800" i="1">
+                              <a:latin typeface="Cambria Math" panose="02040503050406030204" pitchFamily="18" charset="0"/>
+                              <a:ea typeface="Cambria Math" panose="02040503050406030204" pitchFamily="18" charset="0"/>
+                            </a:rPr>
+                            <m:t>𝑖</m:t>
+                          </m:r>
+                          <m:r>
+                            <a:rPr lang="tr-TR" sz="800" b="0" i="1" smtClean="0">
+                              <a:latin typeface="Cambria Math" panose="02040503050406030204" pitchFamily="18" charset="0"/>
+                              <a:ea typeface="Cambria Math" panose="02040503050406030204" pitchFamily="18" charset="0"/>
+                            </a:rPr>
+                            <m:t>2</m:t>
+                          </m:r>
+                        </m:sub>
+                      </m:sSub>
+                    </m:oMath>
+                  </m:oMathPara>
+                </a14:m>
+                <a:endParaRPr lang="tr-TR" sz="800" dirty="0"/>
+              </a:p>
+            </p:txBody>
+          </p:sp>
+        </mc:Choice>
+        <mc:Fallback xmlns="">
+          <p:sp>
+            <p:nvSpPr>
+              <p:cNvPr id="21" name="Rectangle 20"/>
+              <p:cNvSpPr>
+                <a:spLocks noRot="1" noChangeAspect="1" noMove="1" noResize="1" noEditPoints="1" noAdjustHandles="1" noChangeArrowheads="1" noChangeShapeType="1" noTextEdit="1"/>
+              </p:cNvSpPr>
+              <p:nvPr/>
+            </p:nvSpPr>
+            <p:spPr>
+              <a:xfrm>
+                <a:off x="3472234" y="2613553"/>
+                <a:ext cx="1182569" cy="300491"/>
+              </a:xfrm>
+              <a:prstGeom prst="rect">
+                <a:avLst/>
+              </a:prstGeom>
+              <a:blipFill>
+                <a:blip r:embed="rId12"/>
+                <a:stretch>
+                  <a:fillRect/>
+                </a:stretch>
+              </a:blipFill>
+            </p:spPr>
+            <p:txBody>
+              <a:bodyPr/>
+              <a:lstStyle/>
+              <a:p>
+                <a:r>
+                  <a:rPr lang="tr-TR">
+                    <a:noFill/>
+                  </a:rPr>
+                  <a:t> </a:t>
+                </a:r>
+              </a:p>
+            </p:txBody>
+          </p:sp>
+        </mc:Fallback>
+      </mc:AlternateContent>
+      <mc:AlternateContent xmlns:mc="http://schemas.openxmlformats.org/markup-compatibility/2006" xmlns:a14="http://schemas.microsoft.com/office/drawing/2010/main">
+        <mc:Choice Requires="a14">
+          <p:sp>
+            <p:nvSpPr>
+              <p:cNvPr id="22" name="Rectangle 21"/>
+              <p:cNvSpPr/>
+              <p:nvPr/>
+            </p:nvSpPr>
+            <p:spPr>
+              <a:xfrm>
+                <a:off x="3472234" y="3859510"/>
+                <a:ext cx="1182569" cy="300491"/>
+              </a:xfrm>
+              <a:prstGeom prst="rect">
+                <a:avLst/>
+              </a:prstGeom>
+              <a:solidFill>
+                <a:schemeClr val="accent4"/>
+              </a:solidFill>
+            </p:spPr>
+            <p:style>
+              <a:lnRef idx="2">
+                <a:schemeClr val="accent1">
+                  <a:shade val="50000"/>
+                </a:schemeClr>
+              </a:lnRef>
+              <a:fillRef idx="1">
+                <a:schemeClr val="accent1"/>
+              </a:fillRef>
+              <a:effectRef idx="0">
+                <a:schemeClr val="accent1"/>
+              </a:effectRef>
+              <a:fontRef idx="minor">
+                <a:schemeClr val="lt1"/>
+              </a:fontRef>
+            </p:style>
+            <p:txBody>
+              <a:bodyPr rtlCol="0" anchor="ctr"/>
+              <a:lstStyle/>
+              <a:p>
+                <a:pPr algn="ctr"/>
+                <a14:m>
+                  <m:oMathPara xmlns:m="http://schemas.openxmlformats.org/officeDocument/2006/math">
+                    <m:oMathParaPr>
+                      <m:jc m:val="centerGroup"/>
+                    </m:oMathParaPr>
+                    <m:oMath xmlns:m="http://schemas.openxmlformats.org/officeDocument/2006/math">
+                      <m:sSubSup>
+                        <m:sSubSupPr>
+                          <m:ctrlPr>
+                            <a:rPr lang="el-GR" sz="800" i="1" smtClean="0">
+                              <a:latin typeface="Cambria Math" panose="02040503050406030204" pitchFamily="18" charset="0"/>
+                              <a:ea typeface="Cambria Math" panose="02040503050406030204" pitchFamily="18" charset="0"/>
+                            </a:rPr>
+                          </m:ctrlPr>
+                        </m:sSubSupPr>
+                        <m:e>
+                          <m:r>
+                            <m:rPr>
+                              <m:sty m:val="p"/>
+                            </m:rPr>
+                            <a:rPr lang="el-GR" sz="800" i="1">
+                              <a:latin typeface="Cambria Math" panose="02040503050406030204" pitchFamily="18" charset="0"/>
+                              <a:ea typeface="Cambria Math" panose="02040503050406030204" pitchFamily="18" charset="0"/>
+                            </a:rPr>
+                            <m:t>Σ</m:t>
+                          </m:r>
+                        </m:e>
+                        <m:sub>
+                          <m:r>
+                            <a:rPr lang="tr-TR" sz="800" i="1">
+                              <a:latin typeface="Cambria Math" panose="02040503050406030204" pitchFamily="18" charset="0"/>
+                              <a:ea typeface="Cambria Math" panose="02040503050406030204" pitchFamily="18" charset="0"/>
+                            </a:rPr>
+                            <m:t>𝑖</m:t>
+                          </m:r>
+                          <m:sSub>
+                            <m:sSubPr>
+                              <m:ctrlPr>
+                                <a:rPr lang="tr-TR" sz="800" i="1" smtClean="0">
+                                  <a:latin typeface="Cambria Math" panose="02040503050406030204" pitchFamily="18" charset="0"/>
+                                  <a:ea typeface="Cambria Math" panose="02040503050406030204" pitchFamily="18" charset="0"/>
+                                </a:rPr>
+                              </m:ctrlPr>
+                            </m:sSubPr>
+                            <m:e>
+                              <m:r>
+                                <a:rPr lang="tr-TR" sz="800" b="0" i="1" smtClean="0">
+                                  <a:latin typeface="Cambria Math" panose="02040503050406030204" pitchFamily="18" charset="0"/>
+                                  <a:ea typeface="Cambria Math" panose="02040503050406030204" pitchFamily="18" charset="0"/>
+                                </a:rPr>
+                                <m:t>𝑚</m:t>
+                              </m:r>
+                            </m:e>
+                            <m:sub>
+                              <m:r>
+                                <a:rPr lang="tr-TR" sz="800" b="0" i="1" smtClean="0">
+                                  <a:latin typeface="Cambria Math" panose="02040503050406030204" pitchFamily="18" charset="0"/>
+                                  <a:ea typeface="Cambria Math" panose="02040503050406030204" pitchFamily="18" charset="0"/>
+                                </a:rPr>
+                                <m:t>𝑖</m:t>
+                              </m:r>
+                            </m:sub>
+                          </m:sSub>
+                        </m:sub>
+                        <m:sup>
+                          <m:r>
+                            <a:rPr lang="tr-TR" sz="800" i="1">
+                              <a:latin typeface="Cambria Math" panose="02040503050406030204" pitchFamily="18" charset="0"/>
+                              <a:ea typeface="Cambria Math" panose="02040503050406030204" pitchFamily="18" charset="0"/>
+                            </a:rPr>
+                            <m:t>𝑝</m:t>
+                          </m:r>
+                        </m:sup>
+                      </m:sSubSup>
+                      <m:r>
+                        <a:rPr lang="tr-TR" sz="800">
+                          <a:latin typeface="Cambria Math" panose="02040503050406030204" pitchFamily="18" charset="0"/>
+                          <a:ea typeface="Cambria Math" panose="02040503050406030204" pitchFamily="18" charset="0"/>
+                        </a:rPr>
+                        <m:t>,</m:t>
+                      </m:r>
+                      <m:sSubSup>
+                        <m:sSubSupPr>
+                          <m:ctrlPr>
+                            <a:rPr lang="el-GR" sz="800" i="1">
+                              <a:latin typeface="Cambria Math" panose="02040503050406030204" pitchFamily="18" charset="0"/>
+                              <a:ea typeface="Cambria Math" panose="02040503050406030204" pitchFamily="18" charset="0"/>
+                            </a:rPr>
+                          </m:ctrlPr>
+                        </m:sSubSupPr>
+                        <m:e>
+                          <m:r>
+                            <m:rPr>
+                              <m:sty m:val="p"/>
+                            </m:rPr>
+                            <a:rPr lang="el-GR" sz="800" i="1">
+                              <a:latin typeface="Cambria Math" panose="02040503050406030204" pitchFamily="18" charset="0"/>
+                              <a:ea typeface="Cambria Math" panose="02040503050406030204" pitchFamily="18" charset="0"/>
+                            </a:rPr>
+                            <m:t>Π</m:t>
+                          </m:r>
+                        </m:e>
+                        <m:sub>
+                          <m:r>
+                            <a:rPr lang="tr-TR" sz="800" i="1">
+                              <a:latin typeface="Cambria Math" panose="02040503050406030204" pitchFamily="18" charset="0"/>
+                              <a:ea typeface="Cambria Math" panose="02040503050406030204" pitchFamily="18" charset="0"/>
+                            </a:rPr>
+                            <m:t>𝑖</m:t>
+                          </m:r>
+                          <m:sSub>
+                            <m:sSubPr>
+                              <m:ctrlPr>
+                                <a:rPr lang="tr-TR" sz="800" i="1">
+                                  <a:latin typeface="Cambria Math" panose="02040503050406030204" pitchFamily="18" charset="0"/>
+                                  <a:ea typeface="Cambria Math" panose="02040503050406030204" pitchFamily="18" charset="0"/>
+                                </a:rPr>
+                              </m:ctrlPr>
+                            </m:sSubPr>
+                            <m:e>
+                              <m:r>
+                                <a:rPr lang="tr-TR" sz="800" i="1">
+                                  <a:latin typeface="Cambria Math" panose="02040503050406030204" pitchFamily="18" charset="0"/>
+                                  <a:ea typeface="Cambria Math" panose="02040503050406030204" pitchFamily="18" charset="0"/>
+                                </a:rPr>
+                                <m:t>𝑚</m:t>
+                              </m:r>
+                            </m:e>
+                            <m:sub>
+                              <m:r>
+                                <a:rPr lang="tr-TR" sz="800" i="1">
+                                  <a:latin typeface="Cambria Math" panose="02040503050406030204" pitchFamily="18" charset="0"/>
+                                  <a:ea typeface="Cambria Math" panose="02040503050406030204" pitchFamily="18" charset="0"/>
+                                </a:rPr>
+                                <m:t>𝑖</m:t>
+                              </m:r>
+                            </m:sub>
+                          </m:sSub>
+                        </m:sub>
+                        <m:sup>
+                          <m:r>
+                            <a:rPr lang="tr-TR" sz="800" i="1">
+                              <a:latin typeface="Cambria Math" panose="02040503050406030204" pitchFamily="18" charset="0"/>
+                              <a:ea typeface="Cambria Math" panose="02040503050406030204" pitchFamily="18" charset="0"/>
+                            </a:rPr>
+                            <m:t>𝑝</m:t>
+                          </m:r>
+                        </m:sup>
+                      </m:sSubSup>
+                      <m:r>
+                        <a:rPr lang="tr-TR" sz="800" i="1">
+                          <a:latin typeface="Cambria Math" panose="02040503050406030204" pitchFamily="18" charset="0"/>
+                          <a:ea typeface="Cambria Math" panose="02040503050406030204" pitchFamily="18" charset="0"/>
+                        </a:rPr>
+                        <m:t>,</m:t>
+                      </m:r>
+                      <m:sSub>
+                        <m:sSubPr>
+                          <m:ctrlPr>
+                            <a:rPr lang="tr-TR" sz="800" i="1">
+                              <a:latin typeface="Cambria Math" panose="02040503050406030204" pitchFamily="18" charset="0"/>
+                            </a:rPr>
+                          </m:ctrlPr>
+                        </m:sSubPr>
+                        <m:e>
+                          <m:r>
+                            <m:rPr>
+                              <m:sty m:val="p"/>
+                            </m:rPr>
+                            <a:rPr lang="el-GR" sz="800" i="1">
+                              <a:latin typeface="Cambria Math" panose="02040503050406030204" pitchFamily="18" charset="0"/>
+                              <a:ea typeface="Cambria Math" panose="02040503050406030204" pitchFamily="18" charset="0"/>
+                            </a:rPr>
+                            <m:t>Λ</m:t>
+                          </m:r>
+                        </m:e>
+                        <m:sub>
+                          <m:r>
+                            <a:rPr lang="tr-TR" sz="800" i="1">
+                              <a:latin typeface="Cambria Math" panose="02040503050406030204" pitchFamily="18" charset="0"/>
+                              <a:ea typeface="Cambria Math" panose="02040503050406030204" pitchFamily="18" charset="0"/>
+                            </a:rPr>
+                            <m:t>𝑖</m:t>
+                          </m:r>
+                          <m:sSub>
+                            <m:sSubPr>
+                              <m:ctrlPr>
+                                <a:rPr lang="tr-TR" sz="800" i="1">
+                                  <a:latin typeface="Cambria Math" panose="02040503050406030204" pitchFamily="18" charset="0"/>
+                                  <a:ea typeface="Cambria Math" panose="02040503050406030204" pitchFamily="18" charset="0"/>
+                                </a:rPr>
+                              </m:ctrlPr>
+                            </m:sSubPr>
+                            <m:e>
+                              <m:r>
+                                <a:rPr lang="tr-TR" sz="800" i="1">
+                                  <a:latin typeface="Cambria Math" panose="02040503050406030204" pitchFamily="18" charset="0"/>
+                                  <a:ea typeface="Cambria Math" panose="02040503050406030204" pitchFamily="18" charset="0"/>
+                                </a:rPr>
+                                <m:t>𝑚</m:t>
+                              </m:r>
+                            </m:e>
+                            <m:sub>
+                              <m:r>
+                                <a:rPr lang="tr-TR" sz="800" i="1">
+                                  <a:latin typeface="Cambria Math" panose="02040503050406030204" pitchFamily="18" charset="0"/>
+                                  <a:ea typeface="Cambria Math" panose="02040503050406030204" pitchFamily="18" charset="0"/>
+                                </a:rPr>
+                                <m:t>𝑖</m:t>
+                              </m:r>
+                            </m:sub>
+                          </m:sSub>
+                        </m:sub>
+                      </m:sSub>
+                      <m:r>
+                        <a:rPr lang="tr-TR" sz="800" i="1">
+                          <a:latin typeface="Cambria Math" panose="02040503050406030204" pitchFamily="18" charset="0"/>
+                        </a:rPr>
+                        <m:t>,</m:t>
+                      </m:r>
+                      <m:sSub>
+                        <m:sSubPr>
+                          <m:ctrlPr>
+                            <a:rPr lang="tr-TR" sz="800" i="1">
+                              <a:latin typeface="Cambria Math" panose="02040503050406030204" pitchFamily="18" charset="0"/>
+                              <a:ea typeface="Cambria Math" panose="02040503050406030204" pitchFamily="18" charset="0"/>
+                            </a:rPr>
+                          </m:ctrlPr>
+                        </m:sSubPr>
+                        <m:e>
+                          <m:r>
+                            <a:rPr lang="tr-TR" sz="800" i="1">
+                              <a:latin typeface="Cambria Math" panose="02040503050406030204" pitchFamily="18" charset="0"/>
+                              <a:ea typeface="Cambria Math" panose="02040503050406030204" pitchFamily="18" charset="0"/>
+                            </a:rPr>
+                            <m:t>𝜆</m:t>
+                          </m:r>
+                        </m:e>
+                        <m:sub>
+                          <m:r>
+                            <a:rPr lang="tr-TR" sz="800" i="1">
+                              <a:latin typeface="Cambria Math" panose="02040503050406030204" pitchFamily="18" charset="0"/>
+                              <a:ea typeface="Cambria Math" panose="02040503050406030204" pitchFamily="18" charset="0"/>
+                            </a:rPr>
+                            <m:t>𝑖</m:t>
+                          </m:r>
+                          <m:sSub>
+                            <m:sSubPr>
+                              <m:ctrlPr>
+                                <a:rPr lang="tr-TR" sz="800" i="1">
+                                  <a:latin typeface="Cambria Math" panose="02040503050406030204" pitchFamily="18" charset="0"/>
+                                  <a:ea typeface="Cambria Math" panose="02040503050406030204" pitchFamily="18" charset="0"/>
+                                </a:rPr>
+                              </m:ctrlPr>
+                            </m:sSubPr>
+                            <m:e>
+                              <m:r>
+                                <a:rPr lang="tr-TR" sz="800" i="1">
+                                  <a:latin typeface="Cambria Math" panose="02040503050406030204" pitchFamily="18" charset="0"/>
+                                  <a:ea typeface="Cambria Math" panose="02040503050406030204" pitchFamily="18" charset="0"/>
+                                </a:rPr>
+                                <m:t>𝑚</m:t>
+                              </m:r>
+                            </m:e>
+                            <m:sub>
+                              <m:r>
+                                <a:rPr lang="tr-TR" sz="800" i="1">
+                                  <a:latin typeface="Cambria Math" panose="02040503050406030204" pitchFamily="18" charset="0"/>
+                                  <a:ea typeface="Cambria Math" panose="02040503050406030204" pitchFamily="18" charset="0"/>
+                                </a:rPr>
+                                <m:t>𝑖</m:t>
+                              </m:r>
+                            </m:sub>
+                          </m:sSub>
+                        </m:sub>
+                      </m:sSub>
+                    </m:oMath>
+                  </m:oMathPara>
+                </a14:m>
+                <a:endParaRPr lang="tr-TR" sz="800" dirty="0"/>
+              </a:p>
+            </p:txBody>
+          </p:sp>
+        </mc:Choice>
+        <mc:Fallback xmlns="">
+          <p:sp>
+            <p:nvSpPr>
+              <p:cNvPr id="22" name="Rectangle 21"/>
+              <p:cNvSpPr>
+                <a:spLocks noRot="1" noChangeAspect="1" noMove="1" noResize="1" noEditPoints="1" noAdjustHandles="1" noChangeArrowheads="1" noChangeShapeType="1" noTextEdit="1"/>
+              </p:cNvSpPr>
+              <p:nvPr/>
+            </p:nvSpPr>
+            <p:spPr>
+              <a:xfrm>
+                <a:off x="3472234" y="3859510"/>
+                <a:ext cx="1182569" cy="300491"/>
+              </a:xfrm>
+              <a:prstGeom prst="rect">
+                <a:avLst/>
+              </a:prstGeom>
+              <a:blipFill>
+                <a:blip r:embed="rId13"/>
+                <a:stretch>
+                  <a:fillRect/>
+                </a:stretch>
+              </a:blipFill>
+            </p:spPr>
+            <p:txBody>
+              <a:bodyPr/>
+              <a:lstStyle/>
+              <a:p>
+                <a:r>
+                  <a:rPr lang="tr-TR">
+                    <a:noFill/>
+                  </a:rPr>
+                  <a:t> </a:t>
+                </a:r>
+              </a:p>
+            </p:txBody>
+          </p:sp>
+        </mc:Fallback>
+      </mc:AlternateContent>
+      <p:sp>
+        <p:nvSpPr>
+          <p:cNvPr id="23" name="Rectangle 22"/>
+          <p:cNvSpPr/>
+          <p:nvPr/>
+        </p:nvSpPr>
+        <p:spPr>
+          <a:xfrm>
+            <a:off x="3794191" y="2994363"/>
+            <a:ext cx="523572" cy="784830"/>
+          </a:xfrm>
+          <a:prstGeom prst="rect">
+            <a:avLst/>
+          </a:prstGeom>
+          <a:noFill/>
+        </p:spPr>
+        <p:txBody>
+          <a:bodyPr wrap="square" lIns="91440" tIns="45720" rIns="91440" bIns="45720">
+            <a:spAutoFit/>
+          </a:bodyPr>
+          <a:lstStyle/>
+          <a:p>
+            <a:pPr algn="ctr"/>
+            <a:r>
+              <a:rPr lang="tr-TR" sz="1500" b="0" cap="none" spc="0" dirty="0" smtClean="0">
+                <a:ln w="0"/>
+                <a:solidFill>
+                  <a:schemeClr val="accent1"/>
+                </a:solidFill>
+                <a:effectLst>
+                  <a:outerShdw blurRad="38100" dist="25400" dir="5400000" algn="ctr" rotWithShape="0">
+                    <a:srgbClr val="6E747A">
+                      <a:alpha val="43000"/>
+                    </a:srgbClr>
+                  </a:outerShdw>
+                </a:effectLst>
+              </a:rPr>
+              <a:t>.</a:t>
+            </a:r>
+          </a:p>
+          <a:p>
+            <a:pPr algn="ctr"/>
+            <a:r>
+              <a:rPr lang="tr-TR" sz="1500" dirty="0" smtClean="0">
+                <a:ln w="0"/>
+                <a:solidFill>
+                  <a:schemeClr val="accent1"/>
+                </a:solidFill>
+                <a:effectLst>
+                  <a:outerShdw blurRad="38100" dist="25400" dir="5400000" algn="ctr" rotWithShape="0">
+                    <a:srgbClr val="6E747A">
+                      <a:alpha val="43000"/>
+                    </a:srgbClr>
+                  </a:outerShdw>
+                </a:effectLst>
+              </a:rPr>
+              <a:t>.</a:t>
+            </a:r>
+          </a:p>
+          <a:p>
+            <a:pPr algn="ctr"/>
+            <a:r>
+              <a:rPr lang="tr-TR" sz="1500" b="0" cap="none" spc="0" dirty="0">
+                <a:ln w="0"/>
+                <a:solidFill>
+                  <a:schemeClr val="accent1"/>
+                </a:solidFill>
+                <a:effectLst>
+                  <a:outerShdw blurRad="38100" dist="25400" dir="5400000" algn="ctr" rotWithShape="0">
+                    <a:srgbClr val="6E747A">
+                      <a:alpha val="43000"/>
+                    </a:srgbClr>
+                  </a:outerShdw>
+                </a:effectLst>
+              </a:rPr>
+              <a:t>.</a:t>
+            </a:r>
+            <a:endParaRPr lang="en-US" sz="1500" b="0" cap="none" spc="0" dirty="0">
+              <a:ln w="0"/>
+              <a:solidFill>
+                <a:schemeClr val="accent1"/>
+              </a:solidFill>
+              <a:effectLst>
+                <a:outerShdw blurRad="38100" dist="25400" dir="5400000" algn="ctr" rotWithShape="0">
+                  <a:srgbClr val="6E747A">
+                    <a:alpha val="43000"/>
+                  </a:srgbClr>
+                </a:outerShdw>
+              </a:effectLst>
+            </a:endParaRPr>
+          </a:p>
+        </p:txBody>
+      </p:sp>
+      <p:sp>
+        <p:nvSpPr>
+          <p:cNvPr id="24" name="Rectangle 23"/>
+          <p:cNvSpPr/>
+          <p:nvPr/>
+        </p:nvSpPr>
+        <p:spPr>
+          <a:xfrm>
+            <a:off x="4899305" y="2181308"/>
+            <a:ext cx="1591407" cy="1978693"/>
+          </a:xfrm>
+          <a:prstGeom prst="rect">
+            <a:avLst/>
+          </a:prstGeom>
+          <a:solidFill>
+            <a:schemeClr val="accent4"/>
+          </a:solidFill>
+        </p:spPr>
+        <p:style>
+          <a:lnRef idx="2">
+            <a:schemeClr val="accent1">
+              <a:shade val="50000"/>
+            </a:schemeClr>
+          </a:lnRef>
+          <a:fillRef idx="1">
+            <a:schemeClr val="accent1"/>
+          </a:fillRef>
+          <a:effectRef idx="0">
+            <a:schemeClr val="accent1"/>
+          </a:effectRef>
+          <a:fontRef idx="minor">
+            <a:schemeClr val="lt1"/>
+          </a:fontRef>
+        </p:style>
+        <p:txBody>
+          <a:bodyPr rtlCol="0" anchor="ctr"/>
+          <a:lstStyle/>
+          <a:p>
+            <a:pPr algn="ctr"/>
+            <a:r>
+              <a:rPr lang="tr-TR" sz="1200" dirty="0" smtClean="0"/>
+              <a:t>Analyze_doc</a:t>
+            </a:r>
+            <a:endParaRPr lang="tr-TR" sz="1200" dirty="0"/>
+          </a:p>
+        </p:txBody>
+      </p:sp>
+      <p:cxnSp>
+        <p:nvCxnSpPr>
+          <p:cNvPr id="25" name="Straight Arrow Connector 24"/>
+          <p:cNvCxnSpPr>
+            <a:stCxn id="9" idx="2"/>
+            <a:endCxn id="12" idx="0"/>
+          </p:cNvCxnSpPr>
+          <p:nvPr/>
+        </p:nvCxnSpPr>
+        <p:spPr>
+          <a:xfrm>
+            <a:off x="9599739" y="1872760"/>
+            <a:ext cx="16117" cy="411687"/>
+          </a:xfrm>
+          <a:prstGeom prst="straightConnector1">
+            <a:avLst/>
+          </a:prstGeom>
+          <a:ln>
+            <a:tailEnd type="triangle"/>
+          </a:ln>
+        </p:spPr>
+        <p:style>
+          <a:lnRef idx="1">
+            <a:schemeClr val="accent1"/>
+          </a:lnRef>
+          <a:fillRef idx="0">
+            <a:schemeClr val="accent1"/>
+          </a:fillRef>
+          <a:effectRef idx="0">
+            <a:schemeClr val="accent1"/>
+          </a:effectRef>
+          <a:fontRef idx="minor">
+            <a:schemeClr val="tx1"/>
+          </a:fontRef>
+        </p:style>
+      </p:cxnSp>
+      <p:cxnSp>
+        <p:nvCxnSpPr>
+          <p:cNvPr id="26" name="Straight Arrow Connector 25"/>
+          <p:cNvCxnSpPr>
+            <a:stCxn id="13" idx="1"/>
+            <a:endCxn id="24" idx="3"/>
+          </p:cNvCxnSpPr>
+          <p:nvPr/>
+        </p:nvCxnSpPr>
+        <p:spPr>
+          <a:xfrm flipH="1">
+            <a:off x="6490712" y="2323496"/>
+            <a:ext cx="286694" cy="847159"/>
+          </a:xfrm>
+          <a:prstGeom prst="straightConnector1">
+            <a:avLst/>
+          </a:prstGeom>
+          <a:ln>
+            <a:tailEnd type="triangle"/>
+          </a:ln>
+        </p:spPr>
+        <p:style>
+          <a:lnRef idx="1">
+            <a:schemeClr val="accent1"/>
+          </a:lnRef>
+          <a:fillRef idx="0">
+            <a:schemeClr val="accent1"/>
+          </a:fillRef>
+          <a:effectRef idx="0">
+            <a:schemeClr val="accent1"/>
+          </a:effectRef>
+          <a:fontRef idx="minor">
+            <a:schemeClr val="tx1"/>
+          </a:fontRef>
+        </p:style>
+      </p:cxnSp>
+      <p:cxnSp>
+        <p:nvCxnSpPr>
+          <p:cNvPr id="27" name="Straight Arrow Connector 26"/>
+          <p:cNvCxnSpPr>
+            <a:stCxn id="14" idx="1"/>
+            <a:endCxn id="24" idx="3"/>
+          </p:cNvCxnSpPr>
+          <p:nvPr/>
+        </p:nvCxnSpPr>
+        <p:spPr>
+          <a:xfrm flipH="1">
+            <a:off x="6490712" y="2735871"/>
+            <a:ext cx="286694" cy="434784"/>
+          </a:xfrm>
+          <a:prstGeom prst="straightConnector1">
+            <a:avLst/>
+          </a:prstGeom>
+          <a:ln>
+            <a:tailEnd type="triangle"/>
+          </a:ln>
+        </p:spPr>
+        <p:style>
+          <a:lnRef idx="1">
+            <a:schemeClr val="accent1"/>
+          </a:lnRef>
+          <a:fillRef idx="0">
+            <a:schemeClr val="accent1"/>
+          </a:fillRef>
+          <a:effectRef idx="0">
+            <a:schemeClr val="accent1"/>
+          </a:effectRef>
+          <a:fontRef idx="minor">
+            <a:schemeClr val="tx1"/>
+          </a:fontRef>
+        </p:style>
+      </p:cxnSp>
+      <p:cxnSp>
+        <p:nvCxnSpPr>
+          <p:cNvPr id="28" name="Straight Arrow Connector 27"/>
+          <p:cNvCxnSpPr>
+            <a:stCxn id="24" idx="3"/>
+          </p:cNvCxnSpPr>
+          <p:nvPr/>
+        </p:nvCxnSpPr>
+        <p:spPr>
+          <a:xfrm>
+            <a:off x="6490712" y="3170655"/>
+            <a:ext cx="420047" cy="777486"/>
+          </a:xfrm>
+          <a:prstGeom prst="straightConnector1">
+            <a:avLst/>
+          </a:prstGeom>
+          <a:ln>
+            <a:tailEnd type="triangle"/>
+          </a:ln>
+        </p:spPr>
+        <p:style>
+          <a:lnRef idx="1">
+            <a:schemeClr val="accent1"/>
+          </a:lnRef>
+          <a:fillRef idx="0">
+            <a:schemeClr val="accent1"/>
+          </a:fillRef>
+          <a:effectRef idx="0">
+            <a:schemeClr val="accent1"/>
+          </a:effectRef>
+          <a:fontRef idx="minor">
+            <a:schemeClr val="tx1"/>
+          </a:fontRef>
+        </p:style>
+      </p:cxnSp>
+      <p:cxnSp>
+        <p:nvCxnSpPr>
+          <p:cNvPr id="30" name="Straight Arrow Connector 29"/>
+          <p:cNvCxnSpPr>
+            <a:stCxn id="24" idx="1"/>
+            <a:endCxn id="20" idx="3"/>
+          </p:cNvCxnSpPr>
+          <p:nvPr/>
+        </p:nvCxnSpPr>
+        <p:spPr>
+          <a:xfrm flipH="1" flipV="1">
+            <a:off x="4654803" y="2351424"/>
+            <a:ext cx="244502" cy="819231"/>
+          </a:xfrm>
+          <a:prstGeom prst="straightConnector1">
+            <a:avLst/>
+          </a:prstGeom>
+          <a:ln>
+            <a:tailEnd type="triangle"/>
+          </a:ln>
+        </p:spPr>
+        <p:style>
+          <a:lnRef idx="1">
+            <a:schemeClr val="accent1"/>
+          </a:lnRef>
+          <a:fillRef idx="0">
+            <a:schemeClr val="accent1"/>
+          </a:fillRef>
+          <a:effectRef idx="0">
+            <a:schemeClr val="accent1"/>
+          </a:effectRef>
+          <a:fontRef idx="minor">
+            <a:schemeClr val="tx1"/>
+          </a:fontRef>
+        </p:style>
+      </p:cxnSp>
+      <p:cxnSp>
+        <p:nvCxnSpPr>
+          <p:cNvPr id="31" name="Straight Arrow Connector 30"/>
+          <p:cNvCxnSpPr>
+            <a:stCxn id="24" idx="1"/>
+            <a:endCxn id="21" idx="3"/>
+          </p:cNvCxnSpPr>
+          <p:nvPr/>
+        </p:nvCxnSpPr>
+        <p:spPr>
+          <a:xfrm flipH="1" flipV="1">
+            <a:off x="4654803" y="2763799"/>
+            <a:ext cx="244502" cy="406856"/>
+          </a:xfrm>
+          <a:prstGeom prst="straightConnector1">
+            <a:avLst/>
+          </a:prstGeom>
+          <a:ln>
+            <a:tailEnd type="triangle"/>
+          </a:ln>
+        </p:spPr>
+        <p:style>
+          <a:lnRef idx="1">
+            <a:schemeClr val="accent1"/>
+          </a:lnRef>
+          <a:fillRef idx="0">
+            <a:schemeClr val="accent1"/>
+          </a:fillRef>
+          <a:effectRef idx="0">
+            <a:schemeClr val="accent1"/>
+          </a:effectRef>
+          <a:fontRef idx="minor">
+            <a:schemeClr val="tx1"/>
+          </a:fontRef>
+        </p:style>
+      </p:cxnSp>
+      <p:cxnSp>
+        <p:nvCxnSpPr>
+          <p:cNvPr id="32" name="Straight Arrow Connector 31"/>
+          <p:cNvCxnSpPr>
+            <a:stCxn id="24" idx="1"/>
+            <a:endCxn id="22" idx="3"/>
+          </p:cNvCxnSpPr>
+          <p:nvPr/>
+        </p:nvCxnSpPr>
+        <p:spPr>
+          <a:xfrm flipH="1">
+            <a:off x="4654803" y="3170655"/>
+            <a:ext cx="244502" cy="839101"/>
+          </a:xfrm>
+          <a:prstGeom prst="straightConnector1">
+            <a:avLst/>
+          </a:prstGeom>
+          <a:ln>
+            <a:tailEnd type="triangle"/>
+          </a:ln>
+        </p:spPr>
+        <p:style>
+          <a:lnRef idx="1">
+            <a:schemeClr val="accent1"/>
+          </a:lnRef>
+          <a:fillRef idx="0">
+            <a:schemeClr val="accent1"/>
+          </a:fillRef>
+          <a:effectRef idx="0">
+            <a:schemeClr val="accent1"/>
+          </a:effectRef>
+          <a:fontRef idx="minor">
+            <a:schemeClr val="tx1"/>
+          </a:fontRef>
+        </p:style>
+      </p:cxnSp>
+      <p:sp>
+        <p:nvSpPr>
+          <p:cNvPr id="33" name="Rectangle 32"/>
+          <p:cNvSpPr/>
+          <p:nvPr/>
+        </p:nvSpPr>
+        <p:spPr>
+          <a:xfrm>
+            <a:off x="1203820" y="2146916"/>
+            <a:ext cx="1591407" cy="1978693"/>
+          </a:xfrm>
+          <a:prstGeom prst="rect">
+            <a:avLst/>
+          </a:prstGeom>
+          <a:solidFill>
+            <a:schemeClr val="accent4">
+              <a:lumMod val="75000"/>
+            </a:schemeClr>
+          </a:solidFill>
+        </p:spPr>
+        <p:style>
+          <a:lnRef idx="2">
+            <a:schemeClr val="accent1">
+              <a:shade val="50000"/>
+            </a:schemeClr>
+          </a:lnRef>
+          <a:fillRef idx="1">
+            <a:schemeClr val="accent1"/>
+          </a:fillRef>
+          <a:effectRef idx="0">
+            <a:schemeClr val="accent1"/>
+          </a:effectRef>
+          <a:fontRef idx="minor">
+            <a:schemeClr val="lt1"/>
+          </a:fontRef>
+        </p:style>
+        <p:txBody>
+          <a:bodyPr rtlCol="0" anchor="ctr"/>
+          <a:lstStyle/>
+          <a:p>
+            <a:pPr algn="ctr"/>
+            <a:r>
+              <a:rPr lang="tr-TR" sz="1200" dirty="0" smtClean="0"/>
+              <a:t>Predictions</a:t>
+            </a:r>
+            <a:endParaRPr lang="tr-TR" sz="1200" dirty="0"/>
+          </a:p>
+        </p:txBody>
+      </p:sp>
+      <p:cxnSp>
+        <p:nvCxnSpPr>
+          <p:cNvPr id="34" name="Straight Arrow Connector 33"/>
+          <p:cNvCxnSpPr>
+            <a:stCxn id="20" idx="1"/>
+            <a:endCxn id="33" idx="3"/>
+          </p:cNvCxnSpPr>
+          <p:nvPr/>
+        </p:nvCxnSpPr>
+        <p:spPr>
+          <a:xfrm flipH="1">
+            <a:off x="2795227" y="2351424"/>
+            <a:ext cx="677007" cy="784839"/>
+          </a:xfrm>
+          <a:prstGeom prst="straightConnector1">
+            <a:avLst/>
+          </a:prstGeom>
+          <a:ln>
+            <a:tailEnd type="triangle"/>
+          </a:ln>
+        </p:spPr>
+        <p:style>
+          <a:lnRef idx="1">
+            <a:schemeClr val="accent1"/>
+          </a:lnRef>
+          <a:fillRef idx="0">
+            <a:schemeClr val="accent1"/>
+          </a:fillRef>
+          <a:effectRef idx="0">
+            <a:schemeClr val="accent1"/>
+          </a:effectRef>
+          <a:fontRef idx="minor">
+            <a:schemeClr val="tx1"/>
+          </a:fontRef>
+        </p:style>
+      </p:cxnSp>
+      <p:cxnSp>
+        <p:nvCxnSpPr>
+          <p:cNvPr id="35" name="Straight Arrow Connector 34"/>
+          <p:cNvCxnSpPr>
+            <a:stCxn id="21" idx="1"/>
+            <a:endCxn id="33" idx="3"/>
+          </p:cNvCxnSpPr>
+          <p:nvPr/>
+        </p:nvCxnSpPr>
+        <p:spPr>
+          <a:xfrm flipH="1">
+            <a:off x="2795227" y="2763799"/>
+            <a:ext cx="677007" cy="372464"/>
+          </a:xfrm>
+          <a:prstGeom prst="straightConnector1">
+            <a:avLst/>
+          </a:prstGeom>
+          <a:ln>
+            <a:tailEnd type="triangle"/>
+          </a:ln>
+        </p:spPr>
+        <p:style>
+          <a:lnRef idx="1">
+            <a:schemeClr val="accent1"/>
+          </a:lnRef>
+          <a:fillRef idx="0">
+            <a:schemeClr val="accent1"/>
+          </a:fillRef>
+          <a:effectRef idx="0">
+            <a:schemeClr val="accent1"/>
+          </a:effectRef>
+          <a:fontRef idx="minor">
+            <a:schemeClr val="tx1"/>
+          </a:fontRef>
+        </p:style>
+      </p:cxnSp>
+      <p:cxnSp>
+        <p:nvCxnSpPr>
+          <p:cNvPr id="36" name="Straight Arrow Connector 35"/>
+          <p:cNvCxnSpPr>
+            <a:stCxn id="22" idx="1"/>
+            <a:endCxn id="33" idx="3"/>
+          </p:cNvCxnSpPr>
+          <p:nvPr/>
+        </p:nvCxnSpPr>
+        <p:spPr>
+          <a:xfrm flipH="1" flipV="1">
+            <a:off x="2795227" y="3136263"/>
+            <a:ext cx="677007" cy="873493"/>
+          </a:xfrm>
+          <a:prstGeom prst="straightConnector1">
+            <a:avLst/>
+          </a:prstGeom>
+          <a:ln>
+            <a:tailEnd type="triangle"/>
+          </a:ln>
+        </p:spPr>
+        <p:style>
+          <a:lnRef idx="1">
+            <a:schemeClr val="accent1"/>
+          </a:lnRef>
+          <a:fillRef idx="0">
+            <a:schemeClr val="accent1"/>
+          </a:fillRef>
+          <a:effectRef idx="0">
+            <a:schemeClr val="accent1"/>
+          </a:effectRef>
+          <a:fontRef idx="minor">
+            <a:schemeClr val="tx1"/>
+          </a:fontRef>
+        </p:style>
+      </p:cxnSp>
+      <p:cxnSp>
+        <p:nvCxnSpPr>
+          <p:cNvPr id="40" name="Straight Arrow Connector 39"/>
+          <p:cNvCxnSpPr>
+            <a:stCxn id="33" idx="2"/>
+            <a:endCxn id="48" idx="0"/>
+          </p:cNvCxnSpPr>
+          <p:nvPr/>
+        </p:nvCxnSpPr>
+        <p:spPr>
+          <a:xfrm>
+            <a:off x="1999524" y="4125609"/>
+            <a:ext cx="9644" cy="1780186"/>
+          </a:xfrm>
+          <a:prstGeom prst="straightConnector1">
+            <a:avLst/>
+          </a:prstGeom>
+          <a:ln>
+            <a:tailEnd type="triangle"/>
+          </a:ln>
+        </p:spPr>
+        <p:style>
+          <a:lnRef idx="1">
+            <a:schemeClr val="accent1"/>
+          </a:lnRef>
+          <a:fillRef idx="0">
+            <a:schemeClr val="accent1"/>
+          </a:fillRef>
+          <a:effectRef idx="0">
+            <a:schemeClr val="accent1"/>
+          </a:effectRef>
+          <a:fontRef idx="minor">
+            <a:schemeClr val="tx1"/>
+          </a:fontRef>
+        </p:style>
+      </p:cxnSp>
+      <p:sp>
+        <p:nvSpPr>
+          <p:cNvPr id="42" name="Rectangle 41"/>
+          <p:cNvSpPr/>
+          <p:nvPr/>
+        </p:nvSpPr>
+        <p:spPr>
+          <a:xfrm>
+            <a:off x="8908813" y="3598749"/>
+            <a:ext cx="1591407" cy="972613"/>
+          </a:xfrm>
+          <a:prstGeom prst="rect">
+            <a:avLst/>
+          </a:prstGeom>
+          <a:solidFill>
+            <a:schemeClr val="accent4">
+              <a:lumMod val="40000"/>
+              <a:lumOff val="60000"/>
+            </a:schemeClr>
+          </a:solidFill>
+        </p:spPr>
+        <p:style>
+          <a:lnRef idx="2">
+            <a:schemeClr val="accent1">
+              <a:shade val="50000"/>
+            </a:schemeClr>
+          </a:lnRef>
+          <a:fillRef idx="1">
+            <a:schemeClr val="accent1"/>
+          </a:fillRef>
+          <a:effectRef idx="0">
+            <a:schemeClr val="accent1"/>
+          </a:effectRef>
+          <a:fontRef idx="minor">
+            <a:schemeClr val="lt1"/>
+          </a:fontRef>
+        </p:style>
+        <p:txBody>
+          <a:bodyPr rtlCol="0" anchor="ctr"/>
+          <a:lstStyle/>
+          <a:p>
+            <a:pPr algn="ctr"/>
+            <a:r>
+              <a:rPr lang="tr-TR" sz="1200" dirty="0" smtClean="0">
+                <a:solidFill>
+                  <a:schemeClr val="tx1"/>
+                </a:solidFill>
+              </a:rPr>
+              <a:t>Turkish</a:t>
+            </a:r>
+            <a:br>
+              <a:rPr lang="tr-TR" sz="1200" dirty="0" smtClean="0">
+                <a:solidFill>
+                  <a:schemeClr val="tx1"/>
+                </a:solidFill>
+              </a:rPr>
+            </a:br>
+            <a:r>
+              <a:rPr lang="tr-TR" sz="1200" dirty="0" smtClean="0">
+                <a:solidFill>
+                  <a:schemeClr val="tx1"/>
+                </a:solidFill>
+              </a:rPr>
+              <a:t>Stem List</a:t>
+            </a:r>
+            <a:r>
+              <a:rPr lang="tr-TR" sz="1200" dirty="0">
+                <a:solidFill>
+                  <a:schemeClr val="tx1"/>
+                </a:solidFill>
+              </a:rPr>
+              <a:t/>
+            </a:r>
+            <a:br>
+              <a:rPr lang="tr-TR" sz="1200" dirty="0">
+                <a:solidFill>
+                  <a:schemeClr val="tx1"/>
+                </a:solidFill>
+              </a:rPr>
+            </a:br>
+            <a:r>
+              <a:rPr lang="tr-TR" sz="1200" dirty="0" smtClean="0">
+                <a:solidFill>
+                  <a:schemeClr val="tx1"/>
+                </a:solidFill>
+              </a:rPr>
+              <a:t>(32001 stems)</a:t>
+            </a:r>
+          </a:p>
+          <a:p>
+            <a:pPr algn="ctr"/>
+            <a:r>
+              <a:rPr lang="tr-TR" sz="1200" dirty="0" smtClean="0">
+                <a:solidFill>
+                  <a:schemeClr val="tx1"/>
+                </a:solidFill>
+              </a:rPr>
+              <a:t>(for application)</a:t>
+            </a:r>
+            <a:endParaRPr lang="tr-TR" sz="1200" dirty="0">
+              <a:solidFill>
+                <a:schemeClr val="tx1"/>
+              </a:solidFill>
+            </a:endParaRPr>
+          </a:p>
+        </p:txBody>
+      </p:sp>
+      <p:sp>
+        <p:nvSpPr>
+          <p:cNvPr id="43" name="Up Arrow 42"/>
+          <p:cNvSpPr/>
+          <p:nvPr/>
+        </p:nvSpPr>
+        <p:spPr>
+          <a:xfrm rot="10800000">
+            <a:off x="9704516" y="2966435"/>
+            <a:ext cx="484632" cy="586845"/>
+          </a:xfrm>
+          <a:prstGeom prst="upArrow">
+            <a:avLst/>
+          </a:prstGeom>
+          <a:solidFill>
+            <a:schemeClr val="accent4">
+              <a:lumMod val="40000"/>
+              <a:lumOff val="60000"/>
+            </a:schemeClr>
+          </a:solidFill>
+        </p:spPr>
+        <p:style>
+          <a:lnRef idx="2">
+            <a:schemeClr val="accent1">
+              <a:shade val="50000"/>
+            </a:schemeClr>
+          </a:lnRef>
+          <a:fillRef idx="1">
+            <a:schemeClr val="accent1"/>
+          </a:fillRef>
+          <a:effectRef idx="0">
+            <a:schemeClr val="accent1"/>
+          </a:effectRef>
+          <a:fontRef idx="minor">
+            <a:schemeClr val="lt1"/>
+          </a:fontRef>
+        </p:style>
+        <p:txBody>
+          <a:bodyPr rtlCol="0" anchor="ctr"/>
+          <a:lstStyle/>
+          <a:p>
+            <a:pPr algn="ctr"/>
+            <a:endParaRPr lang="tr-TR">
+              <a:solidFill>
+                <a:schemeClr val="tx1"/>
+              </a:solidFill>
+            </a:endParaRPr>
+          </a:p>
+        </p:txBody>
+      </p:sp>
+      <p:sp>
+        <p:nvSpPr>
+          <p:cNvPr id="44" name="Up Arrow 43"/>
+          <p:cNvSpPr/>
+          <p:nvPr/>
+        </p:nvSpPr>
+        <p:spPr>
+          <a:xfrm>
+            <a:off x="9115106" y="2949355"/>
+            <a:ext cx="484632" cy="586845"/>
+          </a:xfrm>
+          <a:prstGeom prst="upArrow">
+            <a:avLst/>
+          </a:prstGeom>
+          <a:solidFill>
+            <a:schemeClr val="accent4">
+              <a:lumMod val="40000"/>
+              <a:lumOff val="60000"/>
+            </a:schemeClr>
+          </a:solidFill>
+        </p:spPr>
+        <p:style>
+          <a:lnRef idx="2">
+            <a:schemeClr val="accent1">
+              <a:shade val="50000"/>
+            </a:schemeClr>
+          </a:lnRef>
+          <a:fillRef idx="1">
+            <a:schemeClr val="accent1"/>
+          </a:fillRef>
+          <a:effectRef idx="0">
+            <a:schemeClr val="accent1"/>
+          </a:effectRef>
+          <a:fontRef idx="minor">
+            <a:schemeClr val="lt1"/>
+          </a:fontRef>
+        </p:style>
+        <p:txBody>
+          <a:bodyPr rtlCol="0" anchor="ctr"/>
+          <a:lstStyle/>
+          <a:p>
+            <a:pPr algn="ctr"/>
+            <a:endParaRPr lang="tr-TR">
+              <a:solidFill>
+                <a:schemeClr val="tx1"/>
+              </a:solidFill>
+            </a:endParaRPr>
+          </a:p>
+        </p:txBody>
+      </p:sp>
+      <p:sp>
+        <p:nvSpPr>
+          <p:cNvPr id="45" name="Rectangle 44"/>
+          <p:cNvSpPr/>
+          <p:nvPr/>
+        </p:nvSpPr>
+        <p:spPr>
+          <a:xfrm>
+            <a:off x="4946211" y="4847883"/>
+            <a:ext cx="1591407" cy="972613"/>
+          </a:xfrm>
+          <a:prstGeom prst="rect">
+            <a:avLst/>
+          </a:prstGeom>
+          <a:solidFill>
+            <a:schemeClr val="accent4"/>
+          </a:solidFill>
+        </p:spPr>
+        <p:style>
+          <a:lnRef idx="2">
+            <a:schemeClr val="accent1">
+              <a:shade val="50000"/>
+            </a:schemeClr>
+          </a:lnRef>
+          <a:fillRef idx="1">
+            <a:schemeClr val="accent1"/>
+          </a:fillRef>
+          <a:effectRef idx="0">
+            <a:schemeClr val="accent1"/>
+          </a:effectRef>
+          <a:fontRef idx="minor">
+            <a:schemeClr val="lt1"/>
+          </a:fontRef>
+        </p:style>
+        <p:txBody>
+          <a:bodyPr rtlCol="0" anchor="ctr"/>
+          <a:lstStyle/>
+          <a:p>
+            <a:pPr algn="ctr"/>
+            <a:r>
+              <a:rPr lang="tr-TR" sz="1200" dirty="0" smtClean="0"/>
+              <a:t/>
+            </a:r>
+            <a:br>
+              <a:rPr lang="tr-TR" sz="1200" dirty="0" smtClean="0"/>
+            </a:br>
+            <a:r>
+              <a:rPr lang="tr-TR" sz="1200" dirty="0"/>
+              <a:t/>
+            </a:r>
+            <a:br>
+              <a:rPr lang="tr-TR" sz="1200" dirty="0"/>
+            </a:br>
+            <a:r>
+              <a:rPr lang="tr-TR" sz="1200" dirty="0" smtClean="0"/>
+              <a:t>X_train, y_train</a:t>
+            </a:r>
+          </a:p>
+          <a:p>
+            <a:pPr algn="ctr"/>
+            <a:endParaRPr lang="tr-TR" sz="1200" dirty="0"/>
+          </a:p>
+        </p:txBody>
+      </p:sp>
+      <p:sp>
+        <p:nvSpPr>
+          <p:cNvPr id="46" name="Up Arrow 45"/>
+          <p:cNvSpPr/>
+          <p:nvPr/>
+        </p:nvSpPr>
+        <p:spPr>
+          <a:xfrm rot="10800000">
+            <a:off x="5741914" y="4215569"/>
+            <a:ext cx="484632" cy="586845"/>
+          </a:xfrm>
+          <a:prstGeom prst="upArrow">
+            <a:avLst/>
+          </a:prstGeom>
+          <a:solidFill>
+            <a:schemeClr val="accent4"/>
+          </a:solidFill>
+        </p:spPr>
+        <p:style>
+          <a:lnRef idx="2">
+            <a:schemeClr val="accent1">
+              <a:shade val="50000"/>
+            </a:schemeClr>
+          </a:lnRef>
+          <a:fillRef idx="1">
+            <a:schemeClr val="accent1"/>
+          </a:fillRef>
+          <a:effectRef idx="0">
+            <a:schemeClr val="accent1"/>
+          </a:effectRef>
+          <a:fontRef idx="minor">
+            <a:schemeClr val="lt1"/>
+          </a:fontRef>
+        </p:style>
+        <p:txBody>
+          <a:bodyPr rtlCol="0" anchor="ctr"/>
+          <a:lstStyle/>
+          <a:p>
+            <a:pPr algn="ctr"/>
+            <a:endParaRPr lang="tr-TR"/>
+          </a:p>
+        </p:txBody>
+      </p:sp>
+      <p:sp>
+        <p:nvSpPr>
+          <p:cNvPr id="47" name="Up Arrow 46"/>
+          <p:cNvSpPr/>
+          <p:nvPr/>
+        </p:nvSpPr>
+        <p:spPr>
+          <a:xfrm>
+            <a:off x="5152504" y="4198489"/>
+            <a:ext cx="484632" cy="586845"/>
+          </a:xfrm>
+          <a:prstGeom prst="upArrow">
+            <a:avLst/>
+          </a:prstGeom>
+          <a:solidFill>
+            <a:schemeClr val="accent4"/>
+          </a:solidFill>
+        </p:spPr>
+        <p:style>
+          <a:lnRef idx="2">
+            <a:schemeClr val="accent1">
+              <a:shade val="50000"/>
+            </a:schemeClr>
+          </a:lnRef>
+          <a:fillRef idx="1">
+            <a:schemeClr val="accent1"/>
+          </a:fillRef>
+          <a:effectRef idx="0">
+            <a:schemeClr val="accent1"/>
+          </a:effectRef>
+          <a:fontRef idx="minor">
+            <a:schemeClr val="lt1"/>
+          </a:fontRef>
+        </p:style>
+        <p:txBody>
+          <a:bodyPr rtlCol="0" anchor="ctr"/>
+          <a:lstStyle/>
+          <a:p>
+            <a:pPr algn="ctr"/>
+            <a:endParaRPr lang="tr-TR"/>
+          </a:p>
+        </p:txBody>
+      </p:sp>
+      <p:sp>
+        <p:nvSpPr>
+          <p:cNvPr id="48" name="Rectangle 47"/>
+          <p:cNvSpPr/>
+          <p:nvPr/>
+        </p:nvSpPr>
+        <p:spPr>
+          <a:xfrm>
+            <a:off x="269390" y="5905795"/>
+            <a:ext cx="3479556" cy="602359"/>
+          </a:xfrm>
+          <a:prstGeom prst="rect">
+            <a:avLst/>
+          </a:prstGeom>
+          <a:solidFill>
+            <a:schemeClr val="accent4">
+              <a:lumMod val="50000"/>
+            </a:schemeClr>
+          </a:solidFill>
+        </p:spPr>
+        <p:style>
+          <a:lnRef idx="2">
+            <a:schemeClr val="accent1">
+              <a:shade val="50000"/>
+            </a:schemeClr>
+          </a:lnRef>
+          <a:fillRef idx="1">
+            <a:schemeClr val="accent1"/>
+          </a:fillRef>
+          <a:effectRef idx="0">
+            <a:schemeClr val="accent1"/>
+          </a:effectRef>
+          <a:fontRef idx="minor">
+            <a:schemeClr val="lt1"/>
+          </a:fontRef>
+        </p:style>
+        <p:txBody>
+          <a:bodyPr rtlCol="0" anchor="ctr"/>
+          <a:lstStyle/>
+          <a:p>
+            <a:pPr algn="ctr"/>
+            <a:r>
+              <a:rPr lang="tr-TR" dirty="0" smtClean="0"/>
+              <a:t>Evaluations (accuracy, confusion etc.)</a:t>
+            </a:r>
+            <a:endParaRPr lang="tr-TR" dirty="0"/>
+          </a:p>
+        </p:txBody>
+      </p:sp>
+      <p:sp>
+        <p:nvSpPr>
+          <p:cNvPr id="51" name="Rectangle 50"/>
+          <p:cNvSpPr/>
+          <p:nvPr/>
+        </p:nvSpPr>
+        <p:spPr>
+          <a:xfrm>
+            <a:off x="4941105" y="5935595"/>
+            <a:ext cx="1591407" cy="602359"/>
+          </a:xfrm>
+          <a:prstGeom prst="rect">
+            <a:avLst/>
+          </a:prstGeom>
+          <a:solidFill>
+            <a:schemeClr val="accent4"/>
+          </a:solidFill>
+        </p:spPr>
+        <p:style>
+          <a:lnRef idx="2">
+            <a:schemeClr val="accent1">
+              <a:shade val="50000"/>
+            </a:schemeClr>
+          </a:lnRef>
+          <a:fillRef idx="1">
+            <a:schemeClr val="accent1"/>
+          </a:fillRef>
+          <a:effectRef idx="0">
+            <a:schemeClr val="accent1"/>
+          </a:effectRef>
+          <a:fontRef idx="minor">
+            <a:schemeClr val="lt1"/>
+          </a:fontRef>
+        </p:style>
+        <p:txBody>
+          <a:bodyPr rtlCol="0" anchor="ctr"/>
+          <a:lstStyle/>
+          <a:p>
+            <a:pPr algn="ctr"/>
+            <a:r>
+              <a:rPr lang="tr-TR" dirty="0"/>
+              <a:t>y</a:t>
+            </a:r>
+            <a:r>
+              <a:rPr lang="tr-TR" dirty="0" smtClean="0"/>
+              <a:t>_test</a:t>
+            </a:r>
+            <a:endParaRPr lang="tr-TR" dirty="0"/>
+          </a:p>
+        </p:txBody>
+      </p:sp>
+      <p:cxnSp>
+        <p:nvCxnSpPr>
+          <p:cNvPr id="52" name="Straight Arrow Connector 51"/>
+          <p:cNvCxnSpPr>
+            <a:stCxn id="51" idx="1"/>
+            <a:endCxn id="48" idx="3"/>
+          </p:cNvCxnSpPr>
+          <p:nvPr/>
+        </p:nvCxnSpPr>
+        <p:spPr>
+          <a:xfrm flipH="1" flipV="1">
+            <a:off x="3748946" y="6206975"/>
+            <a:ext cx="1192159" cy="29800"/>
+          </a:xfrm>
+          <a:prstGeom prst="straightConnector1">
+            <a:avLst/>
+          </a:prstGeom>
+          <a:ln>
+            <a:tailEnd type="triangle"/>
+          </a:ln>
+        </p:spPr>
+        <p:style>
+          <a:lnRef idx="1">
+            <a:schemeClr val="accent1"/>
+          </a:lnRef>
+          <a:fillRef idx="0">
+            <a:schemeClr val="accent1"/>
+          </a:fillRef>
+          <a:effectRef idx="0">
+            <a:schemeClr val="accent1"/>
+          </a:effectRef>
+          <a:fontRef idx="minor">
+            <a:schemeClr val="tx1"/>
+          </a:fontRef>
+        </p:style>
+      </p:cxnSp>
+      <p:sp>
+        <p:nvSpPr>
+          <p:cNvPr id="53" name="Rectangle 52"/>
+          <p:cNvSpPr/>
+          <p:nvPr/>
+        </p:nvSpPr>
+        <p:spPr>
+          <a:xfrm>
+            <a:off x="8453616" y="5363994"/>
+            <a:ext cx="334437" cy="200136"/>
+          </a:xfrm>
+          <a:prstGeom prst="rect">
+            <a:avLst/>
+          </a:prstGeom>
+          <a:solidFill>
+            <a:schemeClr val="accent4">
+              <a:lumMod val="40000"/>
+              <a:lumOff val="60000"/>
+            </a:schemeClr>
+          </a:solidFill>
+        </p:spPr>
+        <p:style>
+          <a:lnRef idx="2">
+            <a:schemeClr val="accent1">
+              <a:shade val="50000"/>
+            </a:schemeClr>
+          </a:lnRef>
+          <a:fillRef idx="1">
+            <a:schemeClr val="accent1"/>
+          </a:fillRef>
+          <a:effectRef idx="0">
+            <a:schemeClr val="accent1"/>
+          </a:effectRef>
+          <a:fontRef idx="minor">
+            <a:schemeClr val="lt1"/>
+          </a:fontRef>
+        </p:style>
+        <p:txBody>
+          <a:bodyPr rtlCol="0" anchor="ctr"/>
+          <a:lstStyle/>
+          <a:p>
+            <a:pPr algn="ctr"/>
+            <a:endParaRPr lang="tr-TR" sz="1000" dirty="0">
+              <a:solidFill>
+                <a:schemeClr val="tx1"/>
+              </a:solidFill>
+            </a:endParaRPr>
+          </a:p>
+        </p:txBody>
+      </p:sp>
+      <p:sp>
+        <p:nvSpPr>
+          <p:cNvPr id="54" name="Rectangle 53"/>
+          <p:cNvSpPr/>
+          <p:nvPr/>
+        </p:nvSpPr>
+        <p:spPr>
+          <a:xfrm>
+            <a:off x="8768817" y="5321361"/>
+            <a:ext cx="1909498" cy="246221"/>
+          </a:xfrm>
+          <a:prstGeom prst="rect">
+            <a:avLst/>
+          </a:prstGeom>
+          <a:noFill/>
+        </p:spPr>
+        <p:txBody>
+          <a:bodyPr wrap="none" lIns="91440" tIns="45720" rIns="91440" bIns="45720">
+            <a:spAutoFit/>
+          </a:bodyPr>
+          <a:lstStyle/>
+          <a:p>
+            <a:pPr algn="ctr"/>
+            <a:r>
+              <a:rPr lang="tr-TR" sz="1000" dirty="0" smtClean="0">
+                <a:ln w="0"/>
+                <a:effectLst>
+                  <a:outerShdw blurRad="38100" dist="19050" dir="2700000" algn="tl" rotWithShape="0">
+                    <a:schemeClr val="dk1">
+                      <a:alpha val="40000"/>
+                    </a:schemeClr>
+                  </a:outerShdw>
+                </a:effectLst>
+              </a:rPr>
+              <a:t>Step2_Preprocess_word.ipynb</a:t>
+            </a:r>
+            <a:endParaRPr lang="en-US" sz="1000" b="0" cap="none" spc="0" dirty="0">
+              <a:ln w="0"/>
+              <a:solidFill>
+                <a:schemeClr val="tx1"/>
+              </a:solidFill>
+              <a:effectLst>
+                <a:outerShdw blurRad="38100" dist="19050" dir="2700000" algn="tl" rotWithShape="0">
+                  <a:schemeClr val="dk1">
+                    <a:alpha val="40000"/>
+                  </a:schemeClr>
+                </a:outerShdw>
+              </a:effectLst>
+            </a:endParaRPr>
+          </a:p>
+        </p:txBody>
+      </p:sp>
+      <p:sp>
+        <p:nvSpPr>
+          <p:cNvPr id="55" name="Rectangle 54"/>
+          <p:cNvSpPr/>
+          <p:nvPr/>
+        </p:nvSpPr>
+        <p:spPr>
+          <a:xfrm>
+            <a:off x="8453615" y="5691584"/>
+            <a:ext cx="334437" cy="200136"/>
+          </a:xfrm>
+          <a:prstGeom prst="rect">
+            <a:avLst/>
+          </a:prstGeom>
+          <a:solidFill>
+            <a:schemeClr val="accent4"/>
+          </a:solidFill>
+        </p:spPr>
+        <p:style>
+          <a:lnRef idx="2">
+            <a:schemeClr val="accent1">
+              <a:shade val="50000"/>
+            </a:schemeClr>
+          </a:lnRef>
+          <a:fillRef idx="1">
+            <a:schemeClr val="accent1"/>
+          </a:fillRef>
+          <a:effectRef idx="0">
+            <a:schemeClr val="accent1"/>
+          </a:effectRef>
+          <a:fontRef idx="minor">
+            <a:schemeClr val="lt1"/>
+          </a:fontRef>
+        </p:style>
+        <p:txBody>
+          <a:bodyPr rtlCol="0" anchor="ctr"/>
+          <a:lstStyle/>
+          <a:p>
+            <a:pPr algn="ctr"/>
+            <a:endParaRPr lang="tr-TR" sz="1000" dirty="0"/>
+          </a:p>
+        </p:txBody>
+      </p:sp>
+      <p:sp>
+        <p:nvSpPr>
+          <p:cNvPr id="56" name="Rectangle 55"/>
+          <p:cNvSpPr/>
+          <p:nvPr/>
+        </p:nvSpPr>
+        <p:spPr>
+          <a:xfrm>
+            <a:off x="8788052" y="5682669"/>
+            <a:ext cx="1739580" cy="246221"/>
+          </a:xfrm>
+          <a:prstGeom prst="rect">
+            <a:avLst/>
+          </a:prstGeom>
+          <a:noFill/>
+        </p:spPr>
+        <p:txBody>
+          <a:bodyPr wrap="none" lIns="91440" tIns="45720" rIns="91440" bIns="45720">
+            <a:spAutoFit/>
+          </a:bodyPr>
+          <a:lstStyle/>
+          <a:p>
+            <a:pPr algn="ctr"/>
+            <a:r>
+              <a:rPr lang="tr-TR" sz="1000" dirty="0">
+                <a:ln w="0"/>
+                <a:effectLst>
+                  <a:outerShdw blurRad="38100" dist="19050" dir="2700000" algn="tl" rotWithShape="0">
+                    <a:schemeClr val="dk1">
+                      <a:alpha val="40000"/>
+                    </a:schemeClr>
+                  </a:outerShdw>
+                </a:effectLst>
+              </a:rPr>
+              <a:t>Step3_Classifier_V10.ipynb</a:t>
+            </a:r>
+            <a:endParaRPr lang="en-US" sz="1000" b="0" cap="none" spc="0" dirty="0">
+              <a:ln w="0"/>
+              <a:solidFill>
+                <a:schemeClr val="tx1"/>
+              </a:solidFill>
+              <a:effectLst>
+                <a:outerShdw blurRad="38100" dist="19050" dir="2700000" algn="tl" rotWithShape="0">
+                  <a:schemeClr val="dk1">
+                    <a:alpha val="40000"/>
+                  </a:schemeClr>
+                </a:outerShdw>
+              </a:effectLst>
+            </a:endParaRPr>
+          </a:p>
+        </p:txBody>
+      </p:sp>
+      <p:sp>
+        <p:nvSpPr>
+          <p:cNvPr id="57" name="Rectangle 56"/>
+          <p:cNvSpPr/>
+          <p:nvPr/>
+        </p:nvSpPr>
+        <p:spPr>
+          <a:xfrm>
+            <a:off x="8453615" y="6015957"/>
+            <a:ext cx="334437" cy="200136"/>
+          </a:xfrm>
+          <a:prstGeom prst="rect">
+            <a:avLst/>
+          </a:prstGeom>
+          <a:solidFill>
+            <a:schemeClr val="accent4">
+              <a:lumMod val="75000"/>
+            </a:schemeClr>
+          </a:solidFill>
+        </p:spPr>
+        <p:style>
+          <a:lnRef idx="2">
+            <a:schemeClr val="accent1">
+              <a:shade val="50000"/>
+            </a:schemeClr>
+          </a:lnRef>
+          <a:fillRef idx="1">
+            <a:schemeClr val="accent1"/>
+          </a:fillRef>
+          <a:effectRef idx="0">
+            <a:schemeClr val="accent1"/>
+          </a:effectRef>
+          <a:fontRef idx="minor">
+            <a:schemeClr val="lt1"/>
+          </a:fontRef>
+        </p:style>
+        <p:txBody>
+          <a:bodyPr rtlCol="0" anchor="ctr"/>
+          <a:lstStyle/>
+          <a:p>
+            <a:pPr algn="ctr"/>
+            <a:endParaRPr lang="tr-TR" sz="1000" dirty="0"/>
+          </a:p>
+        </p:txBody>
+      </p:sp>
+      <p:sp>
+        <p:nvSpPr>
+          <p:cNvPr id="58" name="Rectangle 57"/>
+          <p:cNvSpPr/>
+          <p:nvPr/>
+        </p:nvSpPr>
+        <p:spPr>
+          <a:xfrm>
+            <a:off x="8804035" y="5987201"/>
+            <a:ext cx="2198039" cy="246221"/>
+          </a:xfrm>
+          <a:prstGeom prst="rect">
+            <a:avLst/>
+          </a:prstGeom>
+          <a:noFill/>
+        </p:spPr>
+        <p:txBody>
+          <a:bodyPr wrap="none" lIns="91440" tIns="45720" rIns="91440" bIns="45720">
+            <a:spAutoFit/>
+          </a:bodyPr>
+          <a:lstStyle/>
+          <a:p>
+            <a:pPr algn="ctr"/>
+            <a:r>
+              <a:rPr lang="tr-TR" sz="1000" dirty="0">
+                <a:ln w="0"/>
+                <a:effectLst>
+                  <a:outerShdw blurRad="38100" dist="19050" dir="2700000" algn="tl" rotWithShape="0">
+                    <a:schemeClr val="dk1">
+                      <a:alpha val="40000"/>
+                    </a:schemeClr>
+                  </a:outerShdw>
+                </a:effectLst>
+              </a:rPr>
+              <a:t>Step4_Prediction_Models_ub.ipynb</a:t>
+            </a:r>
+            <a:endParaRPr lang="en-US" sz="1000" b="0" cap="none" spc="0" dirty="0">
+              <a:ln w="0"/>
+              <a:solidFill>
+                <a:schemeClr val="tx1"/>
+              </a:solidFill>
+              <a:effectLst>
+                <a:outerShdw blurRad="38100" dist="19050" dir="2700000" algn="tl" rotWithShape="0">
+                  <a:schemeClr val="dk1">
+                    <a:alpha val="40000"/>
+                  </a:schemeClr>
+                </a:outerShdw>
+              </a:effectLst>
+            </a:endParaRPr>
+          </a:p>
+        </p:txBody>
+      </p:sp>
+      <p:sp>
+        <p:nvSpPr>
+          <p:cNvPr id="59" name="Rectangle 58"/>
+          <p:cNvSpPr/>
+          <p:nvPr/>
+        </p:nvSpPr>
+        <p:spPr>
+          <a:xfrm>
+            <a:off x="8453616" y="6337818"/>
+            <a:ext cx="334437" cy="200136"/>
+          </a:xfrm>
+          <a:prstGeom prst="rect">
+            <a:avLst/>
+          </a:prstGeom>
+          <a:solidFill>
+            <a:schemeClr val="accent4">
+              <a:lumMod val="50000"/>
+            </a:schemeClr>
+          </a:solidFill>
+        </p:spPr>
+        <p:style>
+          <a:lnRef idx="2">
+            <a:schemeClr val="accent1">
+              <a:shade val="50000"/>
+            </a:schemeClr>
+          </a:lnRef>
+          <a:fillRef idx="1">
+            <a:schemeClr val="accent1"/>
+          </a:fillRef>
+          <a:effectRef idx="0">
+            <a:schemeClr val="accent1"/>
+          </a:effectRef>
+          <a:fontRef idx="minor">
+            <a:schemeClr val="lt1"/>
+          </a:fontRef>
+        </p:style>
+        <p:txBody>
+          <a:bodyPr rtlCol="0" anchor="ctr"/>
+          <a:lstStyle/>
+          <a:p>
+            <a:pPr algn="ctr"/>
+            <a:endParaRPr lang="tr-TR" sz="1000" dirty="0"/>
+          </a:p>
+        </p:txBody>
+      </p:sp>
+      <p:sp>
+        <p:nvSpPr>
+          <p:cNvPr id="60" name="Rectangle 59"/>
+          <p:cNvSpPr/>
+          <p:nvPr/>
+        </p:nvSpPr>
+        <p:spPr>
+          <a:xfrm>
+            <a:off x="8804035" y="6319980"/>
+            <a:ext cx="2813591" cy="400110"/>
+          </a:xfrm>
+          <a:prstGeom prst="rect">
+            <a:avLst/>
+          </a:prstGeom>
+          <a:noFill/>
+        </p:spPr>
+        <p:txBody>
+          <a:bodyPr wrap="none" lIns="91440" tIns="45720" rIns="91440" bIns="45720">
+            <a:spAutoFit/>
+          </a:bodyPr>
+          <a:lstStyle/>
+          <a:p>
+            <a:pPr algn="ctr"/>
+            <a:r>
+              <a:rPr lang="tr-TR" sz="1000" dirty="0" smtClean="0">
+                <a:ln w="0"/>
+                <a:effectLst>
+                  <a:outerShdw blurRad="38100" dist="19050" dir="2700000" algn="tl" rotWithShape="0">
+                    <a:schemeClr val="dk1">
+                      <a:alpha val="40000"/>
+                    </a:schemeClr>
+                  </a:outerShdw>
+                </a:effectLst>
+              </a:rPr>
+              <a:t>Step5_Trigonometric_Approach_for_</a:t>
+            </a:r>
+          </a:p>
+          <a:p>
+            <a:pPr algn="ctr"/>
+            <a:r>
+              <a:rPr lang="tr-TR" sz="1000" dirty="0" smtClean="0">
+                <a:ln w="0"/>
+                <a:effectLst>
+                  <a:outerShdw blurRad="38100" dist="19050" dir="2700000" algn="tl" rotWithShape="0">
+                    <a:schemeClr val="dk1">
+                      <a:alpha val="40000"/>
+                    </a:schemeClr>
+                  </a:outerShdw>
+                </a:effectLst>
+              </a:rPr>
+              <a:t> </a:t>
+            </a:r>
+            <a:r>
+              <a:rPr lang="tr-TR" sz="1000" dirty="0">
+                <a:ln w="0"/>
+                <a:effectLst>
+                  <a:outerShdw blurRad="38100" dist="19050" dir="2700000" algn="tl" rotWithShape="0">
+                    <a:schemeClr val="dk1">
+                      <a:alpha val="40000"/>
+                    </a:schemeClr>
+                  </a:outerShdw>
+                </a:effectLst>
+              </a:rPr>
+              <a:t>Models_with_HyperParameters_Create.ipynb</a:t>
+            </a:r>
+            <a:endParaRPr lang="en-US" sz="1000" b="0" cap="none" spc="0" dirty="0">
+              <a:ln w="0"/>
+              <a:solidFill>
+                <a:schemeClr val="tx1"/>
+              </a:solidFill>
+              <a:effectLst>
+                <a:outerShdw blurRad="38100" dist="19050" dir="2700000" algn="tl" rotWithShape="0">
+                  <a:schemeClr val="dk1">
+                    <a:alpha val="40000"/>
+                  </a:schemeClr>
+                </a:outerShdw>
+              </a:effectLst>
+            </a:endParaRPr>
+          </a:p>
+        </p:txBody>
+      </p:sp>
+      <p:sp>
+        <p:nvSpPr>
+          <p:cNvPr id="3" name="Date Placeholder 2"/>
+          <p:cNvSpPr>
+            <a:spLocks noGrp="1"/>
+          </p:cNvSpPr>
+          <p:nvPr>
+            <p:ph type="dt" sz="half" idx="10"/>
+          </p:nvPr>
+        </p:nvSpPr>
+        <p:spPr/>
+        <p:txBody>
+          <a:bodyPr/>
+          <a:lstStyle/>
+          <a:p>
+            <a:fld id="{A0355CC0-2413-4ECB-8756-8763D22FD25B}" type="datetime1">
+              <a:rPr lang="en-US" smtClean="0"/>
+              <a:t>9/22/2021</a:t>
+            </a:fld>
+            <a:endParaRPr lang="tr-TR"/>
+          </a:p>
+        </p:txBody>
+      </p:sp>
+      <p:sp>
+        <p:nvSpPr>
+          <p:cNvPr id="29" name="Footer Placeholder 28"/>
+          <p:cNvSpPr>
+            <a:spLocks noGrp="1"/>
+          </p:cNvSpPr>
+          <p:nvPr>
+            <p:ph type="ftr" sz="quarter" idx="11"/>
+          </p:nvPr>
+        </p:nvSpPr>
+        <p:spPr/>
+        <p:txBody>
+          <a:bodyPr/>
+          <a:lstStyle/>
+          <a:p>
+            <a:r>
+              <a:rPr lang="tr-TR" dirty="0" smtClean="0"/>
+              <a:t>EMREHAN</a:t>
+            </a:r>
+            <a:endParaRPr lang="tr-TR" dirty="0"/>
+          </a:p>
+        </p:txBody>
+      </p:sp>
+      <p:sp>
+        <p:nvSpPr>
+          <p:cNvPr id="37" name="Slide Number Placeholder 36"/>
+          <p:cNvSpPr>
+            <a:spLocks noGrp="1"/>
+          </p:cNvSpPr>
+          <p:nvPr>
+            <p:ph type="sldNum" sz="quarter" idx="12"/>
+          </p:nvPr>
+        </p:nvSpPr>
+        <p:spPr/>
+        <p:txBody>
+          <a:bodyPr/>
+          <a:lstStyle/>
+          <a:p>
+            <a:fld id="{F74E1598-E674-4AEE-8C6B-8AD6344A913E}" type="slidenum">
+              <a:rPr lang="tr-TR" smtClean="0"/>
+              <a:t>12</a:t>
+            </a:fld>
+            <a:endParaRPr lang="tr-TR" dirty="0"/>
+          </a:p>
+        </p:txBody>
+      </p:sp>
+      <mc:AlternateContent xmlns:mc="http://schemas.openxmlformats.org/markup-compatibility/2006">
+        <mc:Choice xmlns:a14="http://schemas.microsoft.com/office/drawing/2010/main" Requires="a14">
+          <p:sp>
+            <p:nvSpPr>
+              <p:cNvPr id="63" name="Rectangle 62"/>
+              <p:cNvSpPr/>
+              <p:nvPr/>
+            </p:nvSpPr>
+            <p:spPr>
+              <a:xfrm>
+                <a:off x="2452167" y="4365377"/>
+                <a:ext cx="2593558" cy="300491"/>
+              </a:xfrm>
+              <a:prstGeom prst="rect">
+                <a:avLst/>
+              </a:prstGeom>
+              <a:solidFill>
+                <a:schemeClr val="accent4">
+                  <a:lumMod val="75000"/>
+                </a:schemeClr>
+              </a:solidFill>
+            </p:spPr>
+            <p:style>
+              <a:lnRef idx="2">
+                <a:schemeClr val="accent1">
+                  <a:shade val="50000"/>
+                </a:schemeClr>
+              </a:lnRef>
+              <a:fillRef idx="1">
+                <a:schemeClr val="accent1"/>
+              </a:fillRef>
+              <a:effectRef idx="0">
+                <a:schemeClr val="accent1"/>
+              </a:effectRef>
+              <a:fontRef idx="minor">
+                <a:schemeClr val="lt1"/>
+              </a:fontRef>
+            </p:style>
+            <p:txBody>
+              <a:bodyPr rtlCol="0" anchor="ctr"/>
+              <a:lstStyle/>
+              <a:p>
+                <a:pPr algn="ctr"/>
+                <a14:m>
+                  <m:oMathPara xmlns:m="http://schemas.openxmlformats.org/officeDocument/2006/math">
+                    <m:oMathParaPr>
+                      <m:jc m:val="centerGroup"/>
+                    </m:oMathParaPr>
+                    <m:oMath xmlns:m="http://schemas.openxmlformats.org/officeDocument/2006/math">
+                      <m:r>
+                        <a:rPr lang="tr-TR" sz="1400" i="1" smtClean="0">
+                          <a:latin typeface="Cambria Math" panose="02040503050406030204" pitchFamily="18" charset="0"/>
+                          <a:ea typeface="Cambria Math" panose="02040503050406030204" pitchFamily="18" charset="0"/>
+                        </a:rPr>
+                        <m:t>𝛼</m:t>
+                      </m:r>
+                      <m:r>
+                        <a:rPr lang="tr-TR" sz="1400" b="0" i="1" smtClean="0">
+                          <a:latin typeface="Cambria Math" panose="02040503050406030204" pitchFamily="18" charset="0"/>
+                          <a:ea typeface="Cambria Math" panose="02040503050406030204" pitchFamily="18" charset="0"/>
+                        </a:rPr>
+                        <m:t>=</m:t>
+                      </m:r>
+                      <m:func>
+                        <m:funcPr>
+                          <m:ctrlPr>
+                            <a:rPr lang="tr-TR" sz="1400" b="0" i="1" smtClean="0">
+                              <a:latin typeface="Cambria Math" panose="02040503050406030204" pitchFamily="18" charset="0"/>
+                              <a:ea typeface="Cambria Math" panose="02040503050406030204" pitchFamily="18" charset="0"/>
+                            </a:rPr>
+                          </m:ctrlPr>
+                        </m:funcPr>
+                        <m:fName>
+                          <m:r>
+                            <m:rPr>
+                              <m:sty m:val="p"/>
+                            </m:rPr>
+                            <a:rPr lang="tr-TR" sz="1400" b="0" i="0" smtClean="0">
+                              <a:latin typeface="Cambria Math" panose="02040503050406030204" pitchFamily="18" charset="0"/>
+                              <a:ea typeface="Cambria Math" panose="02040503050406030204" pitchFamily="18" charset="0"/>
+                            </a:rPr>
+                            <m:t>sin</m:t>
+                          </m:r>
+                        </m:fName>
+                        <m:e>
+                          <m:d>
+                            <m:dPr>
+                              <m:ctrlPr>
+                                <a:rPr lang="tr-TR" sz="1400" b="0" i="1" smtClean="0">
+                                  <a:latin typeface="Cambria Math" panose="02040503050406030204" pitchFamily="18" charset="0"/>
+                                  <a:ea typeface="Cambria Math" panose="02040503050406030204" pitchFamily="18" charset="0"/>
+                                </a:rPr>
+                              </m:ctrlPr>
+                            </m:dPr>
+                            <m:e>
+                              <m:r>
+                                <a:rPr lang="tr-TR" sz="1400" i="1">
+                                  <a:latin typeface="Cambria Math" panose="02040503050406030204" pitchFamily="18" charset="0"/>
+                                  <a:ea typeface="Cambria Math" panose="02040503050406030204" pitchFamily="18" charset="0"/>
+                                </a:rPr>
+                                <m:t>𝜃</m:t>
+                              </m:r>
+                            </m:e>
+                          </m:d>
+                        </m:e>
+                      </m:func>
+                      <m:r>
+                        <a:rPr lang="tr-TR" sz="1400" b="0" i="1" smtClean="0">
+                          <a:latin typeface="Cambria Math" panose="02040503050406030204" pitchFamily="18" charset="0"/>
+                          <a:ea typeface="Cambria Math" panose="02040503050406030204" pitchFamily="18" charset="0"/>
+                        </a:rPr>
+                        <m:t>,</m:t>
+                      </m:r>
+                      <m:r>
+                        <a:rPr lang="tr-TR" sz="1400" b="0" i="1" smtClean="0">
+                          <a:latin typeface="Cambria Math" panose="02040503050406030204" pitchFamily="18" charset="0"/>
+                          <a:ea typeface="Cambria Math" panose="02040503050406030204" pitchFamily="18" charset="0"/>
+                        </a:rPr>
+                        <m:t>𝛽</m:t>
+                      </m:r>
+                      <m:r>
+                        <a:rPr lang="tr-TR" sz="1400" b="0" i="1" smtClean="0">
+                          <a:latin typeface="Cambria Math" panose="02040503050406030204" pitchFamily="18" charset="0"/>
+                          <a:ea typeface="Cambria Math" panose="02040503050406030204" pitchFamily="18" charset="0"/>
+                        </a:rPr>
+                        <m:t>=</m:t>
+                      </m:r>
+                      <m:r>
+                        <m:rPr>
+                          <m:sty m:val="p"/>
+                        </m:rPr>
+                        <a:rPr lang="tr-TR" sz="1400" b="0" i="0" smtClean="0">
+                          <a:latin typeface="Cambria Math" panose="02040503050406030204" pitchFamily="18" charset="0"/>
+                          <a:ea typeface="Cambria Math" panose="02040503050406030204" pitchFamily="18" charset="0"/>
+                        </a:rPr>
+                        <m:t>cos</m:t>
+                      </m:r>
+                      <m:r>
+                        <a:rPr lang="tr-TR" sz="1400" b="0" i="1" smtClean="0">
+                          <a:latin typeface="Cambria Math" panose="02040503050406030204" pitchFamily="18" charset="0"/>
+                          <a:ea typeface="Cambria Math" panose="02040503050406030204" pitchFamily="18" charset="0"/>
+                        </a:rPr>
+                        <m:t>⁡(</m:t>
+                      </m:r>
+                      <m:r>
+                        <a:rPr lang="tr-TR" sz="1400" i="1">
+                          <a:latin typeface="Cambria Math" panose="02040503050406030204" pitchFamily="18" charset="0"/>
+                          <a:ea typeface="Cambria Math" panose="02040503050406030204" pitchFamily="18" charset="0"/>
+                        </a:rPr>
+                        <m:t>𝜃</m:t>
+                      </m:r>
+                      <m:r>
+                        <a:rPr lang="tr-TR" sz="1400" b="0" i="0" smtClean="0">
+                          <a:latin typeface="Cambria Math" panose="02040503050406030204" pitchFamily="18" charset="0"/>
+                          <a:ea typeface="Cambria Math" panose="02040503050406030204" pitchFamily="18" charset="0"/>
+                        </a:rPr>
+                        <m:t>)</m:t>
+                      </m:r>
+                    </m:oMath>
+                  </m:oMathPara>
+                </a14:m>
+                <a:endParaRPr lang="tr-TR" sz="1400" dirty="0"/>
+              </a:p>
+            </p:txBody>
+          </p:sp>
+        </mc:Choice>
+        <mc:Fallback>
+          <p:sp>
+            <p:nvSpPr>
+              <p:cNvPr id="63" name="Rectangle 62"/>
+              <p:cNvSpPr>
+                <a:spLocks noRot="1" noChangeAspect="1" noMove="1" noResize="1" noEditPoints="1" noAdjustHandles="1" noChangeArrowheads="1" noChangeShapeType="1" noTextEdit="1"/>
+              </p:cNvSpPr>
+              <p:nvPr/>
+            </p:nvSpPr>
+            <p:spPr>
+              <a:xfrm>
+                <a:off x="2452167" y="4365377"/>
+                <a:ext cx="2593558" cy="300491"/>
+              </a:xfrm>
+              <a:prstGeom prst="rect">
+                <a:avLst/>
+              </a:prstGeom>
+              <a:blipFill>
+                <a:blip r:embed="rId14"/>
+                <a:stretch>
+                  <a:fillRect b="-7692"/>
+                </a:stretch>
+              </a:blipFill>
+            </p:spPr>
+            <p:txBody>
+              <a:bodyPr/>
+              <a:lstStyle/>
+              <a:p>
+                <a:r>
+                  <a:rPr lang="tr-TR">
+                    <a:noFill/>
+                  </a:rPr>
+                  <a:t> </a:t>
+                </a:r>
+              </a:p>
+            </p:txBody>
+          </p:sp>
+        </mc:Fallback>
+      </mc:AlternateContent>
+      <p:cxnSp>
+        <p:nvCxnSpPr>
+          <p:cNvPr id="64" name="Straight Arrow Connector 63"/>
+          <p:cNvCxnSpPr>
+            <a:stCxn id="63" idx="0"/>
+            <a:endCxn id="33" idx="3"/>
+          </p:cNvCxnSpPr>
+          <p:nvPr/>
+        </p:nvCxnSpPr>
+        <p:spPr>
+          <a:xfrm flipH="1" flipV="1">
+            <a:off x="2795227" y="3136263"/>
+            <a:ext cx="953719" cy="1229114"/>
+          </a:xfrm>
+          <a:prstGeom prst="straightConnector1">
+            <a:avLst/>
+          </a:prstGeom>
+          <a:ln>
+            <a:tailEnd type="triangle"/>
+          </a:ln>
+        </p:spPr>
+        <p:style>
+          <a:lnRef idx="1">
+            <a:schemeClr val="accent1"/>
+          </a:lnRef>
+          <a:fillRef idx="0">
+            <a:schemeClr val="accent1"/>
+          </a:fillRef>
+          <a:effectRef idx="0">
+            <a:schemeClr val="accent1"/>
+          </a:effectRef>
+          <a:fontRef idx="minor">
+            <a:schemeClr val="tx1"/>
+          </a:fontRef>
+        </p:style>
+      </p:cxnSp>
+      <mc:AlternateContent xmlns:mc="http://schemas.openxmlformats.org/markup-compatibility/2006">
+        <mc:Choice xmlns:a14="http://schemas.microsoft.com/office/drawing/2010/main" Requires="a14">
+          <p:sp>
+            <p:nvSpPr>
+              <p:cNvPr id="61" name="Rectangle 60"/>
+              <p:cNvSpPr/>
+              <p:nvPr/>
+            </p:nvSpPr>
+            <p:spPr>
+              <a:xfrm>
+                <a:off x="3457386" y="5124366"/>
+                <a:ext cx="1182569" cy="300491"/>
+              </a:xfrm>
+              <a:prstGeom prst="rect">
+                <a:avLst/>
+              </a:prstGeom>
+              <a:solidFill>
+                <a:schemeClr val="accent4">
+                  <a:lumMod val="75000"/>
+                </a:schemeClr>
+              </a:solidFill>
+            </p:spPr>
+            <p:style>
+              <a:lnRef idx="2">
+                <a:schemeClr val="accent1">
+                  <a:shade val="50000"/>
+                </a:schemeClr>
+              </a:lnRef>
+              <a:fillRef idx="1">
+                <a:schemeClr val="accent1"/>
+              </a:fillRef>
+              <a:effectRef idx="0">
+                <a:schemeClr val="accent1"/>
+              </a:effectRef>
+              <a:fontRef idx="minor">
+                <a:schemeClr val="lt1"/>
+              </a:fontRef>
+            </p:style>
+            <p:txBody>
+              <a:bodyPr rtlCol="0" anchor="ctr"/>
+              <a:lstStyle/>
+              <a:p>
+                <a:pPr algn="ctr"/>
+                <a14:m>
+                  <m:oMathPara xmlns:m="http://schemas.openxmlformats.org/officeDocument/2006/math">
+                    <m:oMathParaPr>
+                      <m:jc m:val="centerGroup"/>
+                    </m:oMathParaPr>
+                    <m:oMath xmlns:m="http://schemas.openxmlformats.org/officeDocument/2006/math">
+                      <m:r>
+                        <a:rPr lang="tr-TR" sz="1400" i="1" smtClean="0">
+                          <a:latin typeface="Cambria Math" panose="02040503050406030204" pitchFamily="18" charset="0"/>
+                          <a:ea typeface="Cambria Math" panose="02040503050406030204" pitchFamily="18" charset="0"/>
+                        </a:rPr>
+                        <m:t>𝜃</m:t>
+                      </m:r>
+                    </m:oMath>
+                  </m:oMathPara>
+                </a14:m>
+                <a:endParaRPr lang="tr-TR" sz="1400" dirty="0"/>
+              </a:p>
+            </p:txBody>
+          </p:sp>
+        </mc:Choice>
+        <mc:Fallback>
+          <p:sp>
+            <p:nvSpPr>
+              <p:cNvPr id="61" name="Rectangle 60"/>
+              <p:cNvSpPr>
+                <a:spLocks noRot="1" noChangeAspect="1" noMove="1" noResize="1" noEditPoints="1" noAdjustHandles="1" noChangeArrowheads="1" noChangeShapeType="1" noTextEdit="1"/>
+              </p:cNvSpPr>
+              <p:nvPr/>
+            </p:nvSpPr>
+            <p:spPr>
+              <a:xfrm>
+                <a:off x="3457386" y="5124366"/>
+                <a:ext cx="1182569" cy="300491"/>
+              </a:xfrm>
+              <a:prstGeom prst="rect">
+                <a:avLst/>
+              </a:prstGeom>
+              <a:blipFill>
+                <a:blip r:embed="rId15"/>
+                <a:stretch>
+                  <a:fillRect/>
+                </a:stretch>
+              </a:blipFill>
+            </p:spPr>
+            <p:txBody>
+              <a:bodyPr/>
+              <a:lstStyle/>
+              <a:p>
+                <a:r>
+                  <a:rPr lang="tr-TR">
+                    <a:noFill/>
+                  </a:rPr>
+                  <a:t> </a:t>
+                </a:r>
+              </a:p>
+            </p:txBody>
+          </p:sp>
+        </mc:Fallback>
+      </mc:AlternateContent>
+      <p:cxnSp>
+        <p:nvCxnSpPr>
+          <p:cNvPr id="62" name="Straight Arrow Connector 61"/>
+          <p:cNvCxnSpPr>
+            <a:stCxn id="61" idx="0"/>
+            <a:endCxn id="63" idx="2"/>
+          </p:cNvCxnSpPr>
+          <p:nvPr/>
+        </p:nvCxnSpPr>
+        <p:spPr>
+          <a:xfrm flipH="1" flipV="1">
+            <a:off x="3748946" y="4665868"/>
+            <a:ext cx="299725" cy="458498"/>
+          </a:xfrm>
+          <a:prstGeom prst="straightConnector1">
+            <a:avLst/>
+          </a:prstGeom>
+          <a:ln>
+            <a:tailEnd type="triangle"/>
+          </a:ln>
+        </p:spPr>
+        <p:style>
+          <a:lnRef idx="1">
+            <a:schemeClr val="accent1"/>
+          </a:lnRef>
+          <a:fillRef idx="0">
+            <a:schemeClr val="accent1"/>
+          </a:fillRef>
+          <a:effectRef idx="0">
+            <a:schemeClr val="accent1"/>
+          </a:effectRef>
+          <a:fontRef idx="minor">
+            <a:schemeClr val="tx1"/>
+          </a:fontRef>
+        </p:style>
+      </p:cxnSp>
+    </p:spTree>
+    <p:extLst>
+      <p:ext uri="{BB962C8B-B14F-4D97-AF65-F5344CB8AC3E}">
+        <p14:creationId xmlns:p14="http://schemas.microsoft.com/office/powerpoint/2010/main" val="2182923758"/>
+      </p:ext>
+    </p:extLst>
+  </p:cSld>
+  <p:clrMapOvr>
+    <a:masterClrMapping/>
+  </p:clrMapOvr>
+  <p:timing>
+    <p:tnLst>
+      <p:par>
+        <p:cTn id="1" dur="indefinite" restart="never" nodeType="tmRoot"/>
+      </p:par>
+    </p:tnLst>
+  </p:timing>
+</p:sld>
+</file>
+
+<file path=ppt/slides/slide13.xml><?xml version="1.0" encoding="utf-8"?>
+<p:sld xmlns:a="http://schemas.openxmlformats.org/drawingml/2006/main" xmlns:r="http://schemas.openxmlformats.org/officeDocument/2006/relationships" xmlns:p="http://schemas.openxmlformats.org/presentationml/2006/main">
+  <p:cSld>
+    <p:spTree>
+      <p:nvGrpSpPr>
+        <p:cNvPr id="1" name=""/>
+        <p:cNvGrpSpPr/>
+        <p:nvPr/>
+      </p:nvGrpSpPr>
+      <p:grpSpPr>
+        <a:xfrm>
+          <a:off x="0" y="0"/>
+          <a:ext cx="0" cy="0"/>
+          <a:chOff x="0" y="0"/>
+          <a:chExt cx="0" cy="0"/>
+        </a:xfrm>
+      </p:grpSpPr>
+      <p:sp>
+        <p:nvSpPr>
+          <p:cNvPr id="2" name="Title 1"/>
+          <p:cNvSpPr>
+            <a:spLocks noGrp="1"/>
+          </p:cNvSpPr>
+          <p:nvPr>
+            <p:ph type="title"/>
+          </p:nvPr>
+        </p:nvSpPr>
+        <p:spPr/>
+        <p:txBody>
+          <a:bodyPr/>
+          <a:lstStyle/>
+          <a:p>
+            <a:r>
+              <a:rPr lang="tr-TR" dirty="0"/>
+              <a:t>C) Can a Trigonometric Approach contribute to hyperparametic model ?</a:t>
+            </a:r>
+          </a:p>
+        </p:txBody>
+      </p:sp>
+      <p:sp>
+        <p:nvSpPr>
+          <p:cNvPr id="3" name="Content Placeholder 2"/>
+          <p:cNvSpPr>
+            <a:spLocks noGrp="1"/>
+          </p:cNvSpPr>
+          <p:nvPr>
+            <p:ph idx="1"/>
+          </p:nvPr>
+        </p:nvSpPr>
+        <p:spPr/>
+        <p:txBody>
+          <a:bodyPr/>
+          <a:lstStyle/>
+          <a:p>
+            <a:r>
+              <a:rPr lang="tr-TR" dirty="0" smtClean="0"/>
+              <a:t>Results</a:t>
+            </a:r>
+          </a:p>
+          <a:p>
+            <a:endParaRPr lang="tr-TR" dirty="0"/>
+          </a:p>
+        </p:txBody>
+      </p:sp>
+      <p:sp>
+        <p:nvSpPr>
+          <p:cNvPr id="4" name="Date Placeholder 3"/>
+          <p:cNvSpPr>
+            <a:spLocks noGrp="1"/>
+          </p:cNvSpPr>
+          <p:nvPr>
+            <p:ph type="dt" sz="half" idx="10"/>
+          </p:nvPr>
+        </p:nvSpPr>
+        <p:spPr/>
+        <p:txBody>
+          <a:bodyPr/>
+          <a:lstStyle/>
+          <a:p>
+            <a:fld id="{B42B4FB0-0621-45E6-B97F-F77D45599D8C}" type="datetime1">
+              <a:rPr lang="en-US" smtClean="0"/>
+              <a:t>9/22/2021</a:t>
+            </a:fld>
+            <a:endParaRPr lang="tr-TR"/>
+          </a:p>
+        </p:txBody>
+      </p:sp>
+      <p:sp>
+        <p:nvSpPr>
+          <p:cNvPr id="5" name="Footer Placeholder 4"/>
+          <p:cNvSpPr>
+            <a:spLocks noGrp="1"/>
+          </p:cNvSpPr>
+          <p:nvPr>
+            <p:ph type="ftr" sz="quarter" idx="11"/>
+          </p:nvPr>
+        </p:nvSpPr>
+        <p:spPr/>
+        <p:txBody>
+          <a:bodyPr/>
+          <a:lstStyle/>
+          <a:p>
+            <a:r>
+              <a:rPr lang="tr-TR" smtClean="0"/>
+              <a:t>EMREHAN</a:t>
+            </a:r>
+            <a:endParaRPr lang="tr-TR"/>
+          </a:p>
+        </p:txBody>
+      </p:sp>
+      <p:sp>
+        <p:nvSpPr>
+          <p:cNvPr id="6" name="Slide Number Placeholder 5"/>
+          <p:cNvSpPr>
+            <a:spLocks noGrp="1"/>
+          </p:cNvSpPr>
+          <p:nvPr>
+            <p:ph type="sldNum" sz="quarter" idx="12"/>
+          </p:nvPr>
+        </p:nvSpPr>
+        <p:spPr/>
+        <p:txBody>
+          <a:bodyPr/>
+          <a:lstStyle/>
+          <a:p>
+            <a:fld id="{F74E1598-E674-4AEE-8C6B-8AD6344A913E}" type="slidenum">
+              <a:rPr lang="tr-TR" smtClean="0"/>
+              <a:t>13</a:t>
+            </a:fld>
+            <a:endParaRPr lang="tr-TR"/>
+          </a:p>
+        </p:txBody>
+      </p:sp>
+      <p:pic>
+        <p:nvPicPr>
+          <p:cNvPr id="7" name="Picture 6"/>
+          <p:cNvPicPr>
+            <a:picLocks noChangeAspect="1"/>
+          </p:cNvPicPr>
+          <p:nvPr/>
+        </p:nvPicPr>
+        <p:blipFill>
+          <a:blip r:embed="rId2">
+            <a:extLst>
+              <a:ext uri="{28A0092B-C50C-407E-A947-70E740481C1C}">
+                <a14:useLocalDpi xmlns:a14="http://schemas.microsoft.com/office/drawing/2010/main" val="0"/>
+              </a:ext>
+            </a:extLst>
+          </a:blip>
+          <a:stretch>
+            <a:fillRect/>
+          </a:stretch>
+        </p:blipFill>
+        <p:spPr>
+          <a:xfrm>
+            <a:off x="2308424" y="2509957"/>
+            <a:ext cx="4903317" cy="3531405"/>
+          </a:xfrm>
+          <a:prstGeom prst="rect">
+            <a:avLst/>
+          </a:prstGeom>
+        </p:spPr>
+      </p:pic>
+    </p:spTree>
+    <p:extLst>
+      <p:ext uri="{BB962C8B-B14F-4D97-AF65-F5344CB8AC3E}">
+        <p14:creationId xmlns:p14="http://schemas.microsoft.com/office/powerpoint/2010/main" val="3199140124"/>
+      </p:ext>
+    </p:extLst>
+  </p:cSld>
+  <p:clrMapOvr>
+    <a:masterClrMapping/>
+  </p:clrMapOvr>
+</p:sld>
+</file>
+
+<file path=ppt/slides/slide14.xml><?xml version="1.0" encoding="utf-8"?>
+<p:sld xmlns:a="http://schemas.openxmlformats.org/drawingml/2006/main" xmlns:r="http://schemas.openxmlformats.org/officeDocument/2006/relationships" xmlns:p="http://schemas.openxmlformats.org/presentationml/2006/main">
+  <p:cSld>
+    <p:spTree>
+      <p:nvGrpSpPr>
+        <p:cNvPr id="1" name=""/>
+        <p:cNvGrpSpPr/>
+        <p:nvPr/>
+      </p:nvGrpSpPr>
+      <p:grpSpPr>
+        <a:xfrm>
+          <a:off x="0" y="0"/>
+          <a:ext cx="0" cy="0"/>
+          <a:chOff x="0" y="0"/>
+          <a:chExt cx="0" cy="0"/>
+        </a:xfrm>
+      </p:grpSpPr>
+      <p:sp>
+        <p:nvSpPr>
+          <p:cNvPr id="2" name="Title 1"/>
+          <p:cNvSpPr>
+            <a:spLocks noGrp="1"/>
+          </p:cNvSpPr>
+          <p:nvPr>
+            <p:ph type="title"/>
+          </p:nvPr>
+        </p:nvSpPr>
+        <p:spPr/>
+        <p:txBody>
+          <a:bodyPr/>
+          <a:lstStyle/>
+          <a:p>
+            <a:r>
+              <a:rPr lang="tr-TR" dirty="0"/>
+              <a:t>C) Can a Trigonometric Approach contribute to hyperparametic model ?</a:t>
+            </a:r>
+          </a:p>
+        </p:txBody>
+      </p:sp>
+      <p:pic>
+        <p:nvPicPr>
+          <p:cNvPr id="7" name="Content Placeholder 6"/>
+          <p:cNvPicPr>
+            <a:picLocks noGrp="1" noChangeAspect="1"/>
+          </p:cNvPicPr>
+          <p:nvPr>
+            <p:ph idx="1"/>
+          </p:nvPr>
+        </p:nvPicPr>
+        <p:blipFill>
+          <a:blip r:embed="rId2">
+            <a:extLst>
+              <a:ext uri="{28A0092B-C50C-407E-A947-70E740481C1C}">
+                <a14:useLocalDpi xmlns:a14="http://schemas.microsoft.com/office/drawing/2010/main" val="0"/>
+              </a:ext>
+            </a:extLst>
+          </a:blip>
+          <a:stretch>
+            <a:fillRect/>
+          </a:stretch>
+        </p:blipFill>
+        <p:spPr>
+          <a:xfrm>
+            <a:off x="2524360" y="2329253"/>
+            <a:ext cx="4903317" cy="3544107"/>
+          </a:xfrm>
+        </p:spPr>
+      </p:pic>
+      <p:sp>
+        <p:nvSpPr>
+          <p:cNvPr id="4" name="Date Placeholder 3"/>
+          <p:cNvSpPr>
+            <a:spLocks noGrp="1"/>
+          </p:cNvSpPr>
+          <p:nvPr>
+            <p:ph type="dt" sz="half" idx="10"/>
+          </p:nvPr>
+        </p:nvSpPr>
+        <p:spPr/>
+        <p:txBody>
+          <a:bodyPr/>
+          <a:lstStyle/>
+          <a:p>
+            <a:fld id="{B42B4FB0-0621-45E6-B97F-F77D45599D8C}" type="datetime1">
+              <a:rPr lang="en-US" smtClean="0"/>
+              <a:t>9/22/2021</a:t>
+            </a:fld>
+            <a:endParaRPr lang="tr-TR"/>
+          </a:p>
+        </p:txBody>
+      </p:sp>
+      <p:sp>
+        <p:nvSpPr>
+          <p:cNvPr id="5" name="Footer Placeholder 4"/>
+          <p:cNvSpPr>
+            <a:spLocks noGrp="1"/>
+          </p:cNvSpPr>
+          <p:nvPr>
+            <p:ph type="ftr" sz="quarter" idx="11"/>
+          </p:nvPr>
+        </p:nvSpPr>
+        <p:spPr/>
+        <p:txBody>
+          <a:bodyPr/>
+          <a:lstStyle/>
+          <a:p>
+            <a:r>
+              <a:rPr lang="tr-TR" smtClean="0"/>
+              <a:t>EMREHAN</a:t>
+            </a:r>
+            <a:endParaRPr lang="tr-TR"/>
+          </a:p>
+        </p:txBody>
+      </p:sp>
+      <p:sp>
+        <p:nvSpPr>
+          <p:cNvPr id="6" name="Slide Number Placeholder 5"/>
+          <p:cNvSpPr>
+            <a:spLocks noGrp="1"/>
+          </p:cNvSpPr>
+          <p:nvPr>
+            <p:ph type="sldNum" sz="quarter" idx="12"/>
+          </p:nvPr>
+        </p:nvSpPr>
+        <p:spPr/>
+        <p:txBody>
+          <a:bodyPr/>
+          <a:lstStyle/>
+          <a:p>
+            <a:fld id="{F74E1598-E674-4AEE-8C6B-8AD6344A913E}" type="slidenum">
+              <a:rPr lang="tr-TR" smtClean="0"/>
+              <a:t>14</a:t>
+            </a:fld>
+            <a:endParaRPr lang="tr-TR"/>
+          </a:p>
+        </p:txBody>
+      </p:sp>
+    </p:spTree>
+    <p:extLst>
+      <p:ext uri="{BB962C8B-B14F-4D97-AF65-F5344CB8AC3E}">
+        <p14:creationId xmlns:p14="http://schemas.microsoft.com/office/powerpoint/2010/main" val="2112710787"/>
+      </p:ext>
+    </p:extLst>
+  </p:cSld>
+  <p:clrMapOvr>
+    <a:masterClrMapping/>
+  </p:clrMapOvr>
+</p:sld>
+</file>
+
+<file path=ppt/slides/slide15.xml><?xml version="1.0" encoding="utf-8"?>
+<p:sld xmlns:a="http://schemas.openxmlformats.org/drawingml/2006/main" xmlns:r="http://schemas.openxmlformats.org/officeDocument/2006/relationships" xmlns:p="http://schemas.openxmlformats.org/presentationml/2006/main">
+  <p:cSld>
+    <p:spTree>
+      <p:nvGrpSpPr>
+        <p:cNvPr id="1" name=""/>
+        <p:cNvGrpSpPr/>
+        <p:nvPr/>
+      </p:nvGrpSpPr>
+      <p:grpSpPr>
+        <a:xfrm>
+          <a:off x="0" y="0"/>
+          <a:ext cx="0" cy="0"/>
+          <a:chOff x="0" y="0"/>
+          <a:chExt cx="0" cy="0"/>
+        </a:xfrm>
+      </p:grpSpPr>
+      <p:sp>
+        <p:nvSpPr>
+          <p:cNvPr id="2" name="Title 1"/>
+          <p:cNvSpPr>
+            <a:spLocks noGrp="1"/>
+          </p:cNvSpPr>
+          <p:nvPr>
+            <p:ph type="title"/>
+          </p:nvPr>
+        </p:nvSpPr>
+        <p:spPr/>
+        <p:txBody>
+          <a:bodyPr/>
+          <a:lstStyle/>
+          <a:p>
+            <a:r>
+              <a:rPr lang="tr-TR" dirty="0"/>
+              <a:t>C) Can a Trigonometric Approach contribute to hyperparametic model ?</a:t>
+            </a:r>
+          </a:p>
+        </p:txBody>
+      </p:sp>
+      <p:pic>
+        <p:nvPicPr>
+          <p:cNvPr id="7" name="Content Placeholder 6"/>
+          <p:cNvPicPr>
+            <a:picLocks noGrp="1" noChangeAspect="1"/>
+          </p:cNvPicPr>
+          <p:nvPr>
+            <p:ph idx="1"/>
+          </p:nvPr>
+        </p:nvPicPr>
+        <p:blipFill>
+          <a:blip r:embed="rId2">
+            <a:extLst>
+              <a:ext uri="{28A0092B-C50C-407E-A947-70E740481C1C}">
+                <a14:useLocalDpi xmlns:a14="http://schemas.microsoft.com/office/drawing/2010/main" val="0"/>
+              </a:ext>
+            </a:extLst>
+          </a:blip>
+          <a:stretch>
+            <a:fillRect/>
+          </a:stretch>
+        </p:blipFill>
+        <p:spPr>
+          <a:xfrm>
+            <a:off x="2524360" y="2335604"/>
+            <a:ext cx="4903317" cy="3531405"/>
+          </a:xfrm>
+        </p:spPr>
+      </p:pic>
+      <p:sp>
+        <p:nvSpPr>
+          <p:cNvPr id="4" name="Date Placeholder 3"/>
+          <p:cNvSpPr>
+            <a:spLocks noGrp="1"/>
+          </p:cNvSpPr>
+          <p:nvPr>
+            <p:ph type="dt" sz="half" idx="10"/>
+          </p:nvPr>
+        </p:nvSpPr>
+        <p:spPr/>
+        <p:txBody>
+          <a:bodyPr/>
+          <a:lstStyle/>
+          <a:p>
+            <a:fld id="{B42B4FB0-0621-45E6-B97F-F77D45599D8C}" type="datetime1">
+              <a:rPr lang="en-US" smtClean="0"/>
+              <a:t>9/22/2021</a:t>
+            </a:fld>
+            <a:endParaRPr lang="tr-TR"/>
+          </a:p>
+        </p:txBody>
+      </p:sp>
+      <p:sp>
+        <p:nvSpPr>
+          <p:cNvPr id="5" name="Footer Placeholder 4"/>
+          <p:cNvSpPr>
+            <a:spLocks noGrp="1"/>
+          </p:cNvSpPr>
+          <p:nvPr>
+            <p:ph type="ftr" sz="quarter" idx="11"/>
+          </p:nvPr>
+        </p:nvSpPr>
+        <p:spPr/>
+        <p:txBody>
+          <a:bodyPr/>
+          <a:lstStyle/>
+          <a:p>
+            <a:r>
+              <a:rPr lang="tr-TR" smtClean="0"/>
+              <a:t>EMREHAN</a:t>
+            </a:r>
+            <a:endParaRPr lang="tr-TR"/>
+          </a:p>
+        </p:txBody>
+      </p:sp>
+      <p:sp>
+        <p:nvSpPr>
+          <p:cNvPr id="6" name="Slide Number Placeholder 5"/>
+          <p:cNvSpPr>
+            <a:spLocks noGrp="1"/>
+          </p:cNvSpPr>
+          <p:nvPr>
+            <p:ph type="sldNum" sz="quarter" idx="12"/>
+          </p:nvPr>
+        </p:nvSpPr>
+        <p:spPr/>
+        <p:txBody>
+          <a:bodyPr/>
+          <a:lstStyle/>
+          <a:p>
+            <a:fld id="{F74E1598-E674-4AEE-8C6B-8AD6344A913E}" type="slidenum">
+              <a:rPr lang="tr-TR" smtClean="0"/>
+              <a:t>15</a:t>
+            </a:fld>
+            <a:endParaRPr lang="tr-TR"/>
+          </a:p>
+        </p:txBody>
+      </p:sp>
+    </p:spTree>
+    <p:extLst>
+      <p:ext uri="{BB962C8B-B14F-4D97-AF65-F5344CB8AC3E}">
+        <p14:creationId xmlns:p14="http://schemas.microsoft.com/office/powerpoint/2010/main" val="1831266784"/>
+      </p:ext>
+    </p:extLst>
+  </p:cSld>
+  <p:clrMapOvr>
+    <a:masterClrMapping/>
+  </p:clrMapOvr>
+</p:sld>
+</file>
+
+<file path=ppt/slides/slide16.xml><?xml version="1.0" encoding="utf-8"?>
+<p:sld xmlns:a="http://schemas.openxmlformats.org/drawingml/2006/main" xmlns:r="http://schemas.openxmlformats.org/officeDocument/2006/relationships" xmlns:p="http://schemas.openxmlformats.org/presentationml/2006/main">
+  <p:cSld>
+    <p:spTree>
+      <p:nvGrpSpPr>
+        <p:cNvPr id="1" name=""/>
+        <p:cNvGrpSpPr/>
+        <p:nvPr/>
+      </p:nvGrpSpPr>
+      <p:grpSpPr>
+        <a:xfrm>
+          <a:off x="0" y="0"/>
+          <a:ext cx="0" cy="0"/>
+          <a:chOff x="0" y="0"/>
+          <a:chExt cx="0" cy="0"/>
+        </a:xfrm>
+      </p:grpSpPr>
+      <p:sp>
+        <p:nvSpPr>
+          <p:cNvPr id="2" name="Title 1"/>
+          <p:cNvSpPr>
+            <a:spLocks noGrp="1"/>
+          </p:cNvSpPr>
+          <p:nvPr>
+            <p:ph type="title"/>
+          </p:nvPr>
+        </p:nvSpPr>
+        <p:spPr/>
+        <p:txBody>
+          <a:bodyPr/>
+          <a:lstStyle/>
+          <a:p>
+            <a:r>
+              <a:rPr lang="tr-TR" dirty="0"/>
+              <a:t>C) Can a Trigonometric Approach contribute to hyperparametic model ?</a:t>
+            </a:r>
+          </a:p>
+        </p:txBody>
+      </p:sp>
+      <p:pic>
+        <p:nvPicPr>
+          <p:cNvPr id="7" name="Content Placeholder 6"/>
+          <p:cNvPicPr>
+            <a:picLocks noGrp="1" noChangeAspect="1"/>
+          </p:cNvPicPr>
+          <p:nvPr>
+            <p:ph idx="1"/>
+          </p:nvPr>
+        </p:nvPicPr>
+        <p:blipFill>
+          <a:blip r:embed="rId2">
+            <a:extLst>
+              <a:ext uri="{28A0092B-C50C-407E-A947-70E740481C1C}">
+                <a14:useLocalDpi xmlns:a14="http://schemas.microsoft.com/office/drawing/2010/main" val="0"/>
+              </a:ext>
+            </a:extLst>
+          </a:blip>
+          <a:stretch>
+            <a:fillRect/>
+          </a:stretch>
+        </p:blipFill>
+        <p:spPr>
+          <a:xfrm>
+            <a:off x="2524360" y="2335604"/>
+            <a:ext cx="4903317" cy="3531405"/>
+          </a:xfrm>
+        </p:spPr>
+      </p:pic>
+      <p:sp>
+        <p:nvSpPr>
+          <p:cNvPr id="4" name="Date Placeholder 3"/>
+          <p:cNvSpPr>
+            <a:spLocks noGrp="1"/>
+          </p:cNvSpPr>
+          <p:nvPr>
+            <p:ph type="dt" sz="half" idx="10"/>
+          </p:nvPr>
+        </p:nvSpPr>
+        <p:spPr/>
+        <p:txBody>
+          <a:bodyPr/>
+          <a:lstStyle/>
+          <a:p>
+            <a:fld id="{B42B4FB0-0621-45E6-B97F-F77D45599D8C}" type="datetime1">
+              <a:rPr lang="en-US" smtClean="0"/>
+              <a:t>9/22/2021</a:t>
+            </a:fld>
+            <a:endParaRPr lang="tr-TR"/>
+          </a:p>
+        </p:txBody>
+      </p:sp>
+      <p:sp>
+        <p:nvSpPr>
+          <p:cNvPr id="5" name="Footer Placeholder 4"/>
+          <p:cNvSpPr>
+            <a:spLocks noGrp="1"/>
+          </p:cNvSpPr>
+          <p:nvPr>
+            <p:ph type="ftr" sz="quarter" idx="11"/>
+          </p:nvPr>
+        </p:nvSpPr>
+        <p:spPr/>
+        <p:txBody>
+          <a:bodyPr/>
+          <a:lstStyle/>
+          <a:p>
+            <a:r>
+              <a:rPr lang="tr-TR" smtClean="0"/>
+              <a:t>EMREHAN</a:t>
+            </a:r>
+            <a:endParaRPr lang="tr-TR"/>
+          </a:p>
+        </p:txBody>
+      </p:sp>
+      <p:sp>
+        <p:nvSpPr>
+          <p:cNvPr id="6" name="Slide Number Placeholder 5"/>
+          <p:cNvSpPr>
+            <a:spLocks noGrp="1"/>
+          </p:cNvSpPr>
+          <p:nvPr>
+            <p:ph type="sldNum" sz="quarter" idx="12"/>
+          </p:nvPr>
+        </p:nvSpPr>
+        <p:spPr/>
+        <p:txBody>
+          <a:bodyPr/>
+          <a:lstStyle/>
+          <a:p>
+            <a:fld id="{F74E1598-E674-4AEE-8C6B-8AD6344A913E}" type="slidenum">
+              <a:rPr lang="tr-TR" smtClean="0"/>
+              <a:t>16</a:t>
+            </a:fld>
+            <a:endParaRPr lang="tr-TR"/>
+          </a:p>
+        </p:txBody>
+      </p:sp>
+    </p:spTree>
+    <p:extLst>
+      <p:ext uri="{BB962C8B-B14F-4D97-AF65-F5344CB8AC3E}">
+        <p14:creationId xmlns:p14="http://schemas.microsoft.com/office/powerpoint/2010/main" val="3411702207"/>
+      </p:ext>
+    </p:extLst>
+  </p:cSld>
+  <p:clrMapOvr>
+    <a:masterClrMapping/>
+  </p:clrMapOvr>
+</p:sld>
+</file>
+
+<file path=ppt/slides/slide17.xml><?xml version="1.0" encoding="utf-8"?>
+<p:sld xmlns:a="http://schemas.openxmlformats.org/drawingml/2006/main" xmlns:r="http://schemas.openxmlformats.org/officeDocument/2006/relationships" xmlns:p="http://schemas.openxmlformats.org/presentationml/2006/main">
+  <p:cSld>
+    <p:spTree>
+      <p:nvGrpSpPr>
+        <p:cNvPr id="1" name=""/>
+        <p:cNvGrpSpPr/>
+        <p:nvPr/>
+      </p:nvGrpSpPr>
+      <p:grpSpPr>
+        <a:xfrm>
+          <a:off x="0" y="0"/>
+          <a:ext cx="0" cy="0"/>
+          <a:chOff x="0" y="0"/>
+          <a:chExt cx="0" cy="0"/>
+        </a:xfrm>
+      </p:grpSpPr>
+      <p:sp>
+        <p:nvSpPr>
+          <p:cNvPr id="2" name="Title 1"/>
+          <p:cNvSpPr>
+            <a:spLocks noGrp="1"/>
+          </p:cNvSpPr>
+          <p:nvPr>
+            <p:ph type="title"/>
+          </p:nvPr>
+        </p:nvSpPr>
+        <p:spPr/>
+        <p:txBody>
+          <a:bodyPr/>
+          <a:lstStyle/>
+          <a:p>
+            <a:r>
+              <a:rPr lang="tr-TR" dirty="0"/>
+              <a:t>C) Can a Trigonometric Approach contribute to hyperparametic model ?</a:t>
+            </a:r>
+          </a:p>
+        </p:txBody>
+      </p:sp>
+      <p:pic>
+        <p:nvPicPr>
+          <p:cNvPr id="7" name="Content Placeholder 6"/>
+          <p:cNvPicPr>
+            <a:picLocks noGrp="1" noChangeAspect="1"/>
+          </p:cNvPicPr>
+          <p:nvPr>
+            <p:ph idx="1"/>
+          </p:nvPr>
+        </p:nvPicPr>
+        <p:blipFill>
+          <a:blip r:embed="rId2">
+            <a:extLst>
+              <a:ext uri="{28A0092B-C50C-407E-A947-70E740481C1C}">
+                <a14:useLocalDpi xmlns:a14="http://schemas.microsoft.com/office/drawing/2010/main" val="0"/>
+              </a:ext>
+            </a:extLst>
+          </a:blip>
+          <a:stretch>
+            <a:fillRect/>
+          </a:stretch>
+        </p:blipFill>
+        <p:spPr>
+          <a:xfrm>
+            <a:off x="2524360" y="2335604"/>
+            <a:ext cx="4903317" cy="3531405"/>
+          </a:xfrm>
+        </p:spPr>
+      </p:pic>
+      <p:sp>
+        <p:nvSpPr>
+          <p:cNvPr id="4" name="Date Placeholder 3"/>
+          <p:cNvSpPr>
+            <a:spLocks noGrp="1"/>
+          </p:cNvSpPr>
+          <p:nvPr>
+            <p:ph type="dt" sz="half" idx="10"/>
+          </p:nvPr>
+        </p:nvSpPr>
+        <p:spPr/>
+        <p:txBody>
+          <a:bodyPr/>
+          <a:lstStyle/>
+          <a:p>
+            <a:fld id="{B42B4FB0-0621-45E6-B97F-F77D45599D8C}" type="datetime1">
+              <a:rPr lang="en-US" smtClean="0"/>
+              <a:t>9/22/2021</a:t>
+            </a:fld>
+            <a:endParaRPr lang="tr-TR"/>
+          </a:p>
+        </p:txBody>
+      </p:sp>
+      <p:sp>
+        <p:nvSpPr>
+          <p:cNvPr id="5" name="Footer Placeholder 4"/>
+          <p:cNvSpPr>
+            <a:spLocks noGrp="1"/>
+          </p:cNvSpPr>
+          <p:nvPr>
+            <p:ph type="ftr" sz="quarter" idx="11"/>
+          </p:nvPr>
+        </p:nvSpPr>
+        <p:spPr/>
+        <p:txBody>
+          <a:bodyPr/>
+          <a:lstStyle/>
+          <a:p>
+            <a:r>
+              <a:rPr lang="tr-TR" smtClean="0"/>
+              <a:t>EMREHAN</a:t>
+            </a:r>
+            <a:endParaRPr lang="tr-TR"/>
+          </a:p>
+        </p:txBody>
+      </p:sp>
+      <p:sp>
+        <p:nvSpPr>
+          <p:cNvPr id="6" name="Slide Number Placeholder 5"/>
+          <p:cNvSpPr>
+            <a:spLocks noGrp="1"/>
+          </p:cNvSpPr>
+          <p:nvPr>
+            <p:ph type="sldNum" sz="quarter" idx="12"/>
+          </p:nvPr>
+        </p:nvSpPr>
+        <p:spPr/>
+        <p:txBody>
+          <a:bodyPr/>
+          <a:lstStyle/>
+          <a:p>
+            <a:fld id="{F74E1598-E674-4AEE-8C6B-8AD6344A913E}" type="slidenum">
+              <a:rPr lang="tr-TR" smtClean="0"/>
+              <a:t>17</a:t>
+            </a:fld>
+            <a:endParaRPr lang="tr-TR"/>
+          </a:p>
+        </p:txBody>
+      </p:sp>
+    </p:spTree>
+    <p:extLst>
+      <p:ext uri="{BB962C8B-B14F-4D97-AF65-F5344CB8AC3E}">
+        <p14:creationId xmlns:p14="http://schemas.microsoft.com/office/powerpoint/2010/main" val="716363455"/>
+      </p:ext>
+    </p:extLst>
+  </p:cSld>
+  <p:clrMapOvr>
+    <a:masterClrMapping/>
+  </p:clrMapOvr>
+</p:sld>
+</file>
+
+<file path=ppt/slides/slide18.xml><?xml version="1.0" encoding="utf-8"?>
+<p:sld xmlns:a="http://schemas.openxmlformats.org/drawingml/2006/main" xmlns:r="http://schemas.openxmlformats.org/officeDocument/2006/relationships" xmlns:p="http://schemas.openxmlformats.org/presentationml/2006/main">
+  <p:cSld>
+    <p:spTree>
+      <p:nvGrpSpPr>
+        <p:cNvPr id="1" name=""/>
+        <p:cNvGrpSpPr/>
+        <p:nvPr/>
+      </p:nvGrpSpPr>
+      <p:grpSpPr>
+        <a:xfrm>
+          <a:off x="0" y="0"/>
+          <a:ext cx="0" cy="0"/>
+          <a:chOff x="0" y="0"/>
+          <a:chExt cx="0" cy="0"/>
+        </a:xfrm>
+      </p:grpSpPr>
+      <p:sp>
+        <p:nvSpPr>
+          <p:cNvPr id="2" name="Title 1"/>
+          <p:cNvSpPr>
+            <a:spLocks noGrp="1"/>
+          </p:cNvSpPr>
+          <p:nvPr>
+            <p:ph type="title"/>
+          </p:nvPr>
+        </p:nvSpPr>
+        <p:spPr/>
+        <p:txBody>
+          <a:bodyPr/>
+          <a:lstStyle/>
+          <a:p>
+            <a:r>
+              <a:rPr lang="tr-TR" dirty="0"/>
+              <a:t>C) Can a Trigonometric Approach contribute to hyperparametic model ?</a:t>
+            </a:r>
+          </a:p>
+        </p:txBody>
+      </p:sp>
+      <mc:AlternateContent xmlns:mc="http://schemas.openxmlformats.org/markup-compatibility/2006" xmlns:a14="http://schemas.microsoft.com/office/drawing/2010/main">
+        <mc:Choice Requires="a14">
+          <p:sp>
+            <p:nvSpPr>
+              <p:cNvPr id="3" name="Content Placeholder 2"/>
+              <p:cNvSpPr>
+                <a:spLocks noGrp="1"/>
+              </p:cNvSpPr>
+              <p:nvPr>
+                <p:ph idx="1"/>
+              </p:nvPr>
+            </p:nvSpPr>
+            <p:spPr/>
+            <p:txBody>
+              <a:bodyPr/>
+              <a:lstStyle/>
+              <a:p>
+                <a:r>
+                  <a:rPr lang="tr-TR" dirty="0" smtClean="0"/>
+                  <a:t>Conclusion:</a:t>
+                </a:r>
+              </a:p>
+              <a:p>
+                <a:r>
+                  <a:rPr lang="tr-TR" dirty="0" smtClean="0"/>
+                  <a:t>1) When </a:t>
+                </a:r>
+                <a14:m>
+                  <m:oMath xmlns:m="http://schemas.openxmlformats.org/officeDocument/2006/math">
+                    <m:r>
+                      <a:rPr lang="tr-TR" i="1" smtClean="0">
+                        <a:latin typeface="Cambria Math" panose="02040503050406030204" pitchFamily="18" charset="0"/>
+                        <a:ea typeface="Cambria Math" panose="02040503050406030204" pitchFamily="18" charset="0"/>
+                      </a:rPr>
+                      <m:t>𝜃</m:t>
+                    </m:r>
+                    <m:r>
+                      <a:rPr lang="tr-TR" b="0" i="1" smtClean="0">
+                        <a:latin typeface="Cambria Math" panose="02040503050406030204" pitchFamily="18" charset="0"/>
+                        <a:ea typeface="Cambria Math" panose="02040503050406030204" pitchFamily="18" charset="0"/>
+                      </a:rPr>
+                      <m:t>=</m:t>
+                    </m:r>
+                    <m:f>
+                      <m:fPr>
+                        <m:ctrlPr>
+                          <a:rPr lang="tr-TR" b="0" i="1" smtClean="0">
+                            <a:latin typeface="Cambria Math" panose="02040503050406030204" pitchFamily="18" charset="0"/>
+                            <a:ea typeface="Cambria Math" panose="02040503050406030204" pitchFamily="18" charset="0"/>
+                          </a:rPr>
+                        </m:ctrlPr>
+                      </m:fPr>
+                      <m:num>
+                        <m:r>
+                          <a:rPr lang="tr-TR" b="0" i="1" smtClean="0">
+                            <a:latin typeface="Cambria Math" panose="02040503050406030204" pitchFamily="18" charset="0"/>
+                            <a:ea typeface="Cambria Math" panose="02040503050406030204" pitchFamily="18" charset="0"/>
+                          </a:rPr>
+                          <m:t>𝜋</m:t>
+                        </m:r>
+                      </m:num>
+                      <m:den>
+                        <m:r>
+                          <a:rPr lang="tr-TR" b="0" i="1" smtClean="0">
+                            <a:latin typeface="Cambria Math" panose="02040503050406030204" pitchFamily="18" charset="0"/>
+                            <a:ea typeface="Cambria Math" panose="02040503050406030204" pitchFamily="18" charset="0"/>
+                          </a:rPr>
+                          <m:t>2</m:t>
+                        </m:r>
+                      </m:den>
+                    </m:f>
+                    <m:r>
+                      <a:rPr lang="tr-TR" b="0" i="1" smtClean="0">
+                        <a:latin typeface="Cambria Math" panose="02040503050406030204" pitchFamily="18" charset="0"/>
+                        <a:ea typeface="Cambria Math" panose="02040503050406030204" pitchFamily="18" charset="0"/>
+                      </a:rPr>
+                      <m:t> →</m:t>
+                    </m:r>
+                    <m:r>
+                      <a:rPr lang="tr-TR" b="0" i="1" smtClean="0">
+                        <a:latin typeface="Cambria Math" panose="02040503050406030204" pitchFamily="18" charset="0"/>
+                        <a:ea typeface="Cambria Math" panose="02040503050406030204" pitchFamily="18" charset="0"/>
+                      </a:rPr>
+                      <m:t>𝛼</m:t>
+                    </m:r>
+                    <m:r>
+                      <a:rPr lang="tr-TR" b="0" i="1" smtClean="0">
+                        <a:latin typeface="Cambria Math" panose="02040503050406030204" pitchFamily="18" charset="0"/>
+                        <a:ea typeface="Cambria Math" panose="02040503050406030204" pitchFamily="18" charset="0"/>
+                      </a:rPr>
+                      <m:t>=0,  </m:t>
+                    </m:r>
+                    <m:r>
+                      <a:rPr lang="tr-TR" b="0" i="1" smtClean="0">
+                        <a:latin typeface="Cambria Math" panose="02040503050406030204" pitchFamily="18" charset="0"/>
+                        <a:ea typeface="Cambria Math" panose="02040503050406030204" pitchFamily="18" charset="0"/>
+                      </a:rPr>
+                      <m:t>𝛽</m:t>
+                    </m:r>
+                    <m:r>
+                      <a:rPr lang="tr-TR" b="0" i="1" smtClean="0">
+                        <a:latin typeface="Cambria Math" panose="02040503050406030204" pitchFamily="18" charset="0"/>
+                        <a:ea typeface="Cambria Math" panose="02040503050406030204" pitchFamily="18" charset="0"/>
+                      </a:rPr>
+                      <m:t>=1</m:t>
+                    </m:r>
+                  </m:oMath>
+                </a14:m>
+                <a:r>
+                  <a:rPr lang="tr-TR" dirty="0" smtClean="0"/>
+                  <a:t>, model produces only «DÜNYA» label, </a:t>
+                </a:r>
+                <a:r>
+                  <a:rPr lang="tr-TR" dirty="0"/>
+                  <a:t>then specificity </a:t>
+                </a:r>
+                <a:r>
+                  <a:rPr lang="tr-TR" dirty="0" smtClean="0"/>
+                  <a:t>fails. In other saying, predictions of other categories in test set become «DÜNYA»  </a:t>
+                </a:r>
+              </a:p>
+              <a:p>
+                <a:r>
+                  <a:rPr lang="tr-TR" dirty="0" smtClean="0"/>
+                  <a:t>2) Generally, performance of model based trigonometric functions falls behind that of model based uniform distribution in almost all categories. Only at prediction of documents labelled «Teknoloji», performance of trigonometric approach is a notch better than uniform approach.</a:t>
+                </a:r>
+              </a:p>
+              <a:p>
+                <a:pPr marL="0" indent="0">
+                  <a:buNone/>
+                </a:pPr>
+                <a:endParaRPr lang="tr-TR" dirty="0" smtClean="0"/>
+              </a:p>
+              <a:p>
+                <a:endParaRPr lang="tr-TR" dirty="0"/>
+              </a:p>
+            </p:txBody>
+          </p:sp>
+        </mc:Choice>
+        <mc:Fallback xmlns="">
+          <p:sp>
+            <p:nvSpPr>
+              <p:cNvPr id="3" name="Content Placeholder 2"/>
+              <p:cNvSpPr>
+                <a:spLocks noGrp="1" noRot="1" noChangeAspect="1" noMove="1" noResize="1" noEditPoints="1" noAdjustHandles="1" noChangeArrowheads="1" noChangeShapeType="1" noTextEdit="1"/>
+              </p:cNvSpPr>
+              <p:nvPr>
+                <p:ph idx="1"/>
+              </p:nvPr>
+            </p:nvSpPr>
+            <p:spPr>
+              <a:blipFill>
+                <a:blip r:embed="rId2"/>
+                <a:stretch>
+                  <a:fillRect l="-142" t="-942" r="-780"/>
+                </a:stretch>
+              </a:blipFill>
+            </p:spPr>
+            <p:txBody>
+              <a:bodyPr/>
+              <a:lstStyle/>
+              <a:p>
+                <a:r>
+                  <a:rPr lang="tr-TR">
+                    <a:noFill/>
+                  </a:rPr>
+                  <a:t> </a:t>
+                </a:r>
+              </a:p>
+            </p:txBody>
+          </p:sp>
+        </mc:Fallback>
+      </mc:AlternateContent>
+      <p:sp>
+        <p:nvSpPr>
+          <p:cNvPr id="4" name="Date Placeholder 3"/>
+          <p:cNvSpPr>
+            <a:spLocks noGrp="1"/>
+          </p:cNvSpPr>
+          <p:nvPr>
+            <p:ph type="dt" sz="half" idx="10"/>
+          </p:nvPr>
+        </p:nvSpPr>
+        <p:spPr/>
+        <p:txBody>
+          <a:bodyPr/>
+          <a:lstStyle/>
+          <a:p>
+            <a:fld id="{B42B4FB0-0621-45E6-B97F-F77D45599D8C}" type="datetime1">
+              <a:rPr lang="en-US" smtClean="0"/>
+              <a:t>9/22/2021</a:t>
+            </a:fld>
+            <a:endParaRPr lang="tr-TR"/>
+          </a:p>
+        </p:txBody>
+      </p:sp>
+      <p:sp>
+        <p:nvSpPr>
+          <p:cNvPr id="5" name="Footer Placeholder 4"/>
+          <p:cNvSpPr>
+            <a:spLocks noGrp="1"/>
+          </p:cNvSpPr>
+          <p:nvPr>
+            <p:ph type="ftr" sz="quarter" idx="11"/>
+          </p:nvPr>
+        </p:nvSpPr>
+        <p:spPr/>
+        <p:txBody>
+          <a:bodyPr/>
+          <a:lstStyle/>
+          <a:p>
+            <a:r>
+              <a:rPr lang="tr-TR" smtClean="0"/>
+              <a:t>EMREHAN</a:t>
+            </a:r>
+            <a:endParaRPr lang="tr-TR"/>
+          </a:p>
+        </p:txBody>
+      </p:sp>
+      <p:sp>
+        <p:nvSpPr>
+          <p:cNvPr id="6" name="Slide Number Placeholder 5"/>
+          <p:cNvSpPr>
+            <a:spLocks noGrp="1"/>
+          </p:cNvSpPr>
+          <p:nvPr>
+            <p:ph type="sldNum" sz="quarter" idx="12"/>
+          </p:nvPr>
+        </p:nvSpPr>
+        <p:spPr/>
+        <p:txBody>
+          <a:bodyPr/>
+          <a:lstStyle/>
+          <a:p>
+            <a:fld id="{F74E1598-E674-4AEE-8C6B-8AD6344A913E}" type="slidenum">
+              <a:rPr lang="tr-TR" smtClean="0"/>
+              <a:t>18</a:t>
+            </a:fld>
+            <a:endParaRPr lang="tr-TR"/>
+          </a:p>
+        </p:txBody>
+      </p:sp>
+    </p:spTree>
+    <p:extLst>
+      <p:ext uri="{BB962C8B-B14F-4D97-AF65-F5344CB8AC3E}">
+        <p14:creationId xmlns:p14="http://schemas.microsoft.com/office/powerpoint/2010/main" val="3753250434"/>
+      </p:ext>
+    </p:extLst>
+  </p:cSld>
+  <p:clrMapOvr>
+    <a:masterClrMapping/>
+  </p:clrMapOvr>
+</p:sld>
+</file>
+
+<file path=ppt/slides/slide19.xml><?xml version="1.0" encoding="utf-8"?>
+<p:sld xmlns:a="http://schemas.openxmlformats.org/drawingml/2006/main" xmlns:r="http://schemas.openxmlformats.org/officeDocument/2006/relationships" xmlns:p="http://schemas.openxmlformats.org/presentationml/2006/main">
+  <p:cSld>
+    <p:spTree>
+      <p:nvGrpSpPr>
+        <p:cNvPr id="1" name=""/>
+        <p:cNvGrpSpPr/>
+        <p:nvPr/>
+      </p:nvGrpSpPr>
+      <p:grpSpPr>
+        <a:xfrm>
+          <a:off x="0" y="0"/>
+          <a:ext cx="0" cy="0"/>
+          <a:chOff x="0" y="0"/>
+          <a:chExt cx="0" cy="0"/>
+        </a:xfrm>
+      </p:grpSpPr>
+      <p:sp>
+        <p:nvSpPr>
+          <p:cNvPr id="2" name="Title 1"/>
+          <p:cNvSpPr>
+            <a:spLocks noGrp="1"/>
+          </p:cNvSpPr>
+          <p:nvPr>
+            <p:ph type="title"/>
+          </p:nvPr>
+        </p:nvSpPr>
+        <p:spPr/>
+        <p:txBody>
+          <a:bodyPr/>
+          <a:lstStyle/>
+          <a:p>
+            <a:pPr algn="ctr"/>
+            <a:r>
+              <a:rPr lang="tr-TR" dirty="0" smtClean="0"/>
+              <a:t>THE END</a:t>
+            </a:r>
+            <a:endParaRPr lang="tr-TR" dirty="0"/>
+          </a:p>
+        </p:txBody>
+      </p:sp>
+      <p:sp>
+        <p:nvSpPr>
+          <p:cNvPr id="3" name="Content Placeholder 2"/>
+          <p:cNvSpPr>
+            <a:spLocks noGrp="1"/>
+          </p:cNvSpPr>
+          <p:nvPr>
+            <p:ph idx="1"/>
+          </p:nvPr>
+        </p:nvSpPr>
+        <p:spPr/>
+        <p:txBody>
+          <a:bodyPr/>
+          <a:lstStyle/>
+          <a:p>
+            <a:endParaRPr lang="tr-TR" dirty="0"/>
+          </a:p>
+        </p:txBody>
+      </p:sp>
+      <p:sp>
+        <p:nvSpPr>
+          <p:cNvPr id="4" name="Date Placeholder 3"/>
+          <p:cNvSpPr>
+            <a:spLocks noGrp="1"/>
+          </p:cNvSpPr>
+          <p:nvPr>
+            <p:ph type="dt" sz="half" idx="10"/>
+          </p:nvPr>
+        </p:nvSpPr>
+        <p:spPr/>
+        <p:txBody>
+          <a:bodyPr/>
+          <a:lstStyle/>
+          <a:p>
+            <a:fld id="{B42B4FB0-0621-45E6-B97F-F77D45599D8C}" type="datetime1">
+              <a:rPr lang="en-US" smtClean="0"/>
+              <a:t>9/22/2021</a:t>
+            </a:fld>
+            <a:endParaRPr lang="tr-TR"/>
+          </a:p>
+        </p:txBody>
+      </p:sp>
+      <p:sp>
+        <p:nvSpPr>
+          <p:cNvPr id="5" name="Footer Placeholder 4"/>
+          <p:cNvSpPr>
+            <a:spLocks noGrp="1"/>
+          </p:cNvSpPr>
+          <p:nvPr>
+            <p:ph type="ftr" sz="quarter" idx="11"/>
+          </p:nvPr>
+        </p:nvSpPr>
+        <p:spPr/>
+        <p:txBody>
+          <a:bodyPr/>
+          <a:lstStyle/>
+          <a:p>
+            <a:r>
+              <a:rPr lang="tr-TR" smtClean="0"/>
+              <a:t>EMREHAN</a:t>
+            </a:r>
+            <a:endParaRPr lang="tr-TR"/>
+          </a:p>
+        </p:txBody>
+      </p:sp>
+      <p:sp>
+        <p:nvSpPr>
+          <p:cNvPr id="6" name="Slide Number Placeholder 5"/>
+          <p:cNvSpPr>
+            <a:spLocks noGrp="1"/>
+          </p:cNvSpPr>
+          <p:nvPr>
+            <p:ph type="sldNum" sz="quarter" idx="12"/>
+          </p:nvPr>
+        </p:nvSpPr>
+        <p:spPr/>
+        <p:txBody>
+          <a:bodyPr/>
+          <a:lstStyle/>
+          <a:p>
+            <a:fld id="{F74E1598-E674-4AEE-8C6B-8AD6344A913E}" type="slidenum">
+              <a:rPr lang="tr-TR" smtClean="0"/>
+              <a:t>19</a:t>
+            </a:fld>
+            <a:endParaRPr lang="tr-TR"/>
+          </a:p>
+        </p:txBody>
+      </p:sp>
+    </p:spTree>
+    <p:extLst>
+      <p:ext uri="{BB962C8B-B14F-4D97-AF65-F5344CB8AC3E}">
+        <p14:creationId xmlns:p14="http://schemas.microsoft.com/office/powerpoint/2010/main" val="3394399636"/>
+      </p:ext>
+    </p:extLst>
+  </p:cSld>
+  <p:clrMapOvr>
+    <a:masterClrMapping/>
+  </p:clrMapOvr>
+</p:sld>
+</file>
+
 <file path=ppt/slides/slide2.xml><?xml version="1.0" encoding="utf-8"?>
 <p:sld xmlns:a="http://schemas.openxmlformats.org/drawingml/2006/main" xmlns:r="http://schemas.openxmlformats.org/officeDocument/2006/relationships" xmlns:p="http://schemas.openxmlformats.org/presentationml/2006/main">
   <p:cSld>
@@ -6720,7 +13246,7 @@
           <a:p>
             <a:fld id="{3D18DA87-FF4F-4A3F-9765-6666B7DB4AFD}" type="datetime1">
               <a:rPr lang="en-US" smtClean="0"/>
-              <a:t>9/16/2021</a:t>
+              <a:t>9/22/2021</a:t>
             </a:fld>
             <a:endParaRPr lang="tr-TR"/>
           </a:p>
@@ -6905,7 +13431,7 @@
           <a:p>
             <a:fld id="{061B5296-6EB9-4CAA-A3E7-7F80FCD7037D}" type="datetime1">
               <a:rPr lang="en-US" smtClean="0"/>
-              <a:t>9/16/2021</a:t>
+              <a:t>9/22/2021</a:t>
             </a:fld>
             <a:endParaRPr lang="tr-TR"/>
           </a:p>
@@ -8637,7 +15163,7 @@
           <a:p>
             <a:fld id="{B42B4FB0-0621-45E6-B97F-F77D45599D8C}" type="datetime1">
               <a:rPr lang="en-US" smtClean="0"/>
-              <a:t>9/16/2021</a:t>
+              <a:t>9/22/2021</a:t>
             </a:fld>
             <a:endParaRPr lang="tr-TR"/>
           </a:p>
@@ -8783,25 +15309,35 @@
           </a:p>
         </p:txBody>
       </p:sp>
-      <p:sp>
-        <p:nvSpPr>
-          <p:cNvPr id="3" name="Content Placeholder 2"/>
-          <p:cNvSpPr>
-            <a:spLocks noGrp="1"/>
-          </p:cNvSpPr>
+      <p:pic>
+        <p:nvPicPr>
+          <p:cNvPr id="8" name="Content Placeholder 7"/>
+          <p:cNvPicPr>
+            <a:picLocks noGrp="1" noChangeAspect="1"/>
+          </p:cNvPicPr>
           <p:nvPr>
             <p:ph idx="1"/>
           </p:nvPr>
-        </p:nvSpPr>
-        <p:spPr/>
-        <p:txBody>
-          <a:bodyPr/>
-          <a:lstStyle/>
-          <a:p>
-            <a:endParaRPr lang="tr-TR" dirty="0"/>
-          </a:p>
-        </p:txBody>
-      </p:sp>
+        </p:nvPicPr>
+        <p:blipFill>
+          <a:blip r:embed="rId2">
+            <a:extLst>
+              <a:ext uri="{28A0092B-C50C-407E-A947-70E740481C1C}">
+                <a14:useLocalDpi xmlns:a14="http://schemas.microsoft.com/office/drawing/2010/main" val="0"/>
+              </a:ext>
+            </a:extLst>
+          </a:blip>
+          <a:stretch>
+            <a:fillRect/>
+          </a:stretch>
+        </p:blipFill>
+        <p:spPr>
+          <a:xfrm>
+            <a:off x="677863" y="2578236"/>
+            <a:ext cx="8596312" cy="3046140"/>
+          </a:xfrm>
+        </p:spPr>
+      </p:pic>
       <p:sp>
         <p:nvSpPr>
           <p:cNvPr id="4" name="Date Placeholder 3"/>
@@ -8819,7 +15355,7 @@
           <a:p>
             <a:fld id="{B42B4FB0-0621-45E6-B97F-F77D45599D8C}" type="datetime1">
               <a:rPr lang="en-US" smtClean="0"/>
-              <a:t>9/16/2021</a:t>
+              <a:t>9/22/2021</a:t>
             </a:fld>
             <a:endParaRPr lang="tr-TR"/>
           </a:p>
@@ -8875,6 +15411,606 @@
     <p:extLst>
       <p:ext uri="{BB962C8B-B14F-4D97-AF65-F5344CB8AC3E}">
         <p14:creationId xmlns:p14="http://schemas.microsoft.com/office/powerpoint/2010/main" val="292420893"/>
+      </p:ext>
+    </p:extLst>
+  </p:cSld>
+  <p:clrMapOvr>
+    <a:masterClrMapping/>
+  </p:clrMapOvr>
+</p:sld>
+</file>
+
+<file path=ppt/slides/slide6.xml><?xml version="1.0" encoding="utf-8"?>
+<p:sld xmlns:a="http://schemas.openxmlformats.org/drawingml/2006/main" xmlns:r="http://schemas.openxmlformats.org/officeDocument/2006/relationships" xmlns:p="http://schemas.openxmlformats.org/presentationml/2006/main">
+  <p:cSld>
+    <p:spTree>
+      <p:nvGrpSpPr>
+        <p:cNvPr id="1" name=""/>
+        <p:cNvGrpSpPr/>
+        <p:nvPr/>
+      </p:nvGrpSpPr>
+      <p:grpSpPr>
+        <a:xfrm>
+          <a:off x="0" y="0"/>
+          <a:ext cx="0" cy="0"/>
+          <a:chOff x="0" y="0"/>
+          <a:chExt cx="0" cy="0"/>
+        </a:xfrm>
+      </p:grpSpPr>
+      <p:sp>
+        <p:nvSpPr>
+          <p:cNvPr id="2" name="Title 1"/>
+          <p:cNvSpPr>
+            <a:spLocks noGrp="1"/>
+          </p:cNvSpPr>
+          <p:nvPr>
+            <p:ph type="title"/>
+          </p:nvPr>
+        </p:nvSpPr>
+        <p:spPr/>
+        <p:txBody>
+          <a:bodyPr/>
+          <a:lstStyle/>
+          <a:p>
+            <a:r>
+              <a:rPr lang="tr-TR" dirty="0"/>
+              <a:t>B) Let’s compare all methods for each category</a:t>
+            </a:r>
+          </a:p>
+        </p:txBody>
+      </p:sp>
+      <p:pic>
+        <p:nvPicPr>
+          <p:cNvPr id="7" name="Content Placeholder 6"/>
+          <p:cNvPicPr>
+            <a:picLocks noGrp="1" noChangeAspect="1"/>
+          </p:cNvPicPr>
+          <p:nvPr>
+            <p:ph idx="1"/>
+          </p:nvPr>
+        </p:nvPicPr>
+        <p:blipFill>
+          <a:blip r:embed="rId2">
+            <a:extLst>
+              <a:ext uri="{28A0092B-C50C-407E-A947-70E740481C1C}">
+                <a14:useLocalDpi xmlns:a14="http://schemas.microsoft.com/office/drawing/2010/main" val="0"/>
+              </a:ext>
+            </a:extLst>
+          </a:blip>
+          <a:stretch>
+            <a:fillRect/>
+          </a:stretch>
+        </p:blipFill>
+        <p:spPr>
+          <a:xfrm>
+            <a:off x="677863" y="2578236"/>
+            <a:ext cx="8596312" cy="3046140"/>
+          </a:xfrm>
+        </p:spPr>
+      </p:pic>
+      <p:sp>
+        <p:nvSpPr>
+          <p:cNvPr id="4" name="Date Placeholder 3"/>
+          <p:cNvSpPr>
+            <a:spLocks noGrp="1"/>
+          </p:cNvSpPr>
+          <p:nvPr>
+            <p:ph type="dt" sz="half" idx="10"/>
+          </p:nvPr>
+        </p:nvSpPr>
+        <p:spPr/>
+        <p:txBody>
+          <a:bodyPr/>
+          <a:lstStyle/>
+          <a:p>
+            <a:fld id="{B42B4FB0-0621-45E6-B97F-F77D45599D8C}" type="datetime1">
+              <a:rPr lang="en-US" smtClean="0"/>
+              <a:t>9/22/2021</a:t>
+            </a:fld>
+            <a:endParaRPr lang="tr-TR"/>
+          </a:p>
+        </p:txBody>
+      </p:sp>
+      <p:sp>
+        <p:nvSpPr>
+          <p:cNvPr id="5" name="Footer Placeholder 4"/>
+          <p:cNvSpPr>
+            <a:spLocks noGrp="1"/>
+          </p:cNvSpPr>
+          <p:nvPr>
+            <p:ph type="ftr" sz="quarter" idx="11"/>
+          </p:nvPr>
+        </p:nvSpPr>
+        <p:spPr/>
+        <p:txBody>
+          <a:bodyPr/>
+          <a:lstStyle/>
+          <a:p>
+            <a:r>
+              <a:rPr lang="tr-TR" smtClean="0"/>
+              <a:t>EMREHAN</a:t>
+            </a:r>
+            <a:endParaRPr lang="tr-TR"/>
+          </a:p>
+        </p:txBody>
+      </p:sp>
+      <p:sp>
+        <p:nvSpPr>
+          <p:cNvPr id="6" name="Slide Number Placeholder 5"/>
+          <p:cNvSpPr>
+            <a:spLocks noGrp="1"/>
+          </p:cNvSpPr>
+          <p:nvPr>
+            <p:ph type="sldNum" sz="quarter" idx="12"/>
+          </p:nvPr>
+        </p:nvSpPr>
+        <p:spPr/>
+        <p:txBody>
+          <a:bodyPr/>
+          <a:lstStyle/>
+          <a:p>
+            <a:fld id="{F74E1598-E674-4AEE-8C6B-8AD6344A913E}" type="slidenum">
+              <a:rPr lang="tr-TR" smtClean="0"/>
+              <a:t>6</a:t>
+            </a:fld>
+            <a:endParaRPr lang="tr-TR"/>
+          </a:p>
+        </p:txBody>
+      </p:sp>
+    </p:spTree>
+    <p:extLst>
+      <p:ext uri="{BB962C8B-B14F-4D97-AF65-F5344CB8AC3E}">
+        <p14:creationId xmlns:p14="http://schemas.microsoft.com/office/powerpoint/2010/main" val="3921134790"/>
+      </p:ext>
+    </p:extLst>
+  </p:cSld>
+  <p:clrMapOvr>
+    <a:masterClrMapping/>
+  </p:clrMapOvr>
+</p:sld>
+</file>
+
+<file path=ppt/slides/slide7.xml><?xml version="1.0" encoding="utf-8"?>
+<p:sld xmlns:a="http://schemas.openxmlformats.org/drawingml/2006/main" xmlns:r="http://schemas.openxmlformats.org/officeDocument/2006/relationships" xmlns:p="http://schemas.openxmlformats.org/presentationml/2006/main">
+  <p:cSld>
+    <p:spTree>
+      <p:nvGrpSpPr>
+        <p:cNvPr id="1" name=""/>
+        <p:cNvGrpSpPr/>
+        <p:nvPr/>
+      </p:nvGrpSpPr>
+      <p:grpSpPr>
+        <a:xfrm>
+          <a:off x="0" y="0"/>
+          <a:ext cx="0" cy="0"/>
+          <a:chOff x="0" y="0"/>
+          <a:chExt cx="0" cy="0"/>
+        </a:xfrm>
+      </p:grpSpPr>
+      <p:sp>
+        <p:nvSpPr>
+          <p:cNvPr id="2" name="Title 1"/>
+          <p:cNvSpPr>
+            <a:spLocks noGrp="1"/>
+          </p:cNvSpPr>
+          <p:nvPr>
+            <p:ph type="title"/>
+          </p:nvPr>
+        </p:nvSpPr>
+        <p:spPr/>
+        <p:txBody>
+          <a:bodyPr/>
+          <a:lstStyle/>
+          <a:p>
+            <a:r>
+              <a:rPr lang="tr-TR" dirty="0"/>
+              <a:t>B) Let’s compare all methods for each category</a:t>
+            </a:r>
+          </a:p>
+        </p:txBody>
+      </p:sp>
+      <p:pic>
+        <p:nvPicPr>
+          <p:cNvPr id="7" name="Content Placeholder 6"/>
+          <p:cNvPicPr>
+            <a:picLocks noGrp="1" noChangeAspect="1"/>
+          </p:cNvPicPr>
+          <p:nvPr>
+            <p:ph idx="1"/>
+          </p:nvPr>
+        </p:nvPicPr>
+        <p:blipFill>
+          <a:blip r:embed="rId2">
+            <a:extLst>
+              <a:ext uri="{28A0092B-C50C-407E-A947-70E740481C1C}">
+                <a14:useLocalDpi xmlns:a14="http://schemas.microsoft.com/office/drawing/2010/main" val="0"/>
+              </a:ext>
+            </a:extLst>
+          </a:blip>
+          <a:stretch>
+            <a:fillRect/>
+          </a:stretch>
+        </p:blipFill>
+        <p:spPr>
+          <a:xfrm>
+            <a:off x="677863" y="2578236"/>
+            <a:ext cx="8596312" cy="3046140"/>
+          </a:xfrm>
+        </p:spPr>
+      </p:pic>
+      <p:sp>
+        <p:nvSpPr>
+          <p:cNvPr id="4" name="Date Placeholder 3"/>
+          <p:cNvSpPr>
+            <a:spLocks noGrp="1"/>
+          </p:cNvSpPr>
+          <p:nvPr>
+            <p:ph type="dt" sz="half" idx="10"/>
+          </p:nvPr>
+        </p:nvSpPr>
+        <p:spPr/>
+        <p:txBody>
+          <a:bodyPr/>
+          <a:lstStyle/>
+          <a:p>
+            <a:fld id="{B42B4FB0-0621-45E6-B97F-F77D45599D8C}" type="datetime1">
+              <a:rPr lang="en-US" smtClean="0"/>
+              <a:t>9/22/2021</a:t>
+            </a:fld>
+            <a:endParaRPr lang="tr-TR"/>
+          </a:p>
+        </p:txBody>
+      </p:sp>
+      <p:sp>
+        <p:nvSpPr>
+          <p:cNvPr id="5" name="Footer Placeholder 4"/>
+          <p:cNvSpPr>
+            <a:spLocks noGrp="1"/>
+          </p:cNvSpPr>
+          <p:nvPr>
+            <p:ph type="ftr" sz="quarter" idx="11"/>
+          </p:nvPr>
+        </p:nvSpPr>
+        <p:spPr/>
+        <p:txBody>
+          <a:bodyPr/>
+          <a:lstStyle/>
+          <a:p>
+            <a:r>
+              <a:rPr lang="tr-TR" smtClean="0"/>
+              <a:t>EMREHAN</a:t>
+            </a:r>
+            <a:endParaRPr lang="tr-TR"/>
+          </a:p>
+        </p:txBody>
+      </p:sp>
+      <p:sp>
+        <p:nvSpPr>
+          <p:cNvPr id="6" name="Slide Number Placeholder 5"/>
+          <p:cNvSpPr>
+            <a:spLocks noGrp="1"/>
+          </p:cNvSpPr>
+          <p:nvPr>
+            <p:ph type="sldNum" sz="quarter" idx="12"/>
+          </p:nvPr>
+        </p:nvSpPr>
+        <p:spPr/>
+        <p:txBody>
+          <a:bodyPr/>
+          <a:lstStyle/>
+          <a:p>
+            <a:fld id="{F74E1598-E674-4AEE-8C6B-8AD6344A913E}" type="slidenum">
+              <a:rPr lang="tr-TR" smtClean="0"/>
+              <a:t>7</a:t>
+            </a:fld>
+            <a:endParaRPr lang="tr-TR"/>
+          </a:p>
+        </p:txBody>
+      </p:sp>
+    </p:spTree>
+    <p:extLst>
+      <p:ext uri="{BB962C8B-B14F-4D97-AF65-F5344CB8AC3E}">
+        <p14:creationId xmlns:p14="http://schemas.microsoft.com/office/powerpoint/2010/main" val="3089891562"/>
+      </p:ext>
+    </p:extLst>
+  </p:cSld>
+  <p:clrMapOvr>
+    <a:masterClrMapping/>
+  </p:clrMapOvr>
+</p:sld>
+</file>
+
+<file path=ppt/slides/slide8.xml><?xml version="1.0" encoding="utf-8"?>
+<p:sld xmlns:a="http://schemas.openxmlformats.org/drawingml/2006/main" xmlns:r="http://schemas.openxmlformats.org/officeDocument/2006/relationships" xmlns:p="http://schemas.openxmlformats.org/presentationml/2006/main">
+  <p:cSld>
+    <p:spTree>
+      <p:nvGrpSpPr>
+        <p:cNvPr id="1" name=""/>
+        <p:cNvGrpSpPr/>
+        <p:nvPr/>
+      </p:nvGrpSpPr>
+      <p:grpSpPr>
+        <a:xfrm>
+          <a:off x="0" y="0"/>
+          <a:ext cx="0" cy="0"/>
+          <a:chOff x="0" y="0"/>
+          <a:chExt cx="0" cy="0"/>
+        </a:xfrm>
+      </p:grpSpPr>
+      <p:sp>
+        <p:nvSpPr>
+          <p:cNvPr id="2" name="Title 1"/>
+          <p:cNvSpPr>
+            <a:spLocks noGrp="1"/>
+          </p:cNvSpPr>
+          <p:nvPr>
+            <p:ph type="title"/>
+          </p:nvPr>
+        </p:nvSpPr>
+        <p:spPr/>
+        <p:txBody>
+          <a:bodyPr/>
+          <a:lstStyle/>
+          <a:p>
+            <a:r>
+              <a:rPr lang="tr-TR" dirty="0"/>
+              <a:t>B) Let’s compare all methods for each category</a:t>
+            </a:r>
+          </a:p>
+        </p:txBody>
+      </p:sp>
+      <p:pic>
+        <p:nvPicPr>
+          <p:cNvPr id="7" name="Content Placeholder 6"/>
+          <p:cNvPicPr>
+            <a:picLocks noGrp="1" noChangeAspect="1"/>
+          </p:cNvPicPr>
+          <p:nvPr>
+            <p:ph idx="1"/>
+          </p:nvPr>
+        </p:nvPicPr>
+        <p:blipFill>
+          <a:blip r:embed="rId2">
+            <a:extLst>
+              <a:ext uri="{28A0092B-C50C-407E-A947-70E740481C1C}">
+                <a14:useLocalDpi xmlns:a14="http://schemas.microsoft.com/office/drawing/2010/main" val="0"/>
+              </a:ext>
+            </a:extLst>
+          </a:blip>
+          <a:stretch>
+            <a:fillRect/>
+          </a:stretch>
+        </p:blipFill>
+        <p:spPr>
+          <a:xfrm>
+            <a:off x="677863" y="2578236"/>
+            <a:ext cx="8596312" cy="3046140"/>
+          </a:xfrm>
+        </p:spPr>
+      </p:pic>
+      <p:sp>
+        <p:nvSpPr>
+          <p:cNvPr id="4" name="Date Placeholder 3"/>
+          <p:cNvSpPr>
+            <a:spLocks noGrp="1"/>
+          </p:cNvSpPr>
+          <p:nvPr>
+            <p:ph type="dt" sz="half" idx="10"/>
+          </p:nvPr>
+        </p:nvSpPr>
+        <p:spPr/>
+        <p:txBody>
+          <a:bodyPr/>
+          <a:lstStyle/>
+          <a:p>
+            <a:fld id="{B42B4FB0-0621-45E6-B97F-F77D45599D8C}" type="datetime1">
+              <a:rPr lang="en-US" smtClean="0"/>
+              <a:t>9/22/2021</a:t>
+            </a:fld>
+            <a:endParaRPr lang="tr-TR"/>
+          </a:p>
+        </p:txBody>
+      </p:sp>
+      <p:sp>
+        <p:nvSpPr>
+          <p:cNvPr id="5" name="Footer Placeholder 4"/>
+          <p:cNvSpPr>
+            <a:spLocks noGrp="1"/>
+          </p:cNvSpPr>
+          <p:nvPr>
+            <p:ph type="ftr" sz="quarter" idx="11"/>
+          </p:nvPr>
+        </p:nvSpPr>
+        <p:spPr/>
+        <p:txBody>
+          <a:bodyPr/>
+          <a:lstStyle/>
+          <a:p>
+            <a:r>
+              <a:rPr lang="tr-TR" smtClean="0"/>
+              <a:t>EMREHAN</a:t>
+            </a:r>
+            <a:endParaRPr lang="tr-TR"/>
+          </a:p>
+        </p:txBody>
+      </p:sp>
+      <p:sp>
+        <p:nvSpPr>
+          <p:cNvPr id="6" name="Slide Number Placeholder 5"/>
+          <p:cNvSpPr>
+            <a:spLocks noGrp="1"/>
+          </p:cNvSpPr>
+          <p:nvPr>
+            <p:ph type="sldNum" sz="quarter" idx="12"/>
+          </p:nvPr>
+        </p:nvSpPr>
+        <p:spPr/>
+        <p:txBody>
+          <a:bodyPr/>
+          <a:lstStyle/>
+          <a:p>
+            <a:fld id="{F74E1598-E674-4AEE-8C6B-8AD6344A913E}" type="slidenum">
+              <a:rPr lang="tr-TR" smtClean="0"/>
+              <a:t>8</a:t>
+            </a:fld>
+            <a:endParaRPr lang="tr-TR"/>
+          </a:p>
+        </p:txBody>
+      </p:sp>
+    </p:spTree>
+    <p:extLst>
+      <p:ext uri="{BB962C8B-B14F-4D97-AF65-F5344CB8AC3E}">
+        <p14:creationId xmlns:p14="http://schemas.microsoft.com/office/powerpoint/2010/main" val="755596903"/>
+      </p:ext>
+    </p:extLst>
+  </p:cSld>
+  <p:clrMapOvr>
+    <a:masterClrMapping/>
+  </p:clrMapOvr>
+</p:sld>
+</file>
+
+<file path=ppt/slides/slide9.xml><?xml version="1.0" encoding="utf-8"?>
+<p:sld xmlns:a="http://schemas.openxmlformats.org/drawingml/2006/main" xmlns:r="http://schemas.openxmlformats.org/officeDocument/2006/relationships" xmlns:p="http://schemas.openxmlformats.org/presentationml/2006/main">
+  <p:cSld>
+    <p:spTree>
+      <p:nvGrpSpPr>
+        <p:cNvPr id="1" name=""/>
+        <p:cNvGrpSpPr/>
+        <p:nvPr/>
+      </p:nvGrpSpPr>
+      <p:grpSpPr>
+        <a:xfrm>
+          <a:off x="0" y="0"/>
+          <a:ext cx="0" cy="0"/>
+          <a:chOff x="0" y="0"/>
+          <a:chExt cx="0" cy="0"/>
+        </a:xfrm>
+      </p:grpSpPr>
+      <p:sp>
+        <p:nvSpPr>
+          <p:cNvPr id="2" name="Title 1"/>
+          <p:cNvSpPr>
+            <a:spLocks noGrp="1"/>
+          </p:cNvSpPr>
+          <p:nvPr>
+            <p:ph type="title"/>
+          </p:nvPr>
+        </p:nvSpPr>
+        <p:spPr/>
+        <p:txBody>
+          <a:bodyPr/>
+          <a:lstStyle/>
+          <a:p>
+            <a:r>
+              <a:rPr lang="tr-TR" dirty="0"/>
+              <a:t>B) Let’s compare all methods for each category</a:t>
+            </a:r>
+          </a:p>
+        </p:txBody>
+      </p:sp>
+      <p:pic>
+        <p:nvPicPr>
+          <p:cNvPr id="7" name="Content Placeholder 6"/>
+          <p:cNvPicPr>
+            <a:picLocks noGrp="1" noChangeAspect="1"/>
+          </p:cNvPicPr>
+          <p:nvPr>
+            <p:ph idx="1"/>
+          </p:nvPr>
+        </p:nvPicPr>
+        <p:blipFill>
+          <a:blip r:embed="rId2">
+            <a:extLst>
+              <a:ext uri="{28A0092B-C50C-407E-A947-70E740481C1C}">
+                <a14:useLocalDpi xmlns:a14="http://schemas.microsoft.com/office/drawing/2010/main" val="0"/>
+              </a:ext>
+            </a:extLst>
+          </a:blip>
+          <a:stretch>
+            <a:fillRect/>
+          </a:stretch>
+        </p:blipFill>
+        <p:spPr>
+          <a:xfrm>
+            <a:off x="677863" y="2578236"/>
+            <a:ext cx="8596312" cy="3046140"/>
+          </a:xfrm>
+        </p:spPr>
+      </p:pic>
+      <p:sp>
+        <p:nvSpPr>
+          <p:cNvPr id="4" name="Date Placeholder 3"/>
+          <p:cNvSpPr>
+            <a:spLocks noGrp="1"/>
+          </p:cNvSpPr>
+          <p:nvPr>
+            <p:ph type="dt" sz="half" idx="10"/>
+          </p:nvPr>
+        </p:nvSpPr>
+        <p:spPr/>
+        <p:txBody>
+          <a:bodyPr/>
+          <a:lstStyle/>
+          <a:p>
+            <a:fld id="{B42B4FB0-0621-45E6-B97F-F77D45599D8C}" type="datetime1">
+              <a:rPr lang="en-US" smtClean="0"/>
+              <a:t>9/22/2021</a:t>
+            </a:fld>
+            <a:endParaRPr lang="tr-TR"/>
+          </a:p>
+        </p:txBody>
+      </p:sp>
+      <p:sp>
+        <p:nvSpPr>
+          <p:cNvPr id="5" name="Footer Placeholder 4"/>
+          <p:cNvSpPr>
+            <a:spLocks noGrp="1"/>
+          </p:cNvSpPr>
+          <p:nvPr>
+            <p:ph type="ftr" sz="quarter" idx="11"/>
+          </p:nvPr>
+        </p:nvSpPr>
+        <p:spPr/>
+        <p:txBody>
+          <a:bodyPr/>
+          <a:lstStyle/>
+          <a:p>
+            <a:r>
+              <a:rPr lang="tr-TR" smtClean="0"/>
+              <a:t>EMREHAN</a:t>
+            </a:r>
+            <a:endParaRPr lang="tr-TR"/>
+          </a:p>
+        </p:txBody>
+      </p:sp>
+      <p:sp>
+        <p:nvSpPr>
+          <p:cNvPr id="6" name="Slide Number Placeholder 5"/>
+          <p:cNvSpPr>
+            <a:spLocks noGrp="1"/>
+          </p:cNvSpPr>
+          <p:nvPr>
+            <p:ph type="sldNum" sz="quarter" idx="12"/>
+          </p:nvPr>
+        </p:nvSpPr>
+        <p:spPr/>
+        <p:txBody>
+          <a:bodyPr/>
+          <a:lstStyle/>
+          <a:p>
+            <a:fld id="{F74E1598-E674-4AEE-8C6B-8AD6344A913E}" type="slidenum">
+              <a:rPr lang="tr-TR" smtClean="0"/>
+              <a:t>9</a:t>
+            </a:fld>
+            <a:endParaRPr lang="tr-TR"/>
+          </a:p>
+        </p:txBody>
+      </p:sp>
+    </p:spTree>
+    <p:extLst>
+      <p:ext uri="{BB962C8B-B14F-4D97-AF65-F5344CB8AC3E}">
+        <p14:creationId xmlns:p14="http://schemas.microsoft.com/office/powerpoint/2010/main" val="4120252282"/>
       </p:ext>
     </p:extLst>
   </p:cSld>
